--- a/doc/TiDB Future App Hackathon 2023.pptx
+++ b/doc/TiDB Future App Hackathon 2023.pptx
@@ -1,30 +1,30 @@
 
 <file path=ppt/presentation.xml><?xml version="1.0" encoding="utf-8"?>
-<p:presentation xmlns:a="http://schemas.openxmlformats.org/drawingml/2006/main" xmlns:r="http://schemas.openxmlformats.org/officeDocument/2006/relationships" xmlns:mc="http://schemas.openxmlformats.org/markup-compatibility/2006" xmlns:mv="urn:schemas-microsoft-com:mac:vml" xmlns:p="http://schemas.openxmlformats.org/presentationml/2006/main" xmlns:c="http://schemas.openxmlformats.org/drawingml/2006/chart" xmlns:dgm="http://schemas.openxmlformats.org/drawingml/2006/diagram" xmlns:o="urn:schemas-microsoft-com:office:office" xmlns:v="urn:schemas-microsoft-com:vml" xmlns:pvml="urn:schemas-microsoft-com:office:powerpoint" xmlns:com="http://schemas.openxmlformats.org/drawingml/2006/compatibility" xmlns:p14="http://schemas.microsoft.com/office/powerpoint/2010/main" xmlns:p15="http://schemas.microsoft.com/office/powerpoint/2012/main" xmlns:ahyp="http://schemas.microsoft.com/office/drawing/2018/hyperlinkcolor" autoCompressPictures="0" strictFirstAndLastChars="0" saveSubsetFonts="1">
+<p:presentation xmlns:a="http://schemas.openxmlformats.org/drawingml/2006/main" xmlns:r="http://schemas.openxmlformats.org/officeDocument/2006/relationships" xmlns:p="http://schemas.openxmlformats.org/presentationml/2006/main" strictFirstAndLastChars="0" autoCompressPictures="0">
   <p:sldMasterIdLst>
-    <p:sldMasterId id="2147483659" r:id="rId4"/>
+    <p:sldMasterId id="2147483648" r:id="rId1"/>
   </p:sldMasterIdLst>
   <p:notesMasterIdLst>
-    <p:notesMasterId r:id="rId5"/>
+    <p:notesMasterId r:id="rId4"/>
   </p:notesMasterIdLst>
   <p:sldIdLst>
-    <p:sldId id="256" r:id="rId6"/>
-    <p:sldId id="257" r:id="rId7"/>
-    <p:sldId id="258" r:id="rId8"/>
-    <p:sldId id="259" r:id="rId9"/>
-    <p:sldId id="260" r:id="rId10"/>
-    <p:sldId id="261" r:id="rId11"/>
-    <p:sldId id="262" r:id="rId12"/>
-    <p:sldId id="263" r:id="rId13"/>
-    <p:sldId id="264" r:id="rId14"/>
-    <p:sldId id="265" r:id="rId15"/>
-    <p:sldId id="266" r:id="rId16"/>
-    <p:sldId id="267" r:id="rId17"/>
+    <p:sldId id="256" r:id="rId3"/>
+    <p:sldId id="257" r:id="rId5"/>
+    <p:sldId id="258" r:id="rId6"/>
+    <p:sldId id="259" r:id="rId7"/>
+    <p:sldId id="260" r:id="rId8"/>
+    <p:sldId id="261" r:id="rId9"/>
+    <p:sldId id="262" r:id="rId10"/>
+    <p:sldId id="263" r:id="rId11"/>
+    <p:sldId id="264" r:id="rId12"/>
+    <p:sldId id="265" r:id="rId13"/>
+    <p:sldId id="266" r:id="rId14"/>
+    <p:sldId id="267" r:id="rId15"/>
   </p:sldIdLst>
-  <p:sldSz cy="5143500" cx="9144000"/>
+  <p:sldSz cx="9144000" cy="5143500"/>
   <p:notesSz cx="6858000" cy="9144000"/>
   <p:defaultTextStyle>
-    <a:defPPr lvl="0" marR="0" rtl="0" algn="l">
+    <a:defPPr marR="0" lvl="0" algn="l" rtl="0">
       <a:lnSpc>
         <a:spcPct val="100000"/>
       </a:lnSpc>
@@ -35,7 +35,7 @@
         <a:spcPts val="0"/>
       </a:spcAft>
     </a:defPPr>
-    <a:lvl1pPr lvl="0" marR="0" rtl="0" algn="l">
+    <a:lvl1pPr marR="0" lvl="0" algn="l" rtl="0">
       <a:lnSpc>
         <a:spcPct val="100000"/>
       </a:lnSpc>
@@ -48,18 +48,18 @@
       <a:buClr>
         <a:srgbClr val="000000"/>
       </a:buClr>
-      <a:buFont typeface="Arial"/>
-      <a:defRPr b="0" i="0" sz="1400" u="none" cap="none" strike="noStrike">
+      <a:buFont typeface="Arial" panose="020B0604020202020204"/>
+      <a:defRPr sz="1400" b="0" i="0" u="none" strike="noStrike" cap="none">
         <a:solidFill>
           <a:srgbClr val="000000"/>
         </a:solidFill>
-        <a:latin typeface="Arial"/>
-        <a:ea typeface="Arial"/>
-        <a:cs typeface="Arial"/>
-        <a:sym typeface="Arial"/>
+        <a:latin typeface="Arial" panose="020B0604020202020204"/>
+        <a:ea typeface="Arial" panose="020B0604020202020204"/>
+        <a:cs typeface="Arial" panose="020B0604020202020204"/>
+        <a:sym typeface="Arial" panose="020B0604020202020204"/>
       </a:defRPr>
     </a:lvl1pPr>
-    <a:lvl2pPr lvl="1" marR="0" rtl="0" algn="l">
+    <a:lvl2pPr marR="0" lvl="1" algn="l" rtl="0">
       <a:lnSpc>
         <a:spcPct val="100000"/>
       </a:lnSpc>
@@ -72,18 +72,18 @@
       <a:buClr>
         <a:srgbClr val="000000"/>
       </a:buClr>
-      <a:buFont typeface="Arial"/>
-      <a:defRPr b="0" i="0" sz="1400" u="none" cap="none" strike="noStrike">
+      <a:buFont typeface="Arial" panose="020B0604020202020204"/>
+      <a:defRPr sz="1400" b="0" i="0" u="none" strike="noStrike" cap="none">
         <a:solidFill>
           <a:srgbClr val="000000"/>
         </a:solidFill>
-        <a:latin typeface="Arial"/>
-        <a:ea typeface="Arial"/>
-        <a:cs typeface="Arial"/>
-        <a:sym typeface="Arial"/>
+        <a:latin typeface="Arial" panose="020B0604020202020204"/>
+        <a:ea typeface="Arial" panose="020B0604020202020204"/>
+        <a:cs typeface="Arial" panose="020B0604020202020204"/>
+        <a:sym typeface="Arial" panose="020B0604020202020204"/>
       </a:defRPr>
     </a:lvl2pPr>
-    <a:lvl3pPr lvl="2" marR="0" rtl="0" algn="l">
+    <a:lvl3pPr marR="0" lvl="2" algn="l" rtl="0">
       <a:lnSpc>
         <a:spcPct val="100000"/>
       </a:lnSpc>
@@ -96,18 +96,18 @@
       <a:buClr>
         <a:srgbClr val="000000"/>
       </a:buClr>
-      <a:buFont typeface="Arial"/>
-      <a:defRPr b="0" i="0" sz="1400" u="none" cap="none" strike="noStrike">
+      <a:buFont typeface="Arial" panose="020B0604020202020204"/>
+      <a:defRPr sz="1400" b="0" i="0" u="none" strike="noStrike" cap="none">
         <a:solidFill>
           <a:srgbClr val="000000"/>
         </a:solidFill>
-        <a:latin typeface="Arial"/>
-        <a:ea typeface="Arial"/>
-        <a:cs typeface="Arial"/>
-        <a:sym typeface="Arial"/>
+        <a:latin typeface="Arial" panose="020B0604020202020204"/>
+        <a:ea typeface="Arial" panose="020B0604020202020204"/>
+        <a:cs typeface="Arial" panose="020B0604020202020204"/>
+        <a:sym typeface="Arial" panose="020B0604020202020204"/>
       </a:defRPr>
     </a:lvl3pPr>
-    <a:lvl4pPr lvl="3" marR="0" rtl="0" algn="l">
+    <a:lvl4pPr marR="0" lvl="3" algn="l" rtl="0">
       <a:lnSpc>
         <a:spcPct val="100000"/>
       </a:lnSpc>
@@ -120,18 +120,18 @@
       <a:buClr>
         <a:srgbClr val="000000"/>
       </a:buClr>
-      <a:buFont typeface="Arial"/>
-      <a:defRPr b="0" i="0" sz="1400" u="none" cap="none" strike="noStrike">
+      <a:buFont typeface="Arial" panose="020B0604020202020204"/>
+      <a:defRPr sz="1400" b="0" i="0" u="none" strike="noStrike" cap="none">
         <a:solidFill>
           <a:srgbClr val="000000"/>
         </a:solidFill>
-        <a:latin typeface="Arial"/>
-        <a:ea typeface="Arial"/>
-        <a:cs typeface="Arial"/>
-        <a:sym typeface="Arial"/>
+        <a:latin typeface="Arial" panose="020B0604020202020204"/>
+        <a:ea typeface="Arial" panose="020B0604020202020204"/>
+        <a:cs typeface="Arial" panose="020B0604020202020204"/>
+        <a:sym typeface="Arial" panose="020B0604020202020204"/>
       </a:defRPr>
     </a:lvl4pPr>
-    <a:lvl5pPr lvl="4" marR="0" rtl="0" algn="l">
+    <a:lvl5pPr marR="0" lvl="4" algn="l" rtl="0">
       <a:lnSpc>
         <a:spcPct val="100000"/>
       </a:lnSpc>
@@ -144,18 +144,18 @@
       <a:buClr>
         <a:srgbClr val="000000"/>
       </a:buClr>
-      <a:buFont typeface="Arial"/>
-      <a:defRPr b="0" i="0" sz="1400" u="none" cap="none" strike="noStrike">
+      <a:buFont typeface="Arial" panose="020B0604020202020204"/>
+      <a:defRPr sz="1400" b="0" i="0" u="none" strike="noStrike" cap="none">
         <a:solidFill>
           <a:srgbClr val="000000"/>
         </a:solidFill>
-        <a:latin typeface="Arial"/>
-        <a:ea typeface="Arial"/>
-        <a:cs typeface="Arial"/>
-        <a:sym typeface="Arial"/>
+        <a:latin typeface="Arial" panose="020B0604020202020204"/>
+        <a:ea typeface="Arial" panose="020B0604020202020204"/>
+        <a:cs typeface="Arial" panose="020B0604020202020204"/>
+        <a:sym typeface="Arial" panose="020B0604020202020204"/>
       </a:defRPr>
     </a:lvl5pPr>
-    <a:lvl6pPr lvl="5" marR="0" rtl="0" algn="l">
+    <a:lvl6pPr marR="0" lvl="5" algn="l" rtl="0">
       <a:lnSpc>
         <a:spcPct val="100000"/>
       </a:lnSpc>
@@ -168,18 +168,18 @@
       <a:buClr>
         <a:srgbClr val="000000"/>
       </a:buClr>
-      <a:buFont typeface="Arial"/>
-      <a:defRPr b="0" i="0" sz="1400" u="none" cap="none" strike="noStrike">
+      <a:buFont typeface="Arial" panose="020B0604020202020204"/>
+      <a:defRPr sz="1400" b="0" i="0" u="none" strike="noStrike" cap="none">
         <a:solidFill>
           <a:srgbClr val="000000"/>
         </a:solidFill>
-        <a:latin typeface="Arial"/>
-        <a:ea typeface="Arial"/>
-        <a:cs typeface="Arial"/>
-        <a:sym typeface="Arial"/>
+        <a:latin typeface="Arial" panose="020B0604020202020204"/>
+        <a:ea typeface="Arial" panose="020B0604020202020204"/>
+        <a:cs typeface="Arial" panose="020B0604020202020204"/>
+        <a:sym typeface="Arial" panose="020B0604020202020204"/>
       </a:defRPr>
     </a:lvl6pPr>
-    <a:lvl7pPr lvl="6" marR="0" rtl="0" algn="l">
+    <a:lvl7pPr marR="0" lvl="6" algn="l" rtl="0">
       <a:lnSpc>
         <a:spcPct val="100000"/>
       </a:lnSpc>
@@ -192,18 +192,18 @@
       <a:buClr>
         <a:srgbClr val="000000"/>
       </a:buClr>
-      <a:buFont typeface="Arial"/>
-      <a:defRPr b="0" i="0" sz="1400" u="none" cap="none" strike="noStrike">
+      <a:buFont typeface="Arial" panose="020B0604020202020204"/>
+      <a:defRPr sz="1400" b="0" i="0" u="none" strike="noStrike" cap="none">
         <a:solidFill>
           <a:srgbClr val="000000"/>
         </a:solidFill>
-        <a:latin typeface="Arial"/>
-        <a:ea typeface="Arial"/>
-        <a:cs typeface="Arial"/>
-        <a:sym typeface="Arial"/>
+        <a:latin typeface="Arial" panose="020B0604020202020204"/>
+        <a:ea typeface="Arial" panose="020B0604020202020204"/>
+        <a:cs typeface="Arial" panose="020B0604020202020204"/>
+        <a:sym typeface="Arial" panose="020B0604020202020204"/>
       </a:defRPr>
     </a:lvl7pPr>
-    <a:lvl8pPr lvl="7" marR="0" rtl="0" algn="l">
+    <a:lvl8pPr marR="0" lvl="7" algn="l" rtl="0">
       <a:lnSpc>
         <a:spcPct val="100000"/>
       </a:lnSpc>
@@ -216,18 +216,18 @@
       <a:buClr>
         <a:srgbClr val="000000"/>
       </a:buClr>
-      <a:buFont typeface="Arial"/>
-      <a:defRPr b="0" i="0" sz="1400" u="none" cap="none" strike="noStrike">
+      <a:buFont typeface="Arial" panose="020B0604020202020204"/>
+      <a:defRPr sz="1400" b="0" i="0" u="none" strike="noStrike" cap="none">
         <a:solidFill>
           <a:srgbClr val="000000"/>
         </a:solidFill>
-        <a:latin typeface="Arial"/>
-        <a:ea typeface="Arial"/>
-        <a:cs typeface="Arial"/>
-        <a:sym typeface="Arial"/>
+        <a:latin typeface="Arial" panose="020B0604020202020204"/>
+        <a:ea typeface="Arial" panose="020B0604020202020204"/>
+        <a:cs typeface="Arial" panose="020B0604020202020204"/>
+        <a:sym typeface="Arial" panose="020B0604020202020204"/>
       </a:defRPr>
     </a:lvl8pPr>
-    <a:lvl9pPr lvl="8" marR="0" rtl="0" algn="l">
+    <a:lvl9pPr marR="0" lvl="8" algn="l" rtl="0">
       <a:lnSpc>
         <a:spcPct val="100000"/>
       </a:lnSpc>
@@ -240,40 +240,29 @@
       <a:buClr>
         <a:srgbClr val="000000"/>
       </a:buClr>
-      <a:buFont typeface="Arial"/>
-      <a:defRPr b="0" i="0" sz="1400" u="none" cap="none" strike="noStrike">
+      <a:buFont typeface="Arial" panose="020B0604020202020204"/>
+      <a:defRPr sz="1400" b="0" i="0" u="none" strike="noStrike" cap="none">
         <a:solidFill>
           <a:srgbClr val="000000"/>
         </a:solidFill>
-        <a:latin typeface="Arial"/>
-        <a:ea typeface="Arial"/>
-        <a:cs typeface="Arial"/>
-        <a:sym typeface="Arial"/>
+        <a:latin typeface="Arial" panose="020B0604020202020204"/>
+        <a:ea typeface="Arial" panose="020B0604020202020204"/>
+        <a:cs typeface="Arial" panose="020B0604020202020204"/>
+        <a:sym typeface="Arial" panose="020B0604020202020204"/>
       </a:defRPr>
     </a:lvl9pPr>
   </p:defaultTextStyle>
-  <p:extLst>
-    <p:ext uri="{EFAFB233-063F-42B5-8137-9DF3F51BA10A}">
-      <p15:sldGuideLst>
-        <p15:guide id="1" orient="horz" pos="1620">
-          <p15:clr>
-            <a:srgbClr val="747775"/>
-          </p15:clr>
-        </p15:guide>
-        <p15:guide id="2" pos="2880">
-          <p15:clr>
-            <a:srgbClr val="747775"/>
-          </p15:clr>
-        </p15:guide>
-      </p15:sldGuideLst>
-    </p:ext>
-  </p:extLst>
 </p:presentation>
 </file>
 
 <file path=ppt/notesMasters/notesMaster1.xml><?xml version="1.0" encoding="utf-8"?>
-<p:notesMaster xmlns:a="http://schemas.openxmlformats.org/drawingml/2006/main" xmlns:r="http://schemas.openxmlformats.org/officeDocument/2006/relationships" xmlns:mc="http://schemas.openxmlformats.org/markup-compatibility/2006" xmlns:mv="urn:schemas-microsoft-com:mac:vml" xmlns:p="http://schemas.openxmlformats.org/presentationml/2006/main" xmlns:c="http://schemas.openxmlformats.org/drawingml/2006/chart" xmlns:dgm="http://schemas.openxmlformats.org/drawingml/2006/diagram" xmlns:o="urn:schemas-microsoft-com:office:office" xmlns:v="urn:schemas-microsoft-com:vml" xmlns:pvml="urn:schemas-microsoft-com:office:powerpoint" xmlns:com="http://schemas.openxmlformats.org/drawingml/2006/compatibility" xmlns:p14="http://schemas.microsoft.com/office/powerpoint/2010/main" xmlns:p15="http://schemas.microsoft.com/office/powerpoint/2012/main" xmlns:ahyp="http://schemas.microsoft.com/office/drawing/2018/hyperlinkcolor">
+<p:notesMaster xmlns:a="http://schemas.openxmlformats.org/drawingml/2006/main" xmlns:r="http://schemas.openxmlformats.org/officeDocument/2006/relationships" xmlns:p="http://schemas.openxmlformats.org/presentationml/2006/main">
   <p:cSld>
+    <p:bg>
+      <p:bgRef idx="1001">
+        <a:schemeClr val="bg1"/>
+      </p:bgRef>
+    </p:bg>
     <p:spTree>
       <p:nvGrpSpPr>
         <p:cNvPr id="2" name="Shape 2"/>
@@ -293,7 +282,7 @@
           <p:cNvPr id="3" name="Google Shape;3;n"/>
           <p:cNvSpPr/>
           <p:nvPr>
-            <p:ph idx="2" type="sldImg"/>
+            <p:ph type="sldImg" idx="2"/>
           </p:nvPr>
         </p:nvSpPr>
         <p:spPr>
@@ -302,9 +291,13 @@
             <a:ext cx="6096075" cy="3429000"/>
           </a:xfrm>
           <a:custGeom>
-            <a:rect b="b" l="l" r="r" t="t"/>
+            <a:avLst/>
+            <a:gdLst/>
+            <a:ahLst/>
+            <a:cxnLst/>
+            <a:rect l="l" t="t" r="r" b="b"/>
             <a:pathLst>
-              <a:path extrusionOk="0" h="120000" w="120000">
+              <a:path w="120000" h="120000" extrusionOk="0">
                 <a:moveTo>
                   <a:pt x="0" y="0"/>
                 </a:moveTo>
@@ -322,14 +315,14 @@
             </a:pathLst>
           </a:custGeom>
           <a:noFill/>
-          <a:ln cap="flat" cmpd="sng" w="9525">
+          <a:ln w="9525" cap="flat" cmpd="sng">
             <a:solidFill>
               <a:srgbClr val="000000"/>
             </a:solidFill>
             <a:prstDash val="solid"/>
             <a:round/>
-            <a:headEnd len="sm" w="sm" type="none"/>
-            <a:tailEnd len="sm" w="sm" type="none"/>
+            <a:headEnd type="none" w="sm" len="sm"/>
+            <a:tailEnd type="none" w="sm" len="sm"/>
           </a:ln>
         </p:spPr>
       </p:sp>
@@ -338,7 +331,7 @@
           <p:cNvPr id="4" name="Google Shape;4;n"/>
           <p:cNvSpPr txBox="1"/>
           <p:nvPr>
-            <p:ph idx="1" type="body"/>
+            <p:ph type="body" idx="1"/>
           </p:nvPr>
         </p:nvSpPr>
         <p:spPr>
@@ -355,11 +348,11 @@
           </a:ln>
         </p:spPr>
         <p:txBody>
-          <a:bodyPr anchorCtr="0" anchor="t" bIns="91425" lIns="91425" spcFirstLastPara="1" rIns="91425" wrap="square" tIns="91425">
+          <a:bodyPr spcFirstLastPara="1" wrap="square" lIns="91425" tIns="91425" rIns="91425" bIns="91425" anchor="t" anchorCtr="0">
             <a:noAutofit/>
           </a:bodyPr>
           <a:lstStyle>
-            <a:lvl1pPr indent="-298450" lvl="0" marL="457200">
+            <a:lvl1pPr marL="457200" lvl="0" indent="-298450">
               <a:spcBef>
                 <a:spcPts val="0"/>
               </a:spcBef>
@@ -370,7 +363,7 @@
               <a:buChar char="●"/>
               <a:defRPr sz="1100"/>
             </a:lvl1pPr>
-            <a:lvl2pPr indent="-298450" lvl="1" marL="914400">
+            <a:lvl2pPr marL="914400" lvl="1" indent="-298450">
               <a:spcBef>
                 <a:spcPts val="0"/>
               </a:spcBef>
@@ -381,7 +374,7 @@
               <a:buChar char="○"/>
               <a:defRPr sz="1100"/>
             </a:lvl2pPr>
-            <a:lvl3pPr indent="-298450" lvl="2" marL="1371600">
+            <a:lvl3pPr marL="1371600" lvl="2" indent="-298450">
               <a:spcBef>
                 <a:spcPts val="0"/>
               </a:spcBef>
@@ -392,7 +385,7 @@
               <a:buChar char="■"/>
               <a:defRPr sz="1100"/>
             </a:lvl3pPr>
-            <a:lvl4pPr indent="-298450" lvl="3" marL="1828800">
+            <a:lvl4pPr marL="1828800" lvl="3" indent="-298450">
               <a:spcBef>
                 <a:spcPts val="0"/>
               </a:spcBef>
@@ -403,7 +396,7 @@
               <a:buChar char="●"/>
               <a:defRPr sz="1100"/>
             </a:lvl4pPr>
-            <a:lvl5pPr indent="-298450" lvl="4" marL="2286000">
+            <a:lvl5pPr marL="2286000" lvl="4" indent="-298450">
               <a:spcBef>
                 <a:spcPts val="0"/>
               </a:spcBef>
@@ -414,7 +407,7 @@
               <a:buChar char="○"/>
               <a:defRPr sz="1100"/>
             </a:lvl5pPr>
-            <a:lvl6pPr indent="-298450" lvl="5" marL="2743200">
+            <a:lvl6pPr marL="2743200" lvl="5" indent="-298450">
               <a:spcBef>
                 <a:spcPts val="0"/>
               </a:spcBef>
@@ -425,7 +418,7 @@
               <a:buChar char="■"/>
               <a:defRPr sz="1100"/>
             </a:lvl6pPr>
-            <a:lvl7pPr indent="-298450" lvl="6" marL="3200400">
+            <a:lvl7pPr marL="3200400" lvl="6" indent="-298450">
               <a:spcBef>
                 <a:spcPts val="0"/>
               </a:spcBef>
@@ -436,7 +429,7 @@
               <a:buChar char="●"/>
               <a:defRPr sz="1100"/>
             </a:lvl7pPr>
-            <a:lvl8pPr indent="-298450" lvl="7" marL="3657600">
+            <a:lvl8pPr marL="3657600" lvl="7" indent="-298450">
               <a:spcBef>
                 <a:spcPts val="0"/>
               </a:spcBef>
@@ -447,7 +440,7 @@
               <a:buChar char="○"/>
               <a:defRPr sz="1100"/>
             </a:lvl8pPr>
-            <a:lvl9pPr indent="-298450" lvl="8" marL="4114800">
+            <a:lvl9pPr marL="4114800" lvl="8" indent="-298450">
               <a:spcBef>
                 <a:spcPts val="0"/>
               </a:spcBef>
@@ -464,9 +457,9 @@
       </p:sp>
     </p:spTree>
   </p:cSld>
-  <p:clrMap accent1="accent1" accent2="accent2" accent3="accent3" accent4="accent4" accent5="accent5" accent6="accent6" bg1="lt1" bg2="dk2" tx1="dk1" tx2="lt2" folHlink="folHlink" hlink="hlink"/>
+  <p:clrMap bg1="lt1" tx1="dk1" bg2="dk2" tx2="lt2" accent1="accent1" accent2="accent2" accent3="accent3" accent4="accent4" accent5="accent5" accent6="accent6" hlink="hlink" folHlink="folHlink"/>
   <p:notesStyle>
-    <a:defPPr lvl="0" marR="0" rtl="0" algn="l">
+    <a:defPPr marR="0" lvl="0" algn="l" rtl="0">
       <a:lnSpc>
         <a:spcPct val="100000"/>
       </a:lnSpc>
@@ -477,7 +470,7 @@
         <a:spcPts val="0"/>
       </a:spcAft>
     </a:defPPr>
-    <a:lvl1pPr lvl="0" marR="0" rtl="0" algn="l">
+    <a:lvl1pPr marR="0" lvl="0" algn="l" rtl="0">
       <a:lnSpc>
         <a:spcPct val="100000"/>
       </a:lnSpc>
@@ -490,18 +483,18 @@
       <a:buClr>
         <a:srgbClr val="000000"/>
       </a:buClr>
-      <a:buFont typeface="Arial"/>
-      <a:defRPr b="0" i="0" sz="1400" u="none" cap="none" strike="noStrike">
+      <a:buFont typeface="Arial" panose="020B0604020202020204"/>
+      <a:defRPr sz="1400" b="0" i="0" u="none" strike="noStrike" cap="none">
         <a:solidFill>
           <a:srgbClr val="000000"/>
         </a:solidFill>
-        <a:latin typeface="Arial"/>
-        <a:ea typeface="Arial"/>
-        <a:cs typeface="Arial"/>
-        <a:sym typeface="Arial"/>
+        <a:latin typeface="Arial" panose="020B0604020202020204"/>
+        <a:ea typeface="Arial" panose="020B0604020202020204"/>
+        <a:cs typeface="Arial" panose="020B0604020202020204"/>
+        <a:sym typeface="Arial" panose="020B0604020202020204"/>
       </a:defRPr>
     </a:lvl1pPr>
-    <a:lvl2pPr lvl="1" marR="0" rtl="0" algn="l">
+    <a:lvl2pPr marR="0" lvl="1" algn="l" rtl="0">
       <a:lnSpc>
         <a:spcPct val="100000"/>
       </a:lnSpc>
@@ -514,18 +507,18 @@
       <a:buClr>
         <a:srgbClr val="000000"/>
       </a:buClr>
-      <a:buFont typeface="Arial"/>
-      <a:defRPr b="0" i="0" sz="1400" u="none" cap="none" strike="noStrike">
+      <a:buFont typeface="Arial" panose="020B0604020202020204"/>
+      <a:defRPr sz="1400" b="0" i="0" u="none" strike="noStrike" cap="none">
         <a:solidFill>
           <a:srgbClr val="000000"/>
         </a:solidFill>
-        <a:latin typeface="Arial"/>
-        <a:ea typeface="Arial"/>
-        <a:cs typeface="Arial"/>
-        <a:sym typeface="Arial"/>
+        <a:latin typeface="Arial" panose="020B0604020202020204"/>
+        <a:ea typeface="Arial" panose="020B0604020202020204"/>
+        <a:cs typeface="Arial" panose="020B0604020202020204"/>
+        <a:sym typeface="Arial" panose="020B0604020202020204"/>
       </a:defRPr>
     </a:lvl2pPr>
-    <a:lvl3pPr lvl="2" marR="0" rtl="0" algn="l">
+    <a:lvl3pPr marR="0" lvl="2" algn="l" rtl="0">
       <a:lnSpc>
         <a:spcPct val="100000"/>
       </a:lnSpc>
@@ -538,18 +531,18 @@
       <a:buClr>
         <a:srgbClr val="000000"/>
       </a:buClr>
-      <a:buFont typeface="Arial"/>
-      <a:defRPr b="0" i="0" sz="1400" u="none" cap="none" strike="noStrike">
+      <a:buFont typeface="Arial" panose="020B0604020202020204"/>
+      <a:defRPr sz="1400" b="0" i="0" u="none" strike="noStrike" cap="none">
         <a:solidFill>
           <a:srgbClr val="000000"/>
         </a:solidFill>
-        <a:latin typeface="Arial"/>
-        <a:ea typeface="Arial"/>
-        <a:cs typeface="Arial"/>
-        <a:sym typeface="Arial"/>
+        <a:latin typeface="Arial" panose="020B0604020202020204"/>
+        <a:ea typeface="Arial" panose="020B0604020202020204"/>
+        <a:cs typeface="Arial" panose="020B0604020202020204"/>
+        <a:sym typeface="Arial" panose="020B0604020202020204"/>
       </a:defRPr>
     </a:lvl3pPr>
-    <a:lvl4pPr lvl="3" marR="0" rtl="0" algn="l">
+    <a:lvl4pPr marR="0" lvl="3" algn="l" rtl="0">
       <a:lnSpc>
         <a:spcPct val="100000"/>
       </a:lnSpc>
@@ -562,18 +555,18 @@
       <a:buClr>
         <a:srgbClr val="000000"/>
       </a:buClr>
-      <a:buFont typeface="Arial"/>
-      <a:defRPr b="0" i="0" sz="1400" u="none" cap="none" strike="noStrike">
+      <a:buFont typeface="Arial" panose="020B0604020202020204"/>
+      <a:defRPr sz="1400" b="0" i="0" u="none" strike="noStrike" cap="none">
         <a:solidFill>
           <a:srgbClr val="000000"/>
         </a:solidFill>
-        <a:latin typeface="Arial"/>
-        <a:ea typeface="Arial"/>
-        <a:cs typeface="Arial"/>
-        <a:sym typeface="Arial"/>
+        <a:latin typeface="Arial" panose="020B0604020202020204"/>
+        <a:ea typeface="Arial" panose="020B0604020202020204"/>
+        <a:cs typeface="Arial" panose="020B0604020202020204"/>
+        <a:sym typeface="Arial" panose="020B0604020202020204"/>
       </a:defRPr>
     </a:lvl4pPr>
-    <a:lvl5pPr lvl="4" marR="0" rtl="0" algn="l">
+    <a:lvl5pPr marR="0" lvl="4" algn="l" rtl="0">
       <a:lnSpc>
         <a:spcPct val="100000"/>
       </a:lnSpc>
@@ -586,18 +579,18 @@
       <a:buClr>
         <a:srgbClr val="000000"/>
       </a:buClr>
-      <a:buFont typeface="Arial"/>
-      <a:defRPr b="0" i="0" sz="1400" u="none" cap="none" strike="noStrike">
+      <a:buFont typeface="Arial" panose="020B0604020202020204"/>
+      <a:defRPr sz="1400" b="0" i="0" u="none" strike="noStrike" cap="none">
         <a:solidFill>
           <a:srgbClr val="000000"/>
         </a:solidFill>
-        <a:latin typeface="Arial"/>
-        <a:ea typeface="Arial"/>
-        <a:cs typeface="Arial"/>
-        <a:sym typeface="Arial"/>
+        <a:latin typeface="Arial" panose="020B0604020202020204"/>
+        <a:ea typeface="Arial" panose="020B0604020202020204"/>
+        <a:cs typeface="Arial" panose="020B0604020202020204"/>
+        <a:sym typeface="Arial" panose="020B0604020202020204"/>
       </a:defRPr>
     </a:lvl5pPr>
-    <a:lvl6pPr lvl="5" marR="0" rtl="0" algn="l">
+    <a:lvl6pPr marR="0" lvl="5" algn="l" rtl="0">
       <a:lnSpc>
         <a:spcPct val="100000"/>
       </a:lnSpc>
@@ -610,18 +603,18 @@
       <a:buClr>
         <a:srgbClr val="000000"/>
       </a:buClr>
-      <a:buFont typeface="Arial"/>
-      <a:defRPr b="0" i="0" sz="1400" u="none" cap="none" strike="noStrike">
+      <a:buFont typeface="Arial" panose="020B0604020202020204"/>
+      <a:defRPr sz="1400" b="0" i="0" u="none" strike="noStrike" cap="none">
         <a:solidFill>
           <a:srgbClr val="000000"/>
         </a:solidFill>
-        <a:latin typeface="Arial"/>
-        <a:ea typeface="Arial"/>
-        <a:cs typeface="Arial"/>
-        <a:sym typeface="Arial"/>
+        <a:latin typeface="Arial" panose="020B0604020202020204"/>
+        <a:ea typeface="Arial" panose="020B0604020202020204"/>
+        <a:cs typeface="Arial" panose="020B0604020202020204"/>
+        <a:sym typeface="Arial" panose="020B0604020202020204"/>
       </a:defRPr>
     </a:lvl6pPr>
-    <a:lvl7pPr lvl="6" marR="0" rtl="0" algn="l">
+    <a:lvl7pPr marR="0" lvl="6" algn="l" rtl="0">
       <a:lnSpc>
         <a:spcPct val="100000"/>
       </a:lnSpc>
@@ -634,18 +627,18 @@
       <a:buClr>
         <a:srgbClr val="000000"/>
       </a:buClr>
-      <a:buFont typeface="Arial"/>
-      <a:defRPr b="0" i="0" sz="1400" u="none" cap="none" strike="noStrike">
+      <a:buFont typeface="Arial" panose="020B0604020202020204"/>
+      <a:defRPr sz="1400" b="0" i="0" u="none" strike="noStrike" cap="none">
         <a:solidFill>
           <a:srgbClr val="000000"/>
         </a:solidFill>
-        <a:latin typeface="Arial"/>
-        <a:ea typeface="Arial"/>
-        <a:cs typeface="Arial"/>
-        <a:sym typeface="Arial"/>
+        <a:latin typeface="Arial" panose="020B0604020202020204"/>
+        <a:ea typeface="Arial" panose="020B0604020202020204"/>
+        <a:cs typeface="Arial" panose="020B0604020202020204"/>
+        <a:sym typeface="Arial" panose="020B0604020202020204"/>
       </a:defRPr>
     </a:lvl7pPr>
-    <a:lvl8pPr lvl="7" marR="0" rtl="0" algn="l">
+    <a:lvl8pPr marR="0" lvl="7" algn="l" rtl="0">
       <a:lnSpc>
         <a:spcPct val="100000"/>
       </a:lnSpc>
@@ -658,18 +651,18 @@
       <a:buClr>
         <a:srgbClr val="000000"/>
       </a:buClr>
-      <a:buFont typeface="Arial"/>
-      <a:defRPr b="0" i="0" sz="1400" u="none" cap="none" strike="noStrike">
+      <a:buFont typeface="Arial" panose="020B0604020202020204"/>
+      <a:defRPr sz="1400" b="0" i="0" u="none" strike="noStrike" cap="none">
         <a:solidFill>
           <a:srgbClr val="000000"/>
         </a:solidFill>
-        <a:latin typeface="Arial"/>
-        <a:ea typeface="Arial"/>
-        <a:cs typeface="Arial"/>
-        <a:sym typeface="Arial"/>
+        <a:latin typeface="Arial" panose="020B0604020202020204"/>
+        <a:ea typeface="Arial" panose="020B0604020202020204"/>
+        <a:cs typeface="Arial" panose="020B0604020202020204"/>
+        <a:sym typeface="Arial" panose="020B0604020202020204"/>
       </a:defRPr>
     </a:lvl8pPr>
-    <a:lvl9pPr lvl="8" marR="0" rtl="0" algn="l">
+    <a:lvl9pPr marR="0" lvl="8" algn="l" rtl="0">
       <a:lnSpc>
         <a:spcPct val="100000"/>
       </a:lnSpc>
@@ -682,15 +675,15 @@
       <a:buClr>
         <a:srgbClr val="000000"/>
       </a:buClr>
-      <a:buFont typeface="Arial"/>
-      <a:defRPr b="0" i="0" sz="1400" u="none" cap="none" strike="noStrike">
+      <a:buFont typeface="Arial" panose="020B0604020202020204"/>
+      <a:defRPr sz="1400" b="0" i="0" u="none" strike="noStrike" cap="none">
         <a:solidFill>
           <a:srgbClr val="000000"/>
         </a:solidFill>
-        <a:latin typeface="Arial"/>
-        <a:ea typeface="Arial"/>
-        <a:cs typeface="Arial"/>
-        <a:sym typeface="Arial"/>
+        <a:latin typeface="Arial" panose="020B0604020202020204"/>
+        <a:ea typeface="Arial" panose="020B0604020202020204"/>
+        <a:cs typeface="Arial" panose="020B0604020202020204"/>
+        <a:sym typeface="Arial" panose="020B0604020202020204"/>
       </a:defRPr>
     </a:lvl9pPr>
   </p:notesStyle>
@@ -698,7 +691,7 @@
 </file>
 
 <file path=ppt/notesSlides/notesSlide1.xml><?xml version="1.0" encoding="utf-8"?>
-<p:notes xmlns:a="http://schemas.openxmlformats.org/drawingml/2006/main" xmlns:r="http://schemas.openxmlformats.org/officeDocument/2006/relationships" xmlns:mc="http://schemas.openxmlformats.org/markup-compatibility/2006" xmlns:mv="urn:schemas-microsoft-com:mac:vml" xmlns:p="http://schemas.openxmlformats.org/presentationml/2006/main" xmlns:c="http://schemas.openxmlformats.org/drawingml/2006/chart" xmlns:dgm="http://schemas.openxmlformats.org/drawingml/2006/diagram" xmlns:o="urn:schemas-microsoft-com:office:office" xmlns:v="urn:schemas-microsoft-com:vml" xmlns:pvml="urn:schemas-microsoft-com:office:powerpoint" xmlns:com="http://schemas.openxmlformats.org/drawingml/2006/compatibility" xmlns:p14="http://schemas.microsoft.com/office/powerpoint/2010/main" xmlns:p15="http://schemas.microsoft.com/office/powerpoint/2012/main" xmlns:ahyp="http://schemas.microsoft.com/office/drawing/2018/hyperlinkcolor" showMasterPhAnim="0" showMasterSp="0">
+<p:notes xmlns:a="http://schemas.openxmlformats.org/drawingml/2006/main" xmlns:r="http://schemas.openxmlformats.org/officeDocument/2006/relationships" xmlns:p="http://schemas.openxmlformats.org/presentationml/2006/main" showMasterPhAnim="0" showMasterSp="0">
   <p:cSld>
     <p:spTree>
       <p:nvGrpSpPr>
@@ -719,7 +712,7 @@
           <p:cNvPr id="51" name="Google Shape;51;p:notes"/>
           <p:cNvSpPr/>
           <p:nvPr>
-            <p:ph idx="2" type="sldImg"/>
+            <p:ph type="sldImg" idx="2"/>
           </p:nvPr>
         </p:nvSpPr>
         <p:spPr>
@@ -728,9 +721,13 @@
             <a:ext cx="6096075" cy="3429000"/>
           </a:xfrm>
           <a:custGeom>
-            <a:rect b="b" l="l" r="r" t="t"/>
+            <a:avLst/>
+            <a:gdLst/>
+            <a:ahLst/>
+            <a:cxnLst/>
+            <a:rect l="l" t="t" r="r" b="b"/>
             <a:pathLst>
-              <a:path extrusionOk="0" h="120000" w="120000">
+              <a:path w="120000" h="120000" extrusionOk="0">
                 <a:moveTo>
                   <a:pt x="0" y="0"/>
                 </a:moveTo>
@@ -754,7 +751,7 @@
           <p:cNvPr id="52" name="Google Shape;52;p:notes"/>
           <p:cNvSpPr txBox="1"/>
           <p:nvPr>
-            <p:ph idx="1" type="body"/>
+            <p:ph type="body" idx="1"/>
           </p:nvPr>
         </p:nvSpPr>
         <p:spPr>
@@ -767,12 +764,12 @@
           </a:prstGeom>
         </p:spPr>
         <p:txBody>
-          <a:bodyPr anchorCtr="0" anchor="t" bIns="91425" lIns="91425" spcFirstLastPara="1" rIns="91425" wrap="square" tIns="91425">
+          <a:bodyPr spcFirstLastPara="1" wrap="square" lIns="91425" tIns="91425" rIns="91425" bIns="91425" anchor="t" anchorCtr="0">
             <a:noAutofit/>
           </a:bodyPr>
           <a:lstStyle/>
           <a:p>
-            <a:pPr indent="0" lvl="0" marL="0" rtl="0" algn="l">
+            <a:pPr marL="0" lvl="0" indent="0" algn="l" rtl="0">
               <a:spcBef>
                 <a:spcPts val="0"/>
               </a:spcBef>
@@ -781,10 +778,6 @@
               </a:spcAft>
               <a:buNone/>
             </a:pPr>
-            <a:r>
-              <a:t/>
-            </a:r>
-            <a:endParaRPr/>
           </a:p>
         </p:txBody>
       </p:sp>
@@ -797,7 +790,7 @@
 </file>
 
 <file path=ppt/notesSlides/notesSlide10.xml><?xml version="1.0" encoding="utf-8"?>
-<p:notes xmlns:a="http://schemas.openxmlformats.org/drawingml/2006/main" xmlns:r="http://schemas.openxmlformats.org/officeDocument/2006/relationships" xmlns:mc="http://schemas.openxmlformats.org/markup-compatibility/2006" xmlns:mv="urn:schemas-microsoft-com:mac:vml" xmlns:p="http://schemas.openxmlformats.org/presentationml/2006/main" xmlns:c="http://schemas.openxmlformats.org/drawingml/2006/chart" xmlns:dgm="http://schemas.openxmlformats.org/drawingml/2006/diagram" xmlns:o="urn:schemas-microsoft-com:office:office" xmlns:v="urn:schemas-microsoft-com:vml" xmlns:pvml="urn:schemas-microsoft-com:office:powerpoint" xmlns:com="http://schemas.openxmlformats.org/drawingml/2006/compatibility" xmlns:p14="http://schemas.microsoft.com/office/powerpoint/2010/main" xmlns:p15="http://schemas.microsoft.com/office/powerpoint/2012/main" xmlns:ahyp="http://schemas.microsoft.com/office/drawing/2018/hyperlinkcolor" showMasterPhAnim="0" showMasterSp="0">
+<p:notes xmlns:a="http://schemas.openxmlformats.org/drawingml/2006/main" xmlns:r="http://schemas.openxmlformats.org/officeDocument/2006/relationships" xmlns:p="http://schemas.openxmlformats.org/presentationml/2006/main" showMasterPhAnim="0" showMasterSp="0">
   <p:cSld>
     <p:spTree>
       <p:nvGrpSpPr>
@@ -818,7 +811,7 @@
           <p:cNvPr id="96" name="Google Shape;96;g24cda4127fa_0_76:notes"/>
           <p:cNvSpPr/>
           <p:nvPr>
-            <p:ph idx="2" type="sldImg"/>
+            <p:ph type="sldImg" idx="2"/>
           </p:nvPr>
         </p:nvSpPr>
         <p:spPr>
@@ -827,9 +820,13 @@
             <a:ext cx="6096000" cy="3429000"/>
           </a:xfrm>
           <a:custGeom>
-            <a:rect b="b" l="l" r="r" t="t"/>
+            <a:avLst/>
+            <a:gdLst/>
+            <a:ahLst/>
+            <a:cxnLst/>
+            <a:rect l="l" t="t" r="r" b="b"/>
             <a:pathLst>
-              <a:path extrusionOk="0" h="120000" w="120000">
+              <a:path w="120000" h="120000" extrusionOk="0">
                 <a:moveTo>
                   <a:pt x="0" y="0"/>
                 </a:moveTo>
@@ -853,7 +850,7 @@
           <p:cNvPr id="97" name="Google Shape;97;g24cda4127fa_0_76:notes"/>
           <p:cNvSpPr txBox="1"/>
           <p:nvPr>
-            <p:ph idx="1" type="body"/>
+            <p:ph type="body" idx="1"/>
           </p:nvPr>
         </p:nvSpPr>
         <p:spPr>
@@ -866,12 +863,12 @@
           </a:prstGeom>
         </p:spPr>
         <p:txBody>
-          <a:bodyPr anchorCtr="0" anchor="t" bIns="91425" lIns="91425" spcFirstLastPara="1" rIns="91425" wrap="square" tIns="91425">
+          <a:bodyPr spcFirstLastPara="1" wrap="square" lIns="91425" tIns="91425" rIns="91425" bIns="91425" anchor="t" anchorCtr="0">
             <a:noAutofit/>
           </a:bodyPr>
           <a:lstStyle/>
           <a:p>
-            <a:pPr indent="0" lvl="0" marL="0" rtl="0" algn="l">
+            <a:pPr marL="0" lvl="0" indent="0" algn="l" rtl="0">
               <a:spcBef>
                 <a:spcPts val="0"/>
               </a:spcBef>
@@ -880,10 +877,6 @@
               </a:spcAft>
               <a:buNone/>
             </a:pPr>
-            <a:r>
-              <a:t/>
-            </a:r>
-            <a:endParaRPr/>
           </a:p>
         </p:txBody>
       </p:sp>
@@ -896,7 +889,7 @@
 </file>
 
 <file path=ppt/notesSlides/notesSlide11.xml><?xml version="1.0" encoding="utf-8"?>
-<p:notes xmlns:a="http://schemas.openxmlformats.org/drawingml/2006/main" xmlns:r="http://schemas.openxmlformats.org/officeDocument/2006/relationships" xmlns:mc="http://schemas.openxmlformats.org/markup-compatibility/2006" xmlns:mv="urn:schemas-microsoft-com:mac:vml" xmlns:p="http://schemas.openxmlformats.org/presentationml/2006/main" xmlns:c="http://schemas.openxmlformats.org/drawingml/2006/chart" xmlns:dgm="http://schemas.openxmlformats.org/drawingml/2006/diagram" xmlns:o="urn:schemas-microsoft-com:office:office" xmlns:v="urn:schemas-microsoft-com:vml" xmlns:pvml="urn:schemas-microsoft-com:office:powerpoint" xmlns:com="http://schemas.openxmlformats.org/drawingml/2006/compatibility" xmlns:p14="http://schemas.microsoft.com/office/powerpoint/2010/main" xmlns:p15="http://schemas.microsoft.com/office/powerpoint/2012/main" xmlns:ahyp="http://schemas.microsoft.com/office/drawing/2018/hyperlinkcolor" showMasterPhAnim="0" showMasterSp="0">
+<p:notes xmlns:a="http://schemas.openxmlformats.org/drawingml/2006/main" xmlns:r="http://schemas.openxmlformats.org/officeDocument/2006/relationships" xmlns:p="http://schemas.openxmlformats.org/presentationml/2006/main" showMasterPhAnim="0" showMasterSp="0">
   <p:cSld>
     <p:spTree>
       <p:nvGrpSpPr>
@@ -917,7 +910,7 @@
           <p:cNvPr id="101" name="Google Shape;101;g24cda4127fa_0_82:notes"/>
           <p:cNvSpPr/>
           <p:nvPr>
-            <p:ph idx="2" type="sldImg"/>
+            <p:ph type="sldImg" idx="2"/>
           </p:nvPr>
         </p:nvSpPr>
         <p:spPr>
@@ -926,9 +919,13 @@
             <a:ext cx="6096000" cy="3429000"/>
           </a:xfrm>
           <a:custGeom>
-            <a:rect b="b" l="l" r="r" t="t"/>
+            <a:avLst/>
+            <a:gdLst/>
+            <a:ahLst/>
+            <a:cxnLst/>
+            <a:rect l="l" t="t" r="r" b="b"/>
             <a:pathLst>
-              <a:path extrusionOk="0" h="120000" w="120000">
+              <a:path w="120000" h="120000" extrusionOk="0">
                 <a:moveTo>
                   <a:pt x="0" y="0"/>
                 </a:moveTo>
@@ -952,7 +949,7 @@
           <p:cNvPr id="102" name="Google Shape;102;g24cda4127fa_0_82:notes"/>
           <p:cNvSpPr txBox="1"/>
           <p:nvPr>
-            <p:ph idx="1" type="body"/>
+            <p:ph type="body" idx="1"/>
           </p:nvPr>
         </p:nvSpPr>
         <p:spPr>
@@ -965,12 +962,12 @@
           </a:prstGeom>
         </p:spPr>
         <p:txBody>
-          <a:bodyPr anchorCtr="0" anchor="t" bIns="91425" lIns="91425" spcFirstLastPara="1" rIns="91425" wrap="square" tIns="91425">
+          <a:bodyPr spcFirstLastPara="1" wrap="square" lIns="91425" tIns="91425" rIns="91425" bIns="91425" anchor="t" anchorCtr="0">
             <a:noAutofit/>
           </a:bodyPr>
           <a:lstStyle/>
           <a:p>
-            <a:pPr indent="0" lvl="0" marL="0" rtl="0" algn="l">
+            <a:pPr marL="0" lvl="0" indent="0" algn="l" rtl="0">
               <a:spcBef>
                 <a:spcPts val="0"/>
               </a:spcBef>
@@ -979,10 +976,6 @@
               </a:spcAft>
               <a:buNone/>
             </a:pPr>
-            <a:r>
-              <a:t/>
-            </a:r>
-            <a:endParaRPr/>
           </a:p>
         </p:txBody>
       </p:sp>
@@ -995,7 +988,7 @@
 </file>
 
 <file path=ppt/notesSlides/notesSlide12.xml><?xml version="1.0" encoding="utf-8"?>
-<p:notes xmlns:a="http://schemas.openxmlformats.org/drawingml/2006/main" xmlns:r="http://schemas.openxmlformats.org/officeDocument/2006/relationships" xmlns:mc="http://schemas.openxmlformats.org/markup-compatibility/2006" xmlns:mv="urn:schemas-microsoft-com:mac:vml" xmlns:p="http://schemas.openxmlformats.org/presentationml/2006/main" xmlns:c="http://schemas.openxmlformats.org/drawingml/2006/chart" xmlns:dgm="http://schemas.openxmlformats.org/drawingml/2006/diagram" xmlns:o="urn:schemas-microsoft-com:office:office" xmlns:v="urn:schemas-microsoft-com:vml" xmlns:pvml="urn:schemas-microsoft-com:office:powerpoint" xmlns:com="http://schemas.openxmlformats.org/drawingml/2006/compatibility" xmlns:p14="http://schemas.microsoft.com/office/powerpoint/2010/main" xmlns:p15="http://schemas.microsoft.com/office/powerpoint/2012/main" xmlns:ahyp="http://schemas.microsoft.com/office/drawing/2018/hyperlinkcolor" showMasterPhAnim="0" showMasterSp="0">
+<p:notes xmlns:a="http://schemas.openxmlformats.org/drawingml/2006/main" xmlns:r="http://schemas.openxmlformats.org/officeDocument/2006/relationships" xmlns:p="http://schemas.openxmlformats.org/presentationml/2006/main" showMasterPhAnim="0" showMasterSp="0">
   <p:cSld>
     <p:spTree>
       <p:nvGrpSpPr>
@@ -1016,7 +1009,7 @@
           <p:cNvPr id="106" name="Google Shape;106;g24cda4127fa_0_91:notes"/>
           <p:cNvSpPr/>
           <p:nvPr>
-            <p:ph idx="2" type="sldImg"/>
+            <p:ph type="sldImg" idx="2"/>
           </p:nvPr>
         </p:nvSpPr>
         <p:spPr>
@@ -1025,9 +1018,13 @@
             <a:ext cx="6096000" cy="3429000"/>
           </a:xfrm>
           <a:custGeom>
-            <a:rect b="b" l="l" r="r" t="t"/>
+            <a:avLst/>
+            <a:gdLst/>
+            <a:ahLst/>
+            <a:cxnLst/>
+            <a:rect l="l" t="t" r="r" b="b"/>
             <a:pathLst>
-              <a:path extrusionOk="0" h="120000" w="120000">
+              <a:path w="120000" h="120000" extrusionOk="0">
                 <a:moveTo>
                   <a:pt x="0" y="0"/>
                 </a:moveTo>
@@ -1051,7 +1048,7 @@
           <p:cNvPr id="107" name="Google Shape;107;g24cda4127fa_0_91:notes"/>
           <p:cNvSpPr txBox="1"/>
           <p:nvPr>
-            <p:ph idx="1" type="body"/>
+            <p:ph type="body" idx="1"/>
           </p:nvPr>
         </p:nvSpPr>
         <p:spPr>
@@ -1064,12 +1061,12 @@
           </a:prstGeom>
         </p:spPr>
         <p:txBody>
-          <a:bodyPr anchorCtr="0" anchor="t" bIns="91425" lIns="91425" spcFirstLastPara="1" rIns="91425" wrap="square" tIns="91425">
+          <a:bodyPr spcFirstLastPara="1" wrap="square" lIns="91425" tIns="91425" rIns="91425" bIns="91425" anchor="t" anchorCtr="0">
             <a:noAutofit/>
           </a:bodyPr>
           <a:lstStyle/>
           <a:p>
-            <a:pPr indent="0" lvl="0" marL="0" rtl="0" algn="l">
+            <a:pPr marL="0" lvl="0" indent="0" algn="l" rtl="0">
               <a:spcBef>
                 <a:spcPts val="0"/>
               </a:spcBef>
@@ -1078,10 +1075,6 @@
               </a:spcAft>
               <a:buNone/>
             </a:pPr>
-            <a:r>
-              <a:t/>
-            </a:r>
-            <a:endParaRPr/>
           </a:p>
         </p:txBody>
       </p:sp>
@@ -1094,7 +1087,7 @@
 </file>
 
 <file path=ppt/notesSlides/notesSlide2.xml><?xml version="1.0" encoding="utf-8"?>
-<p:notes xmlns:a="http://schemas.openxmlformats.org/drawingml/2006/main" xmlns:r="http://schemas.openxmlformats.org/officeDocument/2006/relationships" xmlns:mc="http://schemas.openxmlformats.org/markup-compatibility/2006" xmlns:mv="urn:schemas-microsoft-com:mac:vml" xmlns:p="http://schemas.openxmlformats.org/presentationml/2006/main" xmlns:c="http://schemas.openxmlformats.org/drawingml/2006/chart" xmlns:dgm="http://schemas.openxmlformats.org/drawingml/2006/diagram" xmlns:o="urn:schemas-microsoft-com:office:office" xmlns:v="urn:schemas-microsoft-com:vml" xmlns:pvml="urn:schemas-microsoft-com:office:powerpoint" xmlns:com="http://schemas.openxmlformats.org/drawingml/2006/compatibility" xmlns:p14="http://schemas.microsoft.com/office/powerpoint/2010/main" xmlns:p15="http://schemas.microsoft.com/office/powerpoint/2012/main" xmlns:ahyp="http://schemas.microsoft.com/office/drawing/2018/hyperlinkcolor" showMasterPhAnim="0" showMasterSp="0">
+<p:notes xmlns:a="http://schemas.openxmlformats.org/drawingml/2006/main" xmlns:r="http://schemas.openxmlformats.org/officeDocument/2006/relationships" xmlns:p="http://schemas.openxmlformats.org/presentationml/2006/main" showMasterPhAnim="0" showMasterSp="0">
   <p:cSld>
     <p:spTree>
       <p:nvGrpSpPr>
@@ -1115,7 +1108,7 @@
           <p:cNvPr id="56" name="Google Shape;56;g24cda4127fa_0_95:notes"/>
           <p:cNvSpPr/>
           <p:nvPr>
-            <p:ph idx="2" type="sldImg"/>
+            <p:ph type="sldImg" idx="2"/>
           </p:nvPr>
         </p:nvSpPr>
         <p:spPr>
@@ -1124,9 +1117,13 @@
             <a:ext cx="6096000" cy="3429000"/>
           </a:xfrm>
           <a:custGeom>
-            <a:rect b="b" l="l" r="r" t="t"/>
+            <a:avLst/>
+            <a:gdLst/>
+            <a:ahLst/>
+            <a:cxnLst/>
+            <a:rect l="l" t="t" r="r" b="b"/>
             <a:pathLst>
-              <a:path extrusionOk="0" h="120000" w="120000">
+              <a:path w="120000" h="120000" extrusionOk="0">
                 <a:moveTo>
                   <a:pt x="0" y="0"/>
                 </a:moveTo>
@@ -1150,7 +1147,7 @@
           <p:cNvPr id="57" name="Google Shape;57;g24cda4127fa_0_95:notes"/>
           <p:cNvSpPr txBox="1"/>
           <p:nvPr>
-            <p:ph idx="1" type="body"/>
+            <p:ph type="body" idx="1"/>
           </p:nvPr>
         </p:nvSpPr>
         <p:spPr>
@@ -1163,12 +1160,12 @@
           </a:prstGeom>
         </p:spPr>
         <p:txBody>
-          <a:bodyPr anchorCtr="0" anchor="t" bIns="91425" lIns="91425" spcFirstLastPara="1" rIns="91425" wrap="square" tIns="91425">
+          <a:bodyPr spcFirstLastPara="1" wrap="square" lIns="91425" tIns="91425" rIns="91425" bIns="91425" anchor="t" anchorCtr="0">
             <a:noAutofit/>
           </a:bodyPr>
           <a:lstStyle/>
           <a:p>
-            <a:pPr indent="0" lvl="0" marL="0" rtl="0" algn="l">
+            <a:pPr marL="0" lvl="0" indent="0" algn="l" rtl="0">
               <a:spcBef>
                 <a:spcPts val="0"/>
               </a:spcBef>
@@ -1177,10 +1174,6 @@
               </a:spcAft>
               <a:buNone/>
             </a:pPr>
-            <a:r>
-              <a:t/>
-            </a:r>
-            <a:endParaRPr/>
           </a:p>
         </p:txBody>
       </p:sp>
@@ -1193,7 +1186,7 @@
 </file>
 
 <file path=ppt/notesSlides/notesSlide3.xml><?xml version="1.0" encoding="utf-8"?>
-<p:notes xmlns:a="http://schemas.openxmlformats.org/drawingml/2006/main" xmlns:r="http://schemas.openxmlformats.org/officeDocument/2006/relationships" xmlns:mc="http://schemas.openxmlformats.org/markup-compatibility/2006" xmlns:mv="urn:schemas-microsoft-com:mac:vml" xmlns:p="http://schemas.openxmlformats.org/presentationml/2006/main" xmlns:c="http://schemas.openxmlformats.org/drawingml/2006/chart" xmlns:dgm="http://schemas.openxmlformats.org/drawingml/2006/diagram" xmlns:o="urn:schemas-microsoft-com:office:office" xmlns:v="urn:schemas-microsoft-com:vml" xmlns:pvml="urn:schemas-microsoft-com:office:powerpoint" xmlns:com="http://schemas.openxmlformats.org/drawingml/2006/compatibility" xmlns:p14="http://schemas.microsoft.com/office/powerpoint/2010/main" xmlns:p15="http://schemas.microsoft.com/office/powerpoint/2012/main" xmlns:ahyp="http://schemas.microsoft.com/office/drawing/2018/hyperlinkcolor" showMasterPhAnim="0" showMasterSp="0">
+<p:notes xmlns:a="http://schemas.openxmlformats.org/drawingml/2006/main" xmlns:r="http://schemas.openxmlformats.org/officeDocument/2006/relationships" xmlns:p="http://schemas.openxmlformats.org/presentationml/2006/main" showMasterPhAnim="0" showMasterSp="0">
   <p:cSld>
     <p:spTree>
       <p:nvGrpSpPr>
@@ -1214,7 +1207,7 @@
           <p:cNvPr id="61" name="Google Shape;61;g24cda4127fa_0_61:notes"/>
           <p:cNvSpPr/>
           <p:nvPr>
-            <p:ph idx="2" type="sldImg"/>
+            <p:ph type="sldImg" idx="2"/>
           </p:nvPr>
         </p:nvSpPr>
         <p:spPr>
@@ -1223,9 +1216,13 @@
             <a:ext cx="6096000" cy="3429000"/>
           </a:xfrm>
           <a:custGeom>
-            <a:rect b="b" l="l" r="r" t="t"/>
+            <a:avLst/>
+            <a:gdLst/>
+            <a:ahLst/>
+            <a:cxnLst/>
+            <a:rect l="l" t="t" r="r" b="b"/>
             <a:pathLst>
-              <a:path extrusionOk="0" h="120000" w="120000">
+              <a:path w="120000" h="120000" extrusionOk="0">
                 <a:moveTo>
                   <a:pt x="0" y="0"/>
                 </a:moveTo>
@@ -1249,7 +1246,7 @@
           <p:cNvPr id="62" name="Google Shape;62;g24cda4127fa_0_61:notes"/>
           <p:cNvSpPr txBox="1"/>
           <p:nvPr>
-            <p:ph idx="1" type="body"/>
+            <p:ph type="body" idx="1"/>
           </p:nvPr>
         </p:nvSpPr>
         <p:spPr>
@@ -1262,12 +1259,12 @@
           </a:prstGeom>
         </p:spPr>
         <p:txBody>
-          <a:bodyPr anchorCtr="0" anchor="t" bIns="91425" lIns="91425" spcFirstLastPara="1" rIns="91425" wrap="square" tIns="91425">
+          <a:bodyPr spcFirstLastPara="1" wrap="square" lIns="91425" tIns="91425" rIns="91425" bIns="91425" anchor="t" anchorCtr="0">
             <a:noAutofit/>
           </a:bodyPr>
           <a:lstStyle/>
           <a:p>
-            <a:pPr indent="0" lvl="0" marL="0" rtl="0" algn="l">
+            <a:pPr marL="0" lvl="0" indent="0" algn="l" rtl="0">
               <a:spcBef>
                 <a:spcPts val="0"/>
               </a:spcBef>
@@ -1276,10 +1273,6 @@
               </a:spcAft>
               <a:buNone/>
             </a:pPr>
-            <a:r>
-              <a:t/>
-            </a:r>
-            <a:endParaRPr/>
           </a:p>
         </p:txBody>
       </p:sp>
@@ -1292,7 +1285,7 @@
 </file>
 
 <file path=ppt/notesSlides/notesSlide4.xml><?xml version="1.0" encoding="utf-8"?>
-<p:notes xmlns:a="http://schemas.openxmlformats.org/drawingml/2006/main" xmlns:r="http://schemas.openxmlformats.org/officeDocument/2006/relationships" xmlns:mc="http://schemas.openxmlformats.org/markup-compatibility/2006" xmlns:mv="urn:schemas-microsoft-com:mac:vml" xmlns:p="http://schemas.openxmlformats.org/presentationml/2006/main" xmlns:c="http://schemas.openxmlformats.org/drawingml/2006/chart" xmlns:dgm="http://schemas.openxmlformats.org/drawingml/2006/diagram" xmlns:o="urn:schemas-microsoft-com:office:office" xmlns:v="urn:schemas-microsoft-com:vml" xmlns:pvml="urn:schemas-microsoft-com:office:powerpoint" xmlns:com="http://schemas.openxmlformats.org/drawingml/2006/compatibility" xmlns:p14="http://schemas.microsoft.com/office/powerpoint/2010/main" xmlns:p15="http://schemas.microsoft.com/office/powerpoint/2012/main" xmlns:ahyp="http://schemas.microsoft.com/office/drawing/2018/hyperlinkcolor" showMasterPhAnim="0" showMasterSp="0">
+<p:notes xmlns:a="http://schemas.openxmlformats.org/drawingml/2006/main" xmlns:r="http://schemas.openxmlformats.org/officeDocument/2006/relationships" xmlns:p="http://schemas.openxmlformats.org/presentationml/2006/main" showMasterPhAnim="0" showMasterSp="0">
   <p:cSld>
     <p:spTree>
       <p:nvGrpSpPr>
@@ -1313,7 +1306,7 @@
           <p:cNvPr id="66" name="Google Shape;66;g24cda4127fa_0_65:notes"/>
           <p:cNvSpPr/>
           <p:nvPr>
-            <p:ph idx="2" type="sldImg"/>
+            <p:ph type="sldImg" idx="2"/>
           </p:nvPr>
         </p:nvSpPr>
         <p:spPr>
@@ -1322,9 +1315,13 @@
             <a:ext cx="6096000" cy="3429000"/>
           </a:xfrm>
           <a:custGeom>
-            <a:rect b="b" l="l" r="r" t="t"/>
+            <a:avLst/>
+            <a:gdLst/>
+            <a:ahLst/>
+            <a:cxnLst/>
+            <a:rect l="l" t="t" r="r" b="b"/>
             <a:pathLst>
-              <a:path extrusionOk="0" h="120000" w="120000">
+              <a:path w="120000" h="120000" extrusionOk="0">
                 <a:moveTo>
                   <a:pt x="0" y="0"/>
                 </a:moveTo>
@@ -1348,7 +1345,7 @@
           <p:cNvPr id="67" name="Google Shape;67;g24cda4127fa_0_65:notes"/>
           <p:cNvSpPr txBox="1"/>
           <p:nvPr>
-            <p:ph idx="1" type="body"/>
+            <p:ph type="body" idx="1"/>
           </p:nvPr>
         </p:nvSpPr>
         <p:spPr>
@@ -1361,12 +1358,12 @@
           </a:prstGeom>
         </p:spPr>
         <p:txBody>
-          <a:bodyPr anchorCtr="0" anchor="t" bIns="91425" lIns="91425" spcFirstLastPara="1" rIns="91425" wrap="square" tIns="91425">
+          <a:bodyPr spcFirstLastPara="1" wrap="square" lIns="91425" tIns="91425" rIns="91425" bIns="91425" anchor="t" anchorCtr="0">
             <a:noAutofit/>
           </a:bodyPr>
           <a:lstStyle/>
           <a:p>
-            <a:pPr indent="0" lvl="0" marL="0" rtl="0" algn="l">
+            <a:pPr marL="0" lvl="0" indent="0" algn="l" rtl="0">
               <a:spcBef>
                 <a:spcPts val="0"/>
               </a:spcBef>
@@ -1375,10 +1372,6 @@
               </a:spcAft>
               <a:buNone/>
             </a:pPr>
-            <a:r>
-              <a:t/>
-            </a:r>
-            <a:endParaRPr/>
           </a:p>
         </p:txBody>
       </p:sp>
@@ -1391,7 +1384,7 @@
 </file>
 
 <file path=ppt/notesSlides/notesSlide5.xml><?xml version="1.0" encoding="utf-8"?>
-<p:notes xmlns:a="http://schemas.openxmlformats.org/drawingml/2006/main" xmlns:r="http://schemas.openxmlformats.org/officeDocument/2006/relationships" xmlns:mc="http://schemas.openxmlformats.org/markup-compatibility/2006" xmlns:mv="urn:schemas-microsoft-com:mac:vml" xmlns:p="http://schemas.openxmlformats.org/presentationml/2006/main" xmlns:c="http://schemas.openxmlformats.org/drawingml/2006/chart" xmlns:dgm="http://schemas.openxmlformats.org/drawingml/2006/diagram" xmlns:o="urn:schemas-microsoft-com:office:office" xmlns:v="urn:schemas-microsoft-com:vml" xmlns:pvml="urn:schemas-microsoft-com:office:powerpoint" xmlns:com="http://schemas.openxmlformats.org/drawingml/2006/compatibility" xmlns:p14="http://schemas.microsoft.com/office/powerpoint/2010/main" xmlns:p15="http://schemas.microsoft.com/office/powerpoint/2012/main" xmlns:ahyp="http://schemas.microsoft.com/office/drawing/2018/hyperlinkcolor" showMasterPhAnim="0" showMasterSp="0">
+<p:notes xmlns:a="http://schemas.openxmlformats.org/drawingml/2006/main" xmlns:r="http://schemas.openxmlformats.org/officeDocument/2006/relationships" xmlns:p="http://schemas.openxmlformats.org/presentationml/2006/main" showMasterPhAnim="0" showMasterSp="0">
   <p:cSld>
     <p:spTree>
       <p:nvGrpSpPr>
@@ -1412,7 +1405,7 @@
           <p:cNvPr id="71" name="Google Shape;71;g24cda4127fa_4_8:notes"/>
           <p:cNvSpPr/>
           <p:nvPr>
-            <p:ph idx="2" type="sldImg"/>
+            <p:ph type="sldImg" idx="2"/>
           </p:nvPr>
         </p:nvSpPr>
         <p:spPr>
@@ -1421,9 +1414,13 @@
             <a:ext cx="6096000" cy="3429000"/>
           </a:xfrm>
           <a:custGeom>
-            <a:rect b="b" l="l" r="r" t="t"/>
+            <a:avLst/>
+            <a:gdLst/>
+            <a:ahLst/>
+            <a:cxnLst/>
+            <a:rect l="l" t="t" r="r" b="b"/>
             <a:pathLst>
-              <a:path extrusionOk="0" h="120000" w="120000">
+              <a:path w="120000" h="120000" extrusionOk="0">
                 <a:moveTo>
                   <a:pt x="0" y="0"/>
                 </a:moveTo>
@@ -1447,7 +1444,7 @@
           <p:cNvPr id="72" name="Google Shape;72;g24cda4127fa_4_8:notes"/>
           <p:cNvSpPr txBox="1"/>
           <p:nvPr>
-            <p:ph idx="1" type="body"/>
+            <p:ph type="body" idx="1"/>
           </p:nvPr>
         </p:nvSpPr>
         <p:spPr>
@@ -1460,12 +1457,12 @@
           </a:prstGeom>
         </p:spPr>
         <p:txBody>
-          <a:bodyPr anchorCtr="0" anchor="t" bIns="91425" lIns="91425" spcFirstLastPara="1" rIns="91425" wrap="square" tIns="91425">
+          <a:bodyPr spcFirstLastPara="1" wrap="square" lIns="91425" tIns="91425" rIns="91425" bIns="91425" anchor="t" anchorCtr="0">
             <a:noAutofit/>
           </a:bodyPr>
           <a:lstStyle/>
           <a:p>
-            <a:pPr indent="0" lvl="0" marL="0" rtl="0" algn="l">
+            <a:pPr marL="0" lvl="0" indent="0" algn="l" rtl="0">
               <a:spcBef>
                 <a:spcPts val="0"/>
               </a:spcBef>
@@ -1474,10 +1471,6 @@
               </a:spcAft>
               <a:buNone/>
             </a:pPr>
-            <a:r>
-              <a:t/>
-            </a:r>
-            <a:endParaRPr/>
           </a:p>
         </p:txBody>
       </p:sp>
@@ -1490,7 +1483,7 @@
 </file>
 
 <file path=ppt/notesSlides/notesSlide6.xml><?xml version="1.0" encoding="utf-8"?>
-<p:notes xmlns:a="http://schemas.openxmlformats.org/drawingml/2006/main" xmlns:r="http://schemas.openxmlformats.org/officeDocument/2006/relationships" xmlns:mc="http://schemas.openxmlformats.org/markup-compatibility/2006" xmlns:mv="urn:schemas-microsoft-com:mac:vml" xmlns:p="http://schemas.openxmlformats.org/presentationml/2006/main" xmlns:c="http://schemas.openxmlformats.org/drawingml/2006/chart" xmlns:dgm="http://schemas.openxmlformats.org/drawingml/2006/diagram" xmlns:o="urn:schemas-microsoft-com:office:office" xmlns:v="urn:schemas-microsoft-com:vml" xmlns:pvml="urn:schemas-microsoft-com:office:powerpoint" xmlns:com="http://schemas.openxmlformats.org/drawingml/2006/compatibility" xmlns:p14="http://schemas.microsoft.com/office/powerpoint/2010/main" xmlns:p15="http://schemas.microsoft.com/office/powerpoint/2012/main" xmlns:ahyp="http://schemas.microsoft.com/office/drawing/2018/hyperlinkcolor" showMasterPhAnim="0" showMasterSp="0">
+<p:notes xmlns:a="http://schemas.openxmlformats.org/drawingml/2006/main" xmlns:r="http://schemas.openxmlformats.org/officeDocument/2006/relationships" xmlns:p="http://schemas.openxmlformats.org/presentationml/2006/main" showMasterPhAnim="0" showMasterSp="0">
   <p:cSld>
     <p:spTree>
       <p:nvGrpSpPr>
@@ -1511,7 +1504,7 @@
           <p:cNvPr id="76" name="Google Shape;76;g24cda4127fa_4_3:notes"/>
           <p:cNvSpPr/>
           <p:nvPr>
-            <p:ph idx="2" type="sldImg"/>
+            <p:ph type="sldImg" idx="2"/>
           </p:nvPr>
         </p:nvSpPr>
         <p:spPr>
@@ -1520,9 +1513,13 @@
             <a:ext cx="6096000" cy="3429000"/>
           </a:xfrm>
           <a:custGeom>
-            <a:rect b="b" l="l" r="r" t="t"/>
+            <a:avLst/>
+            <a:gdLst/>
+            <a:ahLst/>
+            <a:cxnLst/>
+            <a:rect l="l" t="t" r="r" b="b"/>
             <a:pathLst>
-              <a:path extrusionOk="0" h="120000" w="120000">
+              <a:path w="120000" h="120000" extrusionOk="0">
                 <a:moveTo>
                   <a:pt x="0" y="0"/>
                 </a:moveTo>
@@ -1546,7 +1543,7 @@
           <p:cNvPr id="77" name="Google Shape;77;g24cda4127fa_4_3:notes"/>
           <p:cNvSpPr txBox="1"/>
           <p:nvPr>
-            <p:ph idx="1" type="body"/>
+            <p:ph type="body" idx="1"/>
           </p:nvPr>
         </p:nvSpPr>
         <p:spPr>
@@ -1559,12 +1556,12 @@
           </a:prstGeom>
         </p:spPr>
         <p:txBody>
-          <a:bodyPr anchorCtr="0" anchor="t" bIns="91425" lIns="91425" spcFirstLastPara="1" rIns="91425" wrap="square" tIns="91425">
+          <a:bodyPr spcFirstLastPara="1" wrap="square" lIns="91425" tIns="91425" rIns="91425" bIns="91425" anchor="t" anchorCtr="0">
             <a:noAutofit/>
           </a:bodyPr>
           <a:lstStyle/>
           <a:p>
-            <a:pPr indent="0" lvl="0" marL="0" rtl="0" algn="l">
+            <a:pPr marL="0" lvl="0" indent="0" algn="l" rtl="0">
               <a:spcBef>
                 <a:spcPts val="0"/>
               </a:spcBef>
@@ -1573,10 +1570,6 @@
               </a:spcAft>
               <a:buNone/>
             </a:pPr>
-            <a:r>
-              <a:t/>
-            </a:r>
-            <a:endParaRPr/>
           </a:p>
         </p:txBody>
       </p:sp>
@@ -1589,7 +1582,7 @@
 </file>
 
 <file path=ppt/notesSlides/notesSlide7.xml><?xml version="1.0" encoding="utf-8"?>
-<p:notes xmlns:a="http://schemas.openxmlformats.org/drawingml/2006/main" xmlns:r="http://schemas.openxmlformats.org/officeDocument/2006/relationships" xmlns:mc="http://schemas.openxmlformats.org/markup-compatibility/2006" xmlns:mv="urn:schemas-microsoft-com:mac:vml" xmlns:p="http://schemas.openxmlformats.org/presentationml/2006/main" xmlns:c="http://schemas.openxmlformats.org/drawingml/2006/chart" xmlns:dgm="http://schemas.openxmlformats.org/drawingml/2006/diagram" xmlns:o="urn:schemas-microsoft-com:office:office" xmlns:v="urn:schemas-microsoft-com:vml" xmlns:pvml="urn:schemas-microsoft-com:office:powerpoint" xmlns:com="http://schemas.openxmlformats.org/drawingml/2006/compatibility" xmlns:p14="http://schemas.microsoft.com/office/powerpoint/2010/main" xmlns:p15="http://schemas.microsoft.com/office/powerpoint/2012/main" xmlns:ahyp="http://schemas.microsoft.com/office/drawing/2018/hyperlinkcolor" showMasterPhAnim="0" showMasterSp="0">
+<p:notes xmlns:a="http://schemas.openxmlformats.org/drawingml/2006/main" xmlns:r="http://schemas.openxmlformats.org/officeDocument/2006/relationships" xmlns:p="http://schemas.openxmlformats.org/presentationml/2006/main" showMasterPhAnim="0" showMasterSp="0">
   <p:cSld>
     <p:spTree>
       <p:nvGrpSpPr>
@@ -1610,7 +1603,7 @@
           <p:cNvPr id="81" name="Google Shape;81;g24cda4127fa_4_14:notes"/>
           <p:cNvSpPr/>
           <p:nvPr>
-            <p:ph idx="2" type="sldImg"/>
+            <p:ph type="sldImg" idx="2"/>
           </p:nvPr>
         </p:nvSpPr>
         <p:spPr>
@@ -1619,9 +1612,13 @@
             <a:ext cx="6096000" cy="3429000"/>
           </a:xfrm>
           <a:custGeom>
-            <a:rect b="b" l="l" r="r" t="t"/>
+            <a:avLst/>
+            <a:gdLst/>
+            <a:ahLst/>
+            <a:cxnLst/>
+            <a:rect l="l" t="t" r="r" b="b"/>
             <a:pathLst>
-              <a:path extrusionOk="0" h="120000" w="120000">
+              <a:path w="120000" h="120000" extrusionOk="0">
                 <a:moveTo>
                   <a:pt x="0" y="0"/>
                 </a:moveTo>
@@ -1645,7 +1642,7 @@
           <p:cNvPr id="82" name="Google Shape;82;g24cda4127fa_4_14:notes"/>
           <p:cNvSpPr txBox="1"/>
           <p:nvPr>
-            <p:ph idx="1" type="body"/>
+            <p:ph type="body" idx="1"/>
           </p:nvPr>
         </p:nvSpPr>
         <p:spPr>
@@ -1658,12 +1655,12 @@
           </a:prstGeom>
         </p:spPr>
         <p:txBody>
-          <a:bodyPr anchorCtr="0" anchor="t" bIns="91425" lIns="91425" spcFirstLastPara="1" rIns="91425" wrap="square" tIns="91425">
+          <a:bodyPr spcFirstLastPara="1" wrap="square" lIns="91425" tIns="91425" rIns="91425" bIns="91425" anchor="t" anchorCtr="0">
             <a:noAutofit/>
           </a:bodyPr>
           <a:lstStyle/>
           <a:p>
-            <a:pPr indent="0" lvl="0" marL="0" rtl="0" algn="l">
+            <a:pPr marL="0" lvl="0" indent="0" algn="l" rtl="0">
               <a:spcBef>
                 <a:spcPts val="0"/>
               </a:spcBef>
@@ -1672,10 +1669,6 @@
               </a:spcAft>
               <a:buNone/>
             </a:pPr>
-            <a:r>
-              <a:t/>
-            </a:r>
-            <a:endParaRPr/>
           </a:p>
         </p:txBody>
       </p:sp>
@@ -1688,7 +1681,7 @@
 </file>
 
 <file path=ppt/notesSlides/notesSlide8.xml><?xml version="1.0" encoding="utf-8"?>
-<p:notes xmlns:a="http://schemas.openxmlformats.org/drawingml/2006/main" xmlns:r="http://schemas.openxmlformats.org/officeDocument/2006/relationships" xmlns:mc="http://schemas.openxmlformats.org/markup-compatibility/2006" xmlns:mv="urn:schemas-microsoft-com:mac:vml" xmlns:p="http://schemas.openxmlformats.org/presentationml/2006/main" xmlns:c="http://schemas.openxmlformats.org/drawingml/2006/chart" xmlns:dgm="http://schemas.openxmlformats.org/drawingml/2006/diagram" xmlns:o="urn:schemas-microsoft-com:office:office" xmlns:v="urn:schemas-microsoft-com:vml" xmlns:pvml="urn:schemas-microsoft-com:office:powerpoint" xmlns:com="http://schemas.openxmlformats.org/drawingml/2006/compatibility" xmlns:p14="http://schemas.microsoft.com/office/powerpoint/2010/main" xmlns:p15="http://schemas.microsoft.com/office/powerpoint/2012/main" xmlns:ahyp="http://schemas.microsoft.com/office/drawing/2018/hyperlinkcolor" showMasterPhAnim="0" showMasterSp="0">
+<p:notes xmlns:a="http://schemas.openxmlformats.org/drawingml/2006/main" xmlns:r="http://schemas.openxmlformats.org/officeDocument/2006/relationships" xmlns:p="http://schemas.openxmlformats.org/presentationml/2006/main" showMasterPhAnim="0" showMasterSp="0">
   <p:cSld>
     <p:spTree>
       <p:nvGrpSpPr>
@@ -1709,7 +1702,7 @@
           <p:cNvPr id="86" name="Google Shape;86;g24cda4127fa_0_72:notes"/>
           <p:cNvSpPr/>
           <p:nvPr>
-            <p:ph idx="2" type="sldImg"/>
+            <p:ph type="sldImg" idx="2"/>
           </p:nvPr>
         </p:nvSpPr>
         <p:spPr>
@@ -1718,9 +1711,13 @@
             <a:ext cx="6096000" cy="3429000"/>
           </a:xfrm>
           <a:custGeom>
-            <a:rect b="b" l="l" r="r" t="t"/>
+            <a:avLst/>
+            <a:gdLst/>
+            <a:ahLst/>
+            <a:cxnLst/>
+            <a:rect l="l" t="t" r="r" b="b"/>
             <a:pathLst>
-              <a:path extrusionOk="0" h="120000" w="120000">
+              <a:path w="120000" h="120000" extrusionOk="0">
                 <a:moveTo>
                   <a:pt x="0" y="0"/>
                 </a:moveTo>
@@ -1744,7 +1741,7 @@
           <p:cNvPr id="87" name="Google Shape;87;g24cda4127fa_0_72:notes"/>
           <p:cNvSpPr txBox="1"/>
           <p:nvPr>
-            <p:ph idx="1" type="body"/>
+            <p:ph type="body" idx="1"/>
           </p:nvPr>
         </p:nvSpPr>
         <p:spPr>
@@ -1757,12 +1754,12 @@
           </a:prstGeom>
         </p:spPr>
         <p:txBody>
-          <a:bodyPr anchorCtr="0" anchor="t" bIns="91425" lIns="91425" spcFirstLastPara="1" rIns="91425" wrap="square" tIns="91425">
+          <a:bodyPr spcFirstLastPara="1" wrap="square" lIns="91425" tIns="91425" rIns="91425" bIns="91425" anchor="t" anchorCtr="0">
             <a:noAutofit/>
           </a:bodyPr>
           <a:lstStyle/>
           <a:p>
-            <a:pPr indent="0" lvl="0" marL="0" rtl="0" algn="l">
+            <a:pPr marL="0" lvl="0" indent="0" algn="l" rtl="0">
               <a:spcBef>
                 <a:spcPts val="0"/>
               </a:spcBef>
@@ -1771,10 +1768,6 @@
               </a:spcAft>
               <a:buNone/>
             </a:pPr>
-            <a:r>
-              <a:t/>
-            </a:r>
-            <a:endParaRPr/>
           </a:p>
         </p:txBody>
       </p:sp>
@@ -1787,7 +1780,7 @@
 </file>
 
 <file path=ppt/notesSlides/notesSlide9.xml><?xml version="1.0" encoding="utf-8"?>
-<p:notes xmlns:a="http://schemas.openxmlformats.org/drawingml/2006/main" xmlns:r="http://schemas.openxmlformats.org/officeDocument/2006/relationships" xmlns:mc="http://schemas.openxmlformats.org/markup-compatibility/2006" xmlns:mv="urn:schemas-microsoft-com:mac:vml" xmlns:p="http://schemas.openxmlformats.org/presentationml/2006/main" xmlns:c="http://schemas.openxmlformats.org/drawingml/2006/chart" xmlns:dgm="http://schemas.openxmlformats.org/drawingml/2006/diagram" xmlns:o="urn:schemas-microsoft-com:office:office" xmlns:v="urn:schemas-microsoft-com:vml" xmlns:pvml="urn:schemas-microsoft-com:office:powerpoint" xmlns:com="http://schemas.openxmlformats.org/drawingml/2006/compatibility" xmlns:p14="http://schemas.microsoft.com/office/powerpoint/2010/main" xmlns:p15="http://schemas.microsoft.com/office/powerpoint/2012/main" xmlns:ahyp="http://schemas.microsoft.com/office/drawing/2018/hyperlinkcolor" showMasterPhAnim="0" showMasterSp="0">
+<p:notes xmlns:a="http://schemas.openxmlformats.org/drawingml/2006/main" xmlns:r="http://schemas.openxmlformats.org/officeDocument/2006/relationships" xmlns:p="http://schemas.openxmlformats.org/presentationml/2006/main" showMasterPhAnim="0" showMasterSp="0">
   <p:cSld>
     <p:spTree>
       <p:nvGrpSpPr>
@@ -1808,7 +1801,7 @@
           <p:cNvPr id="91" name="Google Shape;91;g24cda4127fa_4_18:notes"/>
           <p:cNvSpPr/>
           <p:nvPr>
-            <p:ph idx="2" type="sldImg"/>
+            <p:ph type="sldImg" idx="2"/>
           </p:nvPr>
         </p:nvSpPr>
         <p:spPr>
@@ -1817,9 +1810,13 @@
             <a:ext cx="6096000" cy="3429000"/>
           </a:xfrm>
           <a:custGeom>
-            <a:rect b="b" l="l" r="r" t="t"/>
+            <a:avLst/>
+            <a:gdLst/>
+            <a:ahLst/>
+            <a:cxnLst/>
+            <a:rect l="l" t="t" r="r" b="b"/>
             <a:pathLst>
-              <a:path extrusionOk="0" h="120000" w="120000">
+              <a:path w="120000" h="120000" extrusionOk="0">
                 <a:moveTo>
                   <a:pt x="0" y="0"/>
                 </a:moveTo>
@@ -1843,7 +1840,7 @@
           <p:cNvPr id="92" name="Google Shape;92;g24cda4127fa_4_18:notes"/>
           <p:cNvSpPr txBox="1"/>
           <p:nvPr>
-            <p:ph idx="1" type="body"/>
+            <p:ph type="body" idx="1"/>
           </p:nvPr>
         </p:nvSpPr>
         <p:spPr>
@@ -1856,12 +1853,12 @@
           </a:prstGeom>
         </p:spPr>
         <p:txBody>
-          <a:bodyPr anchorCtr="0" anchor="t" bIns="91425" lIns="91425" spcFirstLastPara="1" rIns="91425" wrap="square" tIns="91425">
+          <a:bodyPr spcFirstLastPara="1" wrap="square" lIns="91425" tIns="91425" rIns="91425" bIns="91425" anchor="t" anchorCtr="0">
             <a:noAutofit/>
           </a:bodyPr>
           <a:lstStyle/>
           <a:p>
-            <a:pPr indent="0" lvl="0" marL="0" rtl="0" algn="l">
+            <a:pPr marL="0" lvl="0" indent="0" algn="l" rtl="0">
               <a:spcBef>
                 <a:spcPts val="0"/>
               </a:spcBef>
@@ -1870,10 +1867,6 @@
               </a:spcAft>
               <a:buNone/>
             </a:pPr>
-            <a:r>
-              <a:t/>
-            </a:r>
-            <a:endParaRPr/>
           </a:p>
         </p:txBody>
       </p:sp>
@@ -1886,7 +1879,7 @@
 </file>
 
 <file path=ppt/slideLayouts/slideLayout1.xml><?xml version="1.0" encoding="utf-8"?>
-<p:sldLayout xmlns:a="http://schemas.openxmlformats.org/drawingml/2006/main" xmlns:r="http://schemas.openxmlformats.org/officeDocument/2006/relationships" xmlns:mc="http://schemas.openxmlformats.org/markup-compatibility/2006" xmlns:mv="urn:schemas-microsoft-com:mac:vml" xmlns:p="http://schemas.openxmlformats.org/presentationml/2006/main" xmlns:c="http://schemas.openxmlformats.org/drawingml/2006/chart" xmlns:dgm="http://schemas.openxmlformats.org/drawingml/2006/diagram" xmlns:o="urn:schemas-microsoft-com:office:office" xmlns:v="urn:schemas-microsoft-com:vml" xmlns:pvml="urn:schemas-microsoft-com:office:powerpoint" xmlns:com="http://schemas.openxmlformats.org/drawingml/2006/compatibility" xmlns:p14="http://schemas.microsoft.com/office/powerpoint/2010/main" xmlns:p15="http://schemas.microsoft.com/office/powerpoint/2012/main" xmlns:ahyp="http://schemas.microsoft.com/office/drawing/2018/hyperlinkcolor" matchingName="Title slide" type="title">
+<p:sldLayout xmlns:a="http://schemas.openxmlformats.org/drawingml/2006/main" xmlns:r="http://schemas.openxmlformats.org/officeDocument/2006/relationships" xmlns:p="http://schemas.openxmlformats.org/presentationml/2006/main" type="title" matchingName="Title slide">
   <p:cSld name="TITLE">
     <p:spTree>
       <p:nvGrpSpPr>
@@ -1920,7 +1913,7 @@
           </a:prstGeom>
         </p:spPr>
         <p:txBody>
-          <a:bodyPr anchorCtr="0" anchor="b" bIns="91425" lIns="91425" spcFirstLastPara="1" rIns="91425" wrap="square" tIns="91425">
+          <a:bodyPr spcFirstLastPara="1" wrap="square" lIns="91425" tIns="91425" rIns="91425" bIns="91425" anchor="b" anchorCtr="0">
             <a:normAutofit/>
           </a:bodyPr>
           <a:lstStyle>
@@ -2032,7 +2025,7 @@
           <p:cNvPr id="11" name="Google Shape;11;p2"/>
           <p:cNvSpPr txBox="1"/>
           <p:nvPr>
-            <p:ph idx="1" type="subTitle"/>
+            <p:ph type="subTitle" idx="1"/>
           </p:nvPr>
         </p:nvSpPr>
         <p:spPr>
@@ -2045,7 +2038,7 @@
           </a:prstGeom>
         </p:spPr>
         <p:txBody>
-          <a:bodyPr anchorCtr="0" anchor="t" bIns="91425" lIns="91425" spcFirstLastPara="1" rIns="91425" wrap="square" tIns="91425">
+          <a:bodyPr spcFirstLastPara="1" wrap="square" lIns="91425" tIns="91425" rIns="91425" bIns="91425" anchor="t" anchorCtr="0">
             <a:normAutofit/>
           </a:bodyPr>
           <a:lstStyle>
@@ -2184,7 +2177,7 @@
           <p:cNvPr id="12" name="Google Shape;12;p2"/>
           <p:cNvSpPr txBox="1"/>
           <p:nvPr>
-            <p:ph idx="12" type="sldNum"/>
+            <p:ph type="sldNum" idx="12"/>
           </p:nvPr>
         </p:nvSpPr>
         <p:spPr>
@@ -2197,7 +2190,7 @@
           </a:prstGeom>
         </p:spPr>
         <p:txBody>
-          <a:bodyPr anchorCtr="0" anchor="ctr" bIns="91425" lIns="91425" spcFirstLastPara="1" rIns="91425" wrap="square" tIns="91425">
+          <a:bodyPr spcFirstLastPara="1" wrap="square" lIns="91425" tIns="91425" rIns="91425" bIns="91425" anchor="ctr" anchorCtr="0">
             <a:normAutofit/>
           </a:bodyPr>
           <a:lstStyle>
@@ -2239,7 +2232,7 @@
             </a:lvl9pPr>
           </a:lstStyle>
           <a:p>
-            <a:pPr indent="0" lvl="0" marL="0" rtl="0" algn="r">
+            <a:pPr marL="0" lvl="0" indent="0" algn="r" rtl="0">
               <a:spcBef>
                 <a:spcPts val="0"/>
               </a:spcBef>
@@ -2249,10 +2242,9 @@
               <a:buNone/>
             </a:pPr>
             <a:fld id="{00000000-1234-1234-1234-123412341234}" type="slidenum">
-              <a:rPr lang="en"/>
-              <a:t>‹#›</a:t>
+              <a:rPr lang="en-GB"/>
             </a:fld>
-            <a:endParaRPr/>
+            <a:endParaRPr lang="en-GB"/>
           </a:p>
         </p:txBody>
       </p:sp>
@@ -2265,7 +2257,7 @@
 </file>
 
 <file path=ppt/slideLayouts/slideLayout10.xml><?xml version="1.0" encoding="utf-8"?>
-<p:sldLayout xmlns:a="http://schemas.openxmlformats.org/drawingml/2006/main" xmlns:r="http://schemas.openxmlformats.org/officeDocument/2006/relationships" xmlns:mc="http://schemas.openxmlformats.org/markup-compatibility/2006" xmlns:mv="urn:schemas-microsoft-com:mac:vml" xmlns:p="http://schemas.openxmlformats.org/presentationml/2006/main" xmlns:c="http://schemas.openxmlformats.org/drawingml/2006/chart" xmlns:dgm="http://schemas.openxmlformats.org/drawingml/2006/diagram" xmlns:o="urn:schemas-microsoft-com:office:office" xmlns:v="urn:schemas-microsoft-com:vml" xmlns:pvml="urn:schemas-microsoft-com:office:powerpoint" xmlns:com="http://schemas.openxmlformats.org/drawingml/2006/compatibility" xmlns:p14="http://schemas.microsoft.com/office/powerpoint/2010/main" xmlns:p15="http://schemas.microsoft.com/office/powerpoint/2012/main" xmlns:ahyp="http://schemas.microsoft.com/office/drawing/2018/hyperlinkcolor" matchingName="Big number">
+<p:sldLayout xmlns:a="http://schemas.openxmlformats.org/drawingml/2006/main" xmlns:r="http://schemas.openxmlformats.org/officeDocument/2006/relationships" xmlns:p="http://schemas.openxmlformats.org/presentationml/2006/main" matchingName="Big number">
   <p:cSld name="BIG_NUMBER">
     <p:spTree>
       <p:nvGrpSpPr>
@@ -2286,7 +2278,7 @@
           <p:cNvPr id="45" name="Google Shape;45;p11"/>
           <p:cNvSpPr txBox="1"/>
           <p:nvPr>
-            <p:ph hasCustomPrompt="1" type="title"/>
+            <p:ph type="title" hasCustomPrompt="1"/>
           </p:nvPr>
         </p:nvSpPr>
         <p:spPr>
@@ -2299,7 +2291,7 @@
           </a:prstGeom>
         </p:spPr>
         <p:txBody>
-          <a:bodyPr anchorCtr="0" anchor="b" bIns="91425" lIns="91425" spcFirstLastPara="1" rIns="91425" wrap="square" tIns="91425">
+          <a:bodyPr spcFirstLastPara="1" wrap="square" lIns="91425" tIns="91425" rIns="91425" bIns="91425" anchor="b" anchorCtr="0">
             <a:normAutofit/>
           </a:bodyPr>
           <a:lstStyle>
@@ -2415,7 +2407,7 @@
           <p:cNvPr id="46" name="Google Shape;46;p11"/>
           <p:cNvSpPr txBox="1"/>
           <p:nvPr>
-            <p:ph idx="1" type="body"/>
+            <p:ph type="body" idx="1"/>
           </p:nvPr>
         </p:nvSpPr>
         <p:spPr>
@@ -2428,11 +2420,11 @@
           </a:prstGeom>
         </p:spPr>
         <p:txBody>
-          <a:bodyPr anchorCtr="0" anchor="t" bIns="91425" lIns="91425" spcFirstLastPara="1" rIns="91425" wrap="square" tIns="91425">
+          <a:bodyPr spcFirstLastPara="1" wrap="square" lIns="91425" tIns="91425" rIns="91425" bIns="91425" anchor="t" anchorCtr="0">
             <a:normAutofit/>
           </a:bodyPr>
           <a:lstStyle>
-            <a:lvl1pPr indent="-342900" lvl="0" marL="457200" algn="ctr">
+            <a:lvl1pPr marL="457200" lvl="0" indent="-342900" algn="ctr">
               <a:spcBef>
                 <a:spcPts val="0"/>
               </a:spcBef>
@@ -2443,7 +2435,7 @@
               <a:buChar char="●"/>
               <a:defRPr/>
             </a:lvl1pPr>
-            <a:lvl2pPr indent="-317500" lvl="1" marL="914400" algn="ctr">
+            <a:lvl2pPr marL="914400" lvl="1" indent="-317500" algn="ctr">
               <a:spcBef>
                 <a:spcPts val="0"/>
               </a:spcBef>
@@ -2454,7 +2446,7 @@
               <a:buChar char="○"/>
               <a:defRPr/>
             </a:lvl2pPr>
-            <a:lvl3pPr indent="-317500" lvl="2" marL="1371600" algn="ctr">
+            <a:lvl3pPr marL="1371600" lvl="2" indent="-317500" algn="ctr">
               <a:spcBef>
                 <a:spcPts val="0"/>
               </a:spcBef>
@@ -2465,7 +2457,7 @@
               <a:buChar char="■"/>
               <a:defRPr/>
             </a:lvl3pPr>
-            <a:lvl4pPr indent="-317500" lvl="3" marL="1828800" algn="ctr">
+            <a:lvl4pPr marL="1828800" lvl="3" indent="-317500" algn="ctr">
               <a:spcBef>
                 <a:spcPts val="0"/>
               </a:spcBef>
@@ -2476,7 +2468,7 @@
               <a:buChar char="●"/>
               <a:defRPr/>
             </a:lvl4pPr>
-            <a:lvl5pPr indent="-317500" lvl="4" marL="2286000" algn="ctr">
+            <a:lvl5pPr marL="2286000" lvl="4" indent="-317500" algn="ctr">
               <a:spcBef>
                 <a:spcPts val="0"/>
               </a:spcBef>
@@ -2487,7 +2479,7 @@
               <a:buChar char="○"/>
               <a:defRPr/>
             </a:lvl5pPr>
-            <a:lvl6pPr indent="-317500" lvl="5" marL="2743200" algn="ctr">
+            <a:lvl6pPr marL="2743200" lvl="5" indent="-317500" algn="ctr">
               <a:spcBef>
                 <a:spcPts val="0"/>
               </a:spcBef>
@@ -2498,7 +2490,7 @@
               <a:buChar char="■"/>
               <a:defRPr/>
             </a:lvl6pPr>
-            <a:lvl7pPr indent="-317500" lvl="6" marL="3200400" algn="ctr">
+            <a:lvl7pPr marL="3200400" lvl="6" indent="-317500" algn="ctr">
               <a:spcBef>
                 <a:spcPts val="0"/>
               </a:spcBef>
@@ -2509,7 +2501,7 @@
               <a:buChar char="●"/>
               <a:defRPr/>
             </a:lvl7pPr>
-            <a:lvl8pPr indent="-317500" lvl="7" marL="3657600" algn="ctr">
+            <a:lvl8pPr marL="3657600" lvl="7" indent="-317500" algn="ctr">
               <a:spcBef>
                 <a:spcPts val="0"/>
               </a:spcBef>
@@ -2520,7 +2512,7 @@
               <a:buChar char="○"/>
               <a:defRPr/>
             </a:lvl8pPr>
-            <a:lvl9pPr indent="-317500" lvl="8" marL="4114800" algn="ctr">
+            <a:lvl9pPr marL="4114800" lvl="8" indent="-317500" algn="ctr">
               <a:spcBef>
                 <a:spcPts val="0"/>
               </a:spcBef>
@@ -2540,7 +2532,7 @@
           <p:cNvPr id="47" name="Google Shape;47;p11"/>
           <p:cNvSpPr txBox="1"/>
           <p:nvPr>
-            <p:ph idx="12" type="sldNum"/>
+            <p:ph type="sldNum" idx="12"/>
           </p:nvPr>
         </p:nvSpPr>
         <p:spPr>
@@ -2553,7 +2545,7 @@
           </a:prstGeom>
         </p:spPr>
         <p:txBody>
-          <a:bodyPr anchorCtr="0" anchor="ctr" bIns="91425" lIns="91425" spcFirstLastPara="1" rIns="91425" wrap="square" tIns="91425">
+          <a:bodyPr spcFirstLastPara="1" wrap="square" lIns="91425" tIns="91425" rIns="91425" bIns="91425" anchor="ctr" anchorCtr="0">
             <a:normAutofit/>
           </a:bodyPr>
           <a:lstStyle>
@@ -2595,7 +2587,7 @@
             </a:lvl9pPr>
           </a:lstStyle>
           <a:p>
-            <a:pPr indent="0" lvl="0" marL="0" rtl="0" algn="r">
+            <a:pPr marL="0" lvl="0" indent="0" algn="r" rtl="0">
               <a:spcBef>
                 <a:spcPts val="0"/>
               </a:spcBef>
@@ -2605,10 +2597,9 @@
               <a:buNone/>
             </a:pPr>
             <a:fld id="{00000000-1234-1234-1234-123412341234}" type="slidenum">
-              <a:rPr lang="en"/>
-              <a:t>‹#›</a:t>
+              <a:rPr lang="en-GB"/>
             </a:fld>
-            <a:endParaRPr/>
+            <a:endParaRPr lang="en-GB"/>
           </a:p>
         </p:txBody>
       </p:sp>
@@ -2621,7 +2612,7 @@
 </file>
 
 <file path=ppt/slideLayouts/slideLayout11.xml><?xml version="1.0" encoding="utf-8"?>
-<p:sldLayout xmlns:a="http://schemas.openxmlformats.org/drawingml/2006/main" xmlns:r="http://schemas.openxmlformats.org/officeDocument/2006/relationships" xmlns:mc="http://schemas.openxmlformats.org/markup-compatibility/2006" xmlns:mv="urn:schemas-microsoft-com:mac:vml" xmlns:p="http://schemas.openxmlformats.org/presentationml/2006/main" xmlns:c="http://schemas.openxmlformats.org/drawingml/2006/chart" xmlns:dgm="http://schemas.openxmlformats.org/drawingml/2006/diagram" xmlns:o="urn:schemas-microsoft-com:office:office" xmlns:v="urn:schemas-microsoft-com:vml" xmlns:pvml="urn:schemas-microsoft-com:office:powerpoint" xmlns:com="http://schemas.openxmlformats.org/drawingml/2006/compatibility" xmlns:p14="http://schemas.microsoft.com/office/powerpoint/2010/main" xmlns:p15="http://schemas.microsoft.com/office/powerpoint/2012/main" xmlns:ahyp="http://schemas.microsoft.com/office/drawing/2018/hyperlinkcolor" matchingName="Blank" type="blank">
+<p:sldLayout xmlns:a="http://schemas.openxmlformats.org/drawingml/2006/main" xmlns:r="http://schemas.openxmlformats.org/officeDocument/2006/relationships" xmlns:p="http://schemas.openxmlformats.org/presentationml/2006/main" type="blank" matchingName="Blank">
   <p:cSld name="BLANK">
     <p:spTree>
       <p:nvGrpSpPr>
@@ -2642,7 +2633,7 @@
           <p:cNvPr id="49" name="Google Shape;49;p12"/>
           <p:cNvSpPr txBox="1"/>
           <p:nvPr>
-            <p:ph idx="12" type="sldNum"/>
+            <p:ph type="sldNum" idx="12"/>
           </p:nvPr>
         </p:nvSpPr>
         <p:spPr>
@@ -2655,7 +2646,7 @@
           </a:prstGeom>
         </p:spPr>
         <p:txBody>
-          <a:bodyPr anchorCtr="0" anchor="ctr" bIns="91425" lIns="91425" spcFirstLastPara="1" rIns="91425" wrap="square" tIns="91425">
+          <a:bodyPr spcFirstLastPara="1" wrap="square" lIns="91425" tIns="91425" rIns="91425" bIns="91425" anchor="ctr" anchorCtr="0">
             <a:normAutofit/>
           </a:bodyPr>
           <a:lstStyle>
@@ -2697,7 +2688,7 @@
             </a:lvl9pPr>
           </a:lstStyle>
           <a:p>
-            <a:pPr indent="0" lvl="0" marL="0" rtl="0" algn="r">
+            <a:pPr marL="0" lvl="0" indent="0" algn="r" rtl="0">
               <a:spcBef>
                 <a:spcPts val="0"/>
               </a:spcBef>
@@ -2707,10 +2698,9 @@
               <a:buNone/>
             </a:pPr>
             <a:fld id="{00000000-1234-1234-1234-123412341234}" type="slidenum">
-              <a:rPr lang="en"/>
-              <a:t>‹#›</a:t>
+              <a:rPr lang="en-GB"/>
             </a:fld>
-            <a:endParaRPr/>
+            <a:endParaRPr lang="en-GB"/>
           </a:p>
         </p:txBody>
       </p:sp>
@@ -2723,7 +2713,7 @@
 </file>
 
 <file path=ppt/slideLayouts/slideLayout2.xml><?xml version="1.0" encoding="utf-8"?>
-<p:sldLayout xmlns:a="http://schemas.openxmlformats.org/drawingml/2006/main" xmlns:r="http://schemas.openxmlformats.org/officeDocument/2006/relationships" xmlns:mc="http://schemas.openxmlformats.org/markup-compatibility/2006" xmlns:mv="urn:schemas-microsoft-com:mac:vml" xmlns:p="http://schemas.openxmlformats.org/presentationml/2006/main" xmlns:c="http://schemas.openxmlformats.org/drawingml/2006/chart" xmlns:dgm="http://schemas.openxmlformats.org/drawingml/2006/diagram" xmlns:o="urn:schemas-microsoft-com:office:office" xmlns:v="urn:schemas-microsoft-com:vml" xmlns:pvml="urn:schemas-microsoft-com:office:powerpoint" xmlns:com="http://schemas.openxmlformats.org/drawingml/2006/compatibility" xmlns:p14="http://schemas.microsoft.com/office/powerpoint/2010/main" xmlns:p15="http://schemas.microsoft.com/office/powerpoint/2012/main" xmlns:ahyp="http://schemas.microsoft.com/office/drawing/2018/hyperlinkcolor" matchingName="Section header" type="secHead">
+<p:sldLayout xmlns:a="http://schemas.openxmlformats.org/drawingml/2006/main" xmlns:r="http://schemas.openxmlformats.org/officeDocument/2006/relationships" xmlns:p="http://schemas.openxmlformats.org/presentationml/2006/main" type="secHead" matchingName="Section header">
   <p:cSld name="SECTION_HEADER">
     <p:spTree>
       <p:nvGrpSpPr>
@@ -2757,7 +2747,7 @@
           </a:prstGeom>
         </p:spPr>
         <p:txBody>
-          <a:bodyPr anchorCtr="0" anchor="ctr" bIns="91425" lIns="91425" spcFirstLastPara="1" rIns="91425" wrap="square" tIns="91425">
+          <a:bodyPr spcFirstLastPara="1" wrap="square" lIns="91425" tIns="91425" rIns="91425" bIns="91425" anchor="ctr" anchorCtr="0">
             <a:normAutofit/>
           </a:bodyPr>
           <a:lstStyle>
@@ -2869,7 +2859,7 @@
           <p:cNvPr id="15" name="Google Shape;15;p3"/>
           <p:cNvSpPr txBox="1"/>
           <p:nvPr>
-            <p:ph idx="12" type="sldNum"/>
+            <p:ph type="sldNum" idx="12"/>
           </p:nvPr>
         </p:nvSpPr>
         <p:spPr>
@@ -2882,7 +2872,7 @@
           </a:prstGeom>
         </p:spPr>
         <p:txBody>
-          <a:bodyPr anchorCtr="0" anchor="ctr" bIns="91425" lIns="91425" spcFirstLastPara="1" rIns="91425" wrap="square" tIns="91425">
+          <a:bodyPr spcFirstLastPara="1" wrap="square" lIns="91425" tIns="91425" rIns="91425" bIns="91425" anchor="ctr" anchorCtr="0">
             <a:normAutofit/>
           </a:bodyPr>
           <a:lstStyle>
@@ -2924,7 +2914,7 @@
             </a:lvl9pPr>
           </a:lstStyle>
           <a:p>
-            <a:pPr indent="0" lvl="0" marL="0" rtl="0" algn="r">
+            <a:pPr marL="0" lvl="0" indent="0" algn="r" rtl="0">
               <a:spcBef>
                 <a:spcPts val="0"/>
               </a:spcBef>
@@ -2934,10 +2924,9 @@
               <a:buNone/>
             </a:pPr>
             <a:fld id="{00000000-1234-1234-1234-123412341234}" type="slidenum">
-              <a:rPr lang="en"/>
-              <a:t>‹#›</a:t>
+              <a:rPr lang="en-GB"/>
             </a:fld>
-            <a:endParaRPr/>
+            <a:endParaRPr lang="en-GB"/>
           </a:p>
         </p:txBody>
       </p:sp>
@@ -2950,7 +2939,7 @@
 </file>
 
 <file path=ppt/slideLayouts/slideLayout3.xml><?xml version="1.0" encoding="utf-8"?>
-<p:sldLayout xmlns:a="http://schemas.openxmlformats.org/drawingml/2006/main" xmlns:r="http://schemas.openxmlformats.org/officeDocument/2006/relationships" xmlns:mc="http://schemas.openxmlformats.org/markup-compatibility/2006" xmlns:mv="urn:schemas-microsoft-com:mac:vml" xmlns:p="http://schemas.openxmlformats.org/presentationml/2006/main" xmlns:c="http://schemas.openxmlformats.org/drawingml/2006/chart" xmlns:dgm="http://schemas.openxmlformats.org/drawingml/2006/diagram" xmlns:o="urn:schemas-microsoft-com:office:office" xmlns:v="urn:schemas-microsoft-com:vml" xmlns:pvml="urn:schemas-microsoft-com:office:powerpoint" xmlns:com="http://schemas.openxmlformats.org/drawingml/2006/compatibility" xmlns:p14="http://schemas.microsoft.com/office/powerpoint/2010/main" xmlns:p15="http://schemas.microsoft.com/office/powerpoint/2012/main" xmlns:ahyp="http://schemas.microsoft.com/office/drawing/2018/hyperlinkcolor" matchingName="Title and body" type="tx">
+<p:sldLayout xmlns:a="http://schemas.openxmlformats.org/drawingml/2006/main" xmlns:r="http://schemas.openxmlformats.org/officeDocument/2006/relationships" xmlns:p="http://schemas.openxmlformats.org/presentationml/2006/main" type="tx" matchingName="Title and body">
   <p:cSld name="TITLE_AND_BODY">
     <p:spTree>
       <p:nvGrpSpPr>
@@ -2984,7 +2973,7 @@
           </a:prstGeom>
         </p:spPr>
         <p:txBody>
-          <a:bodyPr anchorCtr="0" anchor="t" bIns="91425" lIns="91425" spcFirstLastPara="1" rIns="91425" wrap="square" tIns="91425">
+          <a:bodyPr spcFirstLastPara="1" wrap="square" lIns="91425" tIns="91425" rIns="91425" bIns="91425" anchor="t" anchorCtr="0">
             <a:normAutofit/>
           </a:bodyPr>
           <a:lstStyle>
@@ -3096,7 +3085,7 @@
           <p:cNvPr id="18" name="Google Shape;18;p4"/>
           <p:cNvSpPr txBox="1"/>
           <p:nvPr>
-            <p:ph idx="1" type="body"/>
+            <p:ph type="body" idx="1"/>
           </p:nvPr>
         </p:nvSpPr>
         <p:spPr>
@@ -3109,11 +3098,11 @@
           </a:prstGeom>
         </p:spPr>
         <p:txBody>
-          <a:bodyPr anchorCtr="0" anchor="t" bIns="91425" lIns="91425" spcFirstLastPara="1" rIns="91425" wrap="square" tIns="91425">
+          <a:bodyPr spcFirstLastPara="1" wrap="square" lIns="91425" tIns="91425" rIns="91425" bIns="91425" anchor="t" anchorCtr="0">
             <a:normAutofit/>
           </a:bodyPr>
           <a:lstStyle>
-            <a:lvl1pPr indent="-342900" lvl="0" marL="457200">
+            <a:lvl1pPr marL="457200" lvl="0" indent="-342900">
               <a:spcBef>
                 <a:spcPts val="0"/>
               </a:spcBef>
@@ -3124,7 +3113,7 @@
               <a:buChar char="●"/>
               <a:defRPr/>
             </a:lvl1pPr>
-            <a:lvl2pPr indent="-317500" lvl="1" marL="914400">
+            <a:lvl2pPr marL="914400" lvl="1" indent="-317500">
               <a:spcBef>
                 <a:spcPts val="0"/>
               </a:spcBef>
@@ -3135,7 +3124,7 @@
               <a:buChar char="○"/>
               <a:defRPr/>
             </a:lvl2pPr>
-            <a:lvl3pPr indent="-317500" lvl="2" marL="1371600">
+            <a:lvl3pPr marL="1371600" lvl="2" indent="-317500">
               <a:spcBef>
                 <a:spcPts val="0"/>
               </a:spcBef>
@@ -3146,7 +3135,7 @@
               <a:buChar char="■"/>
               <a:defRPr/>
             </a:lvl3pPr>
-            <a:lvl4pPr indent="-317500" lvl="3" marL="1828800">
+            <a:lvl4pPr marL="1828800" lvl="3" indent="-317500">
               <a:spcBef>
                 <a:spcPts val="0"/>
               </a:spcBef>
@@ -3157,7 +3146,7 @@
               <a:buChar char="●"/>
               <a:defRPr/>
             </a:lvl4pPr>
-            <a:lvl5pPr indent="-317500" lvl="4" marL="2286000">
+            <a:lvl5pPr marL="2286000" lvl="4" indent="-317500">
               <a:spcBef>
                 <a:spcPts val="0"/>
               </a:spcBef>
@@ -3168,7 +3157,7 @@
               <a:buChar char="○"/>
               <a:defRPr/>
             </a:lvl5pPr>
-            <a:lvl6pPr indent="-317500" lvl="5" marL="2743200">
+            <a:lvl6pPr marL="2743200" lvl="5" indent="-317500">
               <a:spcBef>
                 <a:spcPts val="0"/>
               </a:spcBef>
@@ -3179,7 +3168,7 @@
               <a:buChar char="■"/>
               <a:defRPr/>
             </a:lvl6pPr>
-            <a:lvl7pPr indent="-317500" lvl="6" marL="3200400">
+            <a:lvl7pPr marL="3200400" lvl="6" indent="-317500">
               <a:spcBef>
                 <a:spcPts val="0"/>
               </a:spcBef>
@@ -3190,7 +3179,7 @@
               <a:buChar char="●"/>
               <a:defRPr/>
             </a:lvl7pPr>
-            <a:lvl8pPr indent="-317500" lvl="7" marL="3657600">
+            <a:lvl8pPr marL="3657600" lvl="7" indent="-317500">
               <a:spcBef>
                 <a:spcPts val="0"/>
               </a:spcBef>
@@ -3201,7 +3190,7 @@
               <a:buChar char="○"/>
               <a:defRPr/>
             </a:lvl8pPr>
-            <a:lvl9pPr indent="-317500" lvl="8" marL="4114800">
+            <a:lvl9pPr marL="4114800" lvl="8" indent="-317500">
               <a:spcBef>
                 <a:spcPts val="0"/>
               </a:spcBef>
@@ -3221,7 +3210,7 @@
           <p:cNvPr id="19" name="Google Shape;19;p4"/>
           <p:cNvSpPr txBox="1"/>
           <p:nvPr>
-            <p:ph idx="12" type="sldNum"/>
+            <p:ph type="sldNum" idx="12"/>
           </p:nvPr>
         </p:nvSpPr>
         <p:spPr>
@@ -3234,7 +3223,7 @@
           </a:prstGeom>
         </p:spPr>
         <p:txBody>
-          <a:bodyPr anchorCtr="0" anchor="ctr" bIns="91425" lIns="91425" spcFirstLastPara="1" rIns="91425" wrap="square" tIns="91425">
+          <a:bodyPr spcFirstLastPara="1" wrap="square" lIns="91425" tIns="91425" rIns="91425" bIns="91425" anchor="ctr" anchorCtr="0">
             <a:normAutofit/>
           </a:bodyPr>
           <a:lstStyle>
@@ -3276,7 +3265,7 @@
             </a:lvl9pPr>
           </a:lstStyle>
           <a:p>
-            <a:pPr indent="0" lvl="0" marL="0" rtl="0" algn="r">
+            <a:pPr marL="0" lvl="0" indent="0" algn="r" rtl="0">
               <a:spcBef>
                 <a:spcPts val="0"/>
               </a:spcBef>
@@ -3286,10 +3275,9 @@
               <a:buNone/>
             </a:pPr>
             <a:fld id="{00000000-1234-1234-1234-123412341234}" type="slidenum">
-              <a:rPr lang="en"/>
-              <a:t>‹#›</a:t>
+              <a:rPr lang="en-GB"/>
             </a:fld>
-            <a:endParaRPr/>
+            <a:endParaRPr lang="en-GB"/>
           </a:p>
         </p:txBody>
       </p:sp>
@@ -3302,7 +3290,7 @@
 </file>
 
 <file path=ppt/slideLayouts/slideLayout4.xml><?xml version="1.0" encoding="utf-8"?>
-<p:sldLayout xmlns:a="http://schemas.openxmlformats.org/drawingml/2006/main" xmlns:r="http://schemas.openxmlformats.org/officeDocument/2006/relationships" xmlns:mc="http://schemas.openxmlformats.org/markup-compatibility/2006" xmlns:mv="urn:schemas-microsoft-com:mac:vml" xmlns:p="http://schemas.openxmlformats.org/presentationml/2006/main" xmlns:c="http://schemas.openxmlformats.org/drawingml/2006/chart" xmlns:dgm="http://schemas.openxmlformats.org/drawingml/2006/diagram" xmlns:o="urn:schemas-microsoft-com:office:office" xmlns:v="urn:schemas-microsoft-com:vml" xmlns:pvml="urn:schemas-microsoft-com:office:powerpoint" xmlns:com="http://schemas.openxmlformats.org/drawingml/2006/compatibility" xmlns:p14="http://schemas.microsoft.com/office/powerpoint/2010/main" xmlns:p15="http://schemas.microsoft.com/office/powerpoint/2012/main" xmlns:ahyp="http://schemas.microsoft.com/office/drawing/2018/hyperlinkcolor" matchingName="Title and two columns" type="twoColTx">
+<p:sldLayout xmlns:a="http://schemas.openxmlformats.org/drawingml/2006/main" xmlns:r="http://schemas.openxmlformats.org/officeDocument/2006/relationships" xmlns:p="http://schemas.openxmlformats.org/presentationml/2006/main" type="twoColTx" matchingName="Title and two columns">
   <p:cSld name="TITLE_AND_TWO_COLUMNS">
     <p:spTree>
       <p:nvGrpSpPr>
@@ -3336,7 +3324,7 @@
           </a:prstGeom>
         </p:spPr>
         <p:txBody>
-          <a:bodyPr anchorCtr="0" anchor="t" bIns="91425" lIns="91425" spcFirstLastPara="1" rIns="91425" wrap="square" tIns="91425">
+          <a:bodyPr spcFirstLastPara="1" wrap="square" lIns="91425" tIns="91425" rIns="91425" bIns="91425" anchor="t" anchorCtr="0">
             <a:normAutofit/>
           </a:bodyPr>
           <a:lstStyle>
@@ -3448,7 +3436,7 @@
           <p:cNvPr id="22" name="Google Shape;22;p5"/>
           <p:cNvSpPr txBox="1"/>
           <p:nvPr>
-            <p:ph idx="1" type="body"/>
+            <p:ph type="body" idx="1"/>
           </p:nvPr>
         </p:nvSpPr>
         <p:spPr>
@@ -3461,11 +3449,11 @@
           </a:prstGeom>
         </p:spPr>
         <p:txBody>
-          <a:bodyPr anchorCtr="0" anchor="t" bIns="91425" lIns="91425" spcFirstLastPara="1" rIns="91425" wrap="square" tIns="91425">
+          <a:bodyPr spcFirstLastPara="1" wrap="square" lIns="91425" tIns="91425" rIns="91425" bIns="91425" anchor="t" anchorCtr="0">
             <a:normAutofit/>
           </a:bodyPr>
           <a:lstStyle>
-            <a:lvl1pPr indent="-317500" lvl="0" marL="457200">
+            <a:lvl1pPr marL="457200" lvl="0" indent="-317500">
               <a:spcBef>
                 <a:spcPts val="0"/>
               </a:spcBef>
@@ -3476,7 +3464,7 @@
               <a:buChar char="●"/>
               <a:defRPr sz="1400"/>
             </a:lvl1pPr>
-            <a:lvl2pPr indent="-304800" lvl="1" marL="914400">
+            <a:lvl2pPr marL="914400" lvl="1" indent="-304800">
               <a:spcBef>
                 <a:spcPts val="0"/>
               </a:spcBef>
@@ -3487,7 +3475,7 @@
               <a:buChar char="○"/>
               <a:defRPr sz="1200"/>
             </a:lvl2pPr>
-            <a:lvl3pPr indent="-304800" lvl="2" marL="1371600">
+            <a:lvl3pPr marL="1371600" lvl="2" indent="-304800">
               <a:spcBef>
                 <a:spcPts val="0"/>
               </a:spcBef>
@@ -3498,7 +3486,7 @@
               <a:buChar char="■"/>
               <a:defRPr sz="1200"/>
             </a:lvl3pPr>
-            <a:lvl4pPr indent="-304800" lvl="3" marL="1828800">
+            <a:lvl4pPr marL="1828800" lvl="3" indent="-304800">
               <a:spcBef>
                 <a:spcPts val="0"/>
               </a:spcBef>
@@ -3509,7 +3497,7 @@
               <a:buChar char="●"/>
               <a:defRPr sz="1200"/>
             </a:lvl4pPr>
-            <a:lvl5pPr indent="-304800" lvl="4" marL="2286000">
+            <a:lvl5pPr marL="2286000" lvl="4" indent="-304800">
               <a:spcBef>
                 <a:spcPts val="0"/>
               </a:spcBef>
@@ -3520,7 +3508,7 @@
               <a:buChar char="○"/>
               <a:defRPr sz="1200"/>
             </a:lvl5pPr>
-            <a:lvl6pPr indent="-304800" lvl="5" marL="2743200">
+            <a:lvl6pPr marL="2743200" lvl="5" indent="-304800">
               <a:spcBef>
                 <a:spcPts val="0"/>
               </a:spcBef>
@@ -3531,7 +3519,7 @@
               <a:buChar char="■"/>
               <a:defRPr sz="1200"/>
             </a:lvl6pPr>
-            <a:lvl7pPr indent="-304800" lvl="6" marL="3200400">
+            <a:lvl7pPr marL="3200400" lvl="6" indent="-304800">
               <a:spcBef>
                 <a:spcPts val="0"/>
               </a:spcBef>
@@ -3542,7 +3530,7 @@
               <a:buChar char="●"/>
               <a:defRPr sz="1200"/>
             </a:lvl7pPr>
-            <a:lvl8pPr indent="-304800" lvl="7" marL="3657600">
+            <a:lvl8pPr marL="3657600" lvl="7" indent="-304800">
               <a:spcBef>
                 <a:spcPts val="0"/>
               </a:spcBef>
@@ -3553,7 +3541,7 @@
               <a:buChar char="○"/>
               <a:defRPr sz="1200"/>
             </a:lvl8pPr>
-            <a:lvl9pPr indent="-304800" lvl="8" marL="4114800">
+            <a:lvl9pPr marL="4114800" lvl="8" indent="-304800">
               <a:spcBef>
                 <a:spcPts val="0"/>
               </a:spcBef>
@@ -3573,7 +3561,7 @@
           <p:cNvPr id="23" name="Google Shape;23;p5"/>
           <p:cNvSpPr txBox="1"/>
           <p:nvPr>
-            <p:ph idx="2" type="body"/>
+            <p:ph type="body" idx="2"/>
           </p:nvPr>
         </p:nvSpPr>
         <p:spPr>
@@ -3586,11 +3574,11 @@
           </a:prstGeom>
         </p:spPr>
         <p:txBody>
-          <a:bodyPr anchorCtr="0" anchor="t" bIns="91425" lIns="91425" spcFirstLastPara="1" rIns="91425" wrap="square" tIns="91425">
+          <a:bodyPr spcFirstLastPara="1" wrap="square" lIns="91425" tIns="91425" rIns="91425" bIns="91425" anchor="t" anchorCtr="0">
             <a:normAutofit/>
           </a:bodyPr>
           <a:lstStyle>
-            <a:lvl1pPr indent="-317500" lvl="0" marL="457200">
+            <a:lvl1pPr marL="457200" lvl="0" indent="-317500">
               <a:spcBef>
                 <a:spcPts val="0"/>
               </a:spcBef>
@@ -3601,7 +3589,7 @@
               <a:buChar char="●"/>
               <a:defRPr sz="1400"/>
             </a:lvl1pPr>
-            <a:lvl2pPr indent="-304800" lvl="1" marL="914400">
+            <a:lvl2pPr marL="914400" lvl="1" indent="-304800">
               <a:spcBef>
                 <a:spcPts val="0"/>
               </a:spcBef>
@@ -3612,7 +3600,7 @@
               <a:buChar char="○"/>
               <a:defRPr sz="1200"/>
             </a:lvl2pPr>
-            <a:lvl3pPr indent="-304800" lvl="2" marL="1371600">
+            <a:lvl3pPr marL="1371600" lvl="2" indent="-304800">
               <a:spcBef>
                 <a:spcPts val="0"/>
               </a:spcBef>
@@ -3623,7 +3611,7 @@
               <a:buChar char="■"/>
               <a:defRPr sz="1200"/>
             </a:lvl3pPr>
-            <a:lvl4pPr indent="-304800" lvl="3" marL="1828800">
+            <a:lvl4pPr marL="1828800" lvl="3" indent="-304800">
               <a:spcBef>
                 <a:spcPts val="0"/>
               </a:spcBef>
@@ -3634,7 +3622,7 @@
               <a:buChar char="●"/>
               <a:defRPr sz="1200"/>
             </a:lvl4pPr>
-            <a:lvl5pPr indent="-304800" lvl="4" marL="2286000">
+            <a:lvl5pPr marL="2286000" lvl="4" indent="-304800">
               <a:spcBef>
                 <a:spcPts val="0"/>
               </a:spcBef>
@@ -3645,7 +3633,7 @@
               <a:buChar char="○"/>
               <a:defRPr sz="1200"/>
             </a:lvl5pPr>
-            <a:lvl6pPr indent="-304800" lvl="5" marL="2743200">
+            <a:lvl6pPr marL="2743200" lvl="5" indent="-304800">
               <a:spcBef>
                 <a:spcPts val="0"/>
               </a:spcBef>
@@ -3656,7 +3644,7 @@
               <a:buChar char="■"/>
               <a:defRPr sz="1200"/>
             </a:lvl6pPr>
-            <a:lvl7pPr indent="-304800" lvl="6" marL="3200400">
+            <a:lvl7pPr marL="3200400" lvl="6" indent="-304800">
               <a:spcBef>
                 <a:spcPts val="0"/>
               </a:spcBef>
@@ -3667,7 +3655,7 @@
               <a:buChar char="●"/>
               <a:defRPr sz="1200"/>
             </a:lvl7pPr>
-            <a:lvl8pPr indent="-304800" lvl="7" marL="3657600">
+            <a:lvl8pPr marL="3657600" lvl="7" indent="-304800">
               <a:spcBef>
                 <a:spcPts val="0"/>
               </a:spcBef>
@@ -3678,7 +3666,7 @@
               <a:buChar char="○"/>
               <a:defRPr sz="1200"/>
             </a:lvl8pPr>
-            <a:lvl9pPr indent="-304800" lvl="8" marL="4114800">
+            <a:lvl9pPr marL="4114800" lvl="8" indent="-304800">
               <a:spcBef>
                 <a:spcPts val="0"/>
               </a:spcBef>
@@ -3698,7 +3686,7 @@
           <p:cNvPr id="24" name="Google Shape;24;p5"/>
           <p:cNvSpPr txBox="1"/>
           <p:nvPr>
-            <p:ph idx="12" type="sldNum"/>
+            <p:ph type="sldNum" idx="12"/>
           </p:nvPr>
         </p:nvSpPr>
         <p:spPr>
@@ -3711,7 +3699,7 @@
           </a:prstGeom>
         </p:spPr>
         <p:txBody>
-          <a:bodyPr anchorCtr="0" anchor="ctr" bIns="91425" lIns="91425" spcFirstLastPara="1" rIns="91425" wrap="square" tIns="91425">
+          <a:bodyPr spcFirstLastPara="1" wrap="square" lIns="91425" tIns="91425" rIns="91425" bIns="91425" anchor="ctr" anchorCtr="0">
             <a:normAutofit/>
           </a:bodyPr>
           <a:lstStyle>
@@ -3753,7 +3741,7 @@
             </a:lvl9pPr>
           </a:lstStyle>
           <a:p>
-            <a:pPr indent="0" lvl="0" marL="0" rtl="0" algn="r">
+            <a:pPr marL="0" lvl="0" indent="0" algn="r" rtl="0">
               <a:spcBef>
                 <a:spcPts val="0"/>
               </a:spcBef>
@@ -3763,10 +3751,9 @@
               <a:buNone/>
             </a:pPr>
             <a:fld id="{00000000-1234-1234-1234-123412341234}" type="slidenum">
-              <a:rPr lang="en"/>
-              <a:t>‹#›</a:t>
+              <a:rPr lang="en-GB"/>
             </a:fld>
-            <a:endParaRPr/>
+            <a:endParaRPr lang="en-GB"/>
           </a:p>
         </p:txBody>
       </p:sp>
@@ -3779,7 +3766,7 @@
 </file>
 
 <file path=ppt/slideLayouts/slideLayout5.xml><?xml version="1.0" encoding="utf-8"?>
-<p:sldLayout xmlns:a="http://schemas.openxmlformats.org/drawingml/2006/main" xmlns:r="http://schemas.openxmlformats.org/officeDocument/2006/relationships" xmlns:mc="http://schemas.openxmlformats.org/markup-compatibility/2006" xmlns:mv="urn:schemas-microsoft-com:mac:vml" xmlns:p="http://schemas.openxmlformats.org/presentationml/2006/main" xmlns:c="http://schemas.openxmlformats.org/drawingml/2006/chart" xmlns:dgm="http://schemas.openxmlformats.org/drawingml/2006/diagram" xmlns:o="urn:schemas-microsoft-com:office:office" xmlns:v="urn:schemas-microsoft-com:vml" xmlns:pvml="urn:schemas-microsoft-com:office:powerpoint" xmlns:com="http://schemas.openxmlformats.org/drawingml/2006/compatibility" xmlns:p14="http://schemas.microsoft.com/office/powerpoint/2010/main" xmlns:p15="http://schemas.microsoft.com/office/powerpoint/2012/main" xmlns:ahyp="http://schemas.microsoft.com/office/drawing/2018/hyperlinkcolor" matchingName="Title only" type="titleOnly">
+<p:sldLayout xmlns:a="http://schemas.openxmlformats.org/drawingml/2006/main" xmlns:r="http://schemas.openxmlformats.org/officeDocument/2006/relationships" xmlns:p="http://schemas.openxmlformats.org/presentationml/2006/main" type="titleOnly" matchingName="Title only">
   <p:cSld name="TITLE_ONLY">
     <p:spTree>
       <p:nvGrpSpPr>
@@ -3813,7 +3800,7 @@
           </a:prstGeom>
         </p:spPr>
         <p:txBody>
-          <a:bodyPr anchorCtr="0" anchor="t" bIns="91425" lIns="91425" spcFirstLastPara="1" rIns="91425" wrap="square" tIns="91425">
+          <a:bodyPr spcFirstLastPara="1" wrap="square" lIns="91425" tIns="91425" rIns="91425" bIns="91425" anchor="t" anchorCtr="0">
             <a:normAutofit/>
           </a:bodyPr>
           <a:lstStyle>
@@ -3925,7 +3912,7 @@
           <p:cNvPr id="27" name="Google Shape;27;p6"/>
           <p:cNvSpPr txBox="1"/>
           <p:nvPr>
-            <p:ph idx="12" type="sldNum"/>
+            <p:ph type="sldNum" idx="12"/>
           </p:nvPr>
         </p:nvSpPr>
         <p:spPr>
@@ -3938,7 +3925,7 @@
           </a:prstGeom>
         </p:spPr>
         <p:txBody>
-          <a:bodyPr anchorCtr="0" anchor="ctr" bIns="91425" lIns="91425" spcFirstLastPara="1" rIns="91425" wrap="square" tIns="91425">
+          <a:bodyPr spcFirstLastPara="1" wrap="square" lIns="91425" tIns="91425" rIns="91425" bIns="91425" anchor="ctr" anchorCtr="0">
             <a:normAutofit/>
           </a:bodyPr>
           <a:lstStyle>
@@ -3980,7 +3967,7 @@
             </a:lvl9pPr>
           </a:lstStyle>
           <a:p>
-            <a:pPr indent="0" lvl="0" marL="0" rtl="0" algn="r">
+            <a:pPr marL="0" lvl="0" indent="0" algn="r" rtl="0">
               <a:spcBef>
                 <a:spcPts val="0"/>
               </a:spcBef>
@@ -3990,10 +3977,9 @@
               <a:buNone/>
             </a:pPr>
             <a:fld id="{00000000-1234-1234-1234-123412341234}" type="slidenum">
-              <a:rPr lang="en"/>
-              <a:t>‹#›</a:t>
+              <a:rPr lang="en-GB"/>
             </a:fld>
-            <a:endParaRPr/>
+            <a:endParaRPr lang="en-GB"/>
           </a:p>
         </p:txBody>
       </p:sp>
@@ -4006,7 +3992,7 @@
 </file>
 
 <file path=ppt/slideLayouts/slideLayout6.xml><?xml version="1.0" encoding="utf-8"?>
-<p:sldLayout xmlns:a="http://schemas.openxmlformats.org/drawingml/2006/main" xmlns:r="http://schemas.openxmlformats.org/officeDocument/2006/relationships" xmlns:mc="http://schemas.openxmlformats.org/markup-compatibility/2006" xmlns:mv="urn:schemas-microsoft-com:mac:vml" xmlns:p="http://schemas.openxmlformats.org/presentationml/2006/main" xmlns:c="http://schemas.openxmlformats.org/drawingml/2006/chart" xmlns:dgm="http://schemas.openxmlformats.org/drawingml/2006/diagram" xmlns:o="urn:schemas-microsoft-com:office:office" xmlns:v="urn:schemas-microsoft-com:vml" xmlns:pvml="urn:schemas-microsoft-com:office:powerpoint" xmlns:com="http://schemas.openxmlformats.org/drawingml/2006/compatibility" xmlns:p14="http://schemas.microsoft.com/office/powerpoint/2010/main" xmlns:p15="http://schemas.microsoft.com/office/powerpoint/2012/main" xmlns:ahyp="http://schemas.microsoft.com/office/drawing/2018/hyperlinkcolor" matchingName="One column text">
+<p:sldLayout xmlns:a="http://schemas.openxmlformats.org/drawingml/2006/main" xmlns:r="http://schemas.openxmlformats.org/officeDocument/2006/relationships" xmlns:p="http://schemas.openxmlformats.org/presentationml/2006/main" matchingName="One column text">
   <p:cSld name="ONE_COLUMN_TEXT">
     <p:spTree>
       <p:nvGrpSpPr>
@@ -4040,7 +4026,7 @@
           </a:prstGeom>
         </p:spPr>
         <p:txBody>
-          <a:bodyPr anchorCtr="0" anchor="b" bIns="91425" lIns="91425" spcFirstLastPara="1" rIns="91425" wrap="square" tIns="91425">
+          <a:bodyPr spcFirstLastPara="1" wrap="square" lIns="91425" tIns="91425" rIns="91425" bIns="91425" anchor="b" anchorCtr="0">
             <a:normAutofit/>
           </a:bodyPr>
           <a:lstStyle>
@@ -4152,7 +4138,7 @@
           <p:cNvPr id="30" name="Google Shape;30;p7"/>
           <p:cNvSpPr txBox="1"/>
           <p:nvPr>
-            <p:ph idx="1" type="body"/>
+            <p:ph type="body" idx="1"/>
           </p:nvPr>
         </p:nvSpPr>
         <p:spPr>
@@ -4165,11 +4151,11 @@
           </a:prstGeom>
         </p:spPr>
         <p:txBody>
-          <a:bodyPr anchorCtr="0" anchor="t" bIns="91425" lIns="91425" spcFirstLastPara="1" rIns="91425" wrap="square" tIns="91425">
+          <a:bodyPr spcFirstLastPara="1" wrap="square" lIns="91425" tIns="91425" rIns="91425" bIns="91425" anchor="t" anchorCtr="0">
             <a:normAutofit/>
           </a:bodyPr>
           <a:lstStyle>
-            <a:lvl1pPr indent="-304800" lvl="0" marL="457200">
+            <a:lvl1pPr marL="457200" lvl="0" indent="-304800">
               <a:spcBef>
                 <a:spcPts val="0"/>
               </a:spcBef>
@@ -4180,7 +4166,7 @@
               <a:buChar char="●"/>
               <a:defRPr sz="1200"/>
             </a:lvl1pPr>
-            <a:lvl2pPr indent="-304800" lvl="1" marL="914400">
+            <a:lvl2pPr marL="914400" lvl="1" indent="-304800">
               <a:spcBef>
                 <a:spcPts val="0"/>
               </a:spcBef>
@@ -4191,7 +4177,7 @@
               <a:buChar char="○"/>
               <a:defRPr sz="1200"/>
             </a:lvl2pPr>
-            <a:lvl3pPr indent="-304800" lvl="2" marL="1371600">
+            <a:lvl3pPr marL="1371600" lvl="2" indent="-304800">
               <a:spcBef>
                 <a:spcPts val="0"/>
               </a:spcBef>
@@ -4202,7 +4188,7 @@
               <a:buChar char="■"/>
               <a:defRPr sz="1200"/>
             </a:lvl3pPr>
-            <a:lvl4pPr indent="-304800" lvl="3" marL="1828800">
+            <a:lvl4pPr marL="1828800" lvl="3" indent="-304800">
               <a:spcBef>
                 <a:spcPts val="0"/>
               </a:spcBef>
@@ -4213,7 +4199,7 @@
               <a:buChar char="●"/>
               <a:defRPr sz="1200"/>
             </a:lvl4pPr>
-            <a:lvl5pPr indent="-304800" lvl="4" marL="2286000">
+            <a:lvl5pPr marL="2286000" lvl="4" indent="-304800">
               <a:spcBef>
                 <a:spcPts val="0"/>
               </a:spcBef>
@@ -4224,7 +4210,7 @@
               <a:buChar char="○"/>
               <a:defRPr sz="1200"/>
             </a:lvl5pPr>
-            <a:lvl6pPr indent="-304800" lvl="5" marL="2743200">
+            <a:lvl6pPr marL="2743200" lvl="5" indent="-304800">
               <a:spcBef>
                 <a:spcPts val="0"/>
               </a:spcBef>
@@ -4235,7 +4221,7 @@
               <a:buChar char="■"/>
               <a:defRPr sz="1200"/>
             </a:lvl6pPr>
-            <a:lvl7pPr indent="-304800" lvl="6" marL="3200400">
+            <a:lvl7pPr marL="3200400" lvl="6" indent="-304800">
               <a:spcBef>
                 <a:spcPts val="0"/>
               </a:spcBef>
@@ -4246,7 +4232,7 @@
               <a:buChar char="●"/>
               <a:defRPr sz="1200"/>
             </a:lvl7pPr>
-            <a:lvl8pPr indent="-304800" lvl="7" marL="3657600">
+            <a:lvl8pPr marL="3657600" lvl="7" indent="-304800">
               <a:spcBef>
                 <a:spcPts val="0"/>
               </a:spcBef>
@@ -4257,7 +4243,7 @@
               <a:buChar char="○"/>
               <a:defRPr sz="1200"/>
             </a:lvl8pPr>
-            <a:lvl9pPr indent="-304800" lvl="8" marL="4114800">
+            <a:lvl9pPr marL="4114800" lvl="8" indent="-304800">
               <a:spcBef>
                 <a:spcPts val="0"/>
               </a:spcBef>
@@ -4277,7 +4263,7 @@
           <p:cNvPr id="31" name="Google Shape;31;p7"/>
           <p:cNvSpPr txBox="1"/>
           <p:nvPr>
-            <p:ph idx="12" type="sldNum"/>
+            <p:ph type="sldNum" idx="12"/>
           </p:nvPr>
         </p:nvSpPr>
         <p:spPr>
@@ -4290,7 +4276,7 @@
           </a:prstGeom>
         </p:spPr>
         <p:txBody>
-          <a:bodyPr anchorCtr="0" anchor="ctr" bIns="91425" lIns="91425" spcFirstLastPara="1" rIns="91425" wrap="square" tIns="91425">
+          <a:bodyPr spcFirstLastPara="1" wrap="square" lIns="91425" tIns="91425" rIns="91425" bIns="91425" anchor="ctr" anchorCtr="0">
             <a:normAutofit/>
           </a:bodyPr>
           <a:lstStyle>
@@ -4332,7 +4318,7 @@
             </a:lvl9pPr>
           </a:lstStyle>
           <a:p>
-            <a:pPr indent="0" lvl="0" marL="0" rtl="0" algn="r">
+            <a:pPr marL="0" lvl="0" indent="0" algn="r" rtl="0">
               <a:spcBef>
                 <a:spcPts val="0"/>
               </a:spcBef>
@@ -4342,10 +4328,9 @@
               <a:buNone/>
             </a:pPr>
             <a:fld id="{00000000-1234-1234-1234-123412341234}" type="slidenum">
-              <a:rPr lang="en"/>
-              <a:t>‹#›</a:t>
+              <a:rPr lang="en-GB"/>
             </a:fld>
-            <a:endParaRPr/>
+            <a:endParaRPr lang="en-GB"/>
           </a:p>
         </p:txBody>
       </p:sp>
@@ -4358,7 +4343,7 @@
 </file>
 
 <file path=ppt/slideLayouts/slideLayout7.xml><?xml version="1.0" encoding="utf-8"?>
-<p:sldLayout xmlns:a="http://schemas.openxmlformats.org/drawingml/2006/main" xmlns:r="http://schemas.openxmlformats.org/officeDocument/2006/relationships" xmlns:mc="http://schemas.openxmlformats.org/markup-compatibility/2006" xmlns:mv="urn:schemas-microsoft-com:mac:vml" xmlns:p="http://schemas.openxmlformats.org/presentationml/2006/main" xmlns:c="http://schemas.openxmlformats.org/drawingml/2006/chart" xmlns:dgm="http://schemas.openxmlformats.org/drawingml/2006/diagram" xmlns:o="urn:schemas-microsoft-com:office:office" xmlns:v="urn:schemas-microsoft-com:vml" xmlns:pvml="urn:schemas-microsoft-com:office:powerpoint" xmlns:com="http://schemas.openxmlformats.org/drawingml/2006/compatibility" xmlns:p14="http://schemas.microsoft.com/office/powerpoint/2010/main" xmlns:p15="http://schemas.microsoft.com/office/powerpoint/2012/main" xmlns:ahyp="http://schemas.microsoft.com/office/drawing/2018/hyperlinkcolor" matchingName="Main point">
+<p:sldLayout xmlns:a="http://schemas.openxmlformats.org/drawingml/2006/main" xmlns:r="http://schemas.openxmlformats.org/officeDocument/2006/relationships" xmlns:p="http://schemas.openxmlformats.org/presentationml/2006/main" matchingName="Main point">
   <p:cSld name="MAIN_POINT">
     <p:spTree>
       <p:nvGrpSpPr>
@@ -4392,7 +4377,7 @@
           </a:prstGeom>
         </p:spPr>
         <p:txBody>
-          <a:bodyPr anchorCtr="0" anchor="ctr" bIns="91425" lIns="91425" spcFirstLastPara="1" rIns="91425" wrap="square" tIns="91425">
+          <a:bodyPr spcFirstLastPara="1" wrap="square" lIns="91425" tIns="91425" rIns="91425" bIns="91425" anchor="ctr" anchorCtr="0">
             <a:normAutofit/>
           </a:bodyPr>
           <a:lstStyle>
@@ -4504,7 +4489,7 @@
           <p:cNvPr id="34" name="Google Shape;34;p8"/>
           <p:cNvSpPr txBox="1"/>
           <p:nvPr>
-            <p:ph idx="12" type="sldNum"/>
+            <p:ph type="sldNum" idx="12"/>
           </p:nvPr>
         </p:nvSpPr>
         <p:spPr>
@@ -4517,7 +4502,7 @@
           </a:prstGeom>
         </p:spPr>
         <p:txBody>
-          <a:bodyPr anchorCtr="0" anchor="ctr" bIns="91425" lIns="91425" spcFirstLastPara="1" rIns="91425" wrap="square" tIns="91425">
+          <a:bodyPr spcFirstLastPara="1" wrap="square" lIns="91425" tIns="91425" rIns="91425" bIns="91425" anchor="ctr" anchorCtr="0">
             <a:normAutofit/>
           </a:bodyPr>
           <a:lstStyle>
@@ -4559,7 +4544,7 @@
             </a:lvl9pPr>
           </a:lstStyle>
           <a:p>
-            <a:pPr indent="0" lvl="0" marL="0" rtl="0" algn="r">
+            <a:pPr marL="0" lvl="0" indent="0" algn="r" rtl="0">
               <a:spcBef>
                 <a:spcPts val="0"/>
               </a:spcBef>
@@ -4569,10 +4554,9 @@
               <a:buNone/>
             </a:pPr>
             <a:fld id="{00000000-1234-1234-1234-123412341234}" type="slidenum">
-              <a:rPr lang="en"/>
-              <a:t>‹#›</a:t>
+              <a:rPr lang="en-GB"/>
             </a:fld>
-            <a:endParaRPr/>
+            <a:endParaRPr lang="en-GB"/>
           </a:p>
         </p:txBody>
       </p:sp>
@@ -4585,7 +4569,7 @@
 </file>
 
 <file path=ppt/slideLayouts/slideLayout8.xml><?xml version="1.0" encoding="utf-8"?>
-<p:sldLayout xmlns:a="http://schemas.openxmlformats.org/drawingml/2006/main" xmlns:r="http://schemas.openxmlformats.org/officeDocument/2006/relationships" xmlns:mc="http://schemas.openxmlformats.org/markup-compatibility/2006" xmlns:mv="urn:schemas-microsoft-com:mac:vml" xmlns:p="http://schemas.openxmlformats.org/presentationml/2006/main" xmlns:c="http://schemas.openxmlformats.org/drawingml/2006/chart" xmlns:dgm="http://schemas.openxmlformats.org/drawingml/2006/diagram" xmlns:o="urn:schemas-microsoft-com:office:office" xmlns:v="urn:schemas-microsoft-com:vml" xmlns:pvml="urn:schemas-microsoft-com:office:powerpoint" xmlns:com="http://schemas.openxmlformats.org/drawingml/2006/compatibility" xmlns:p14="http://schemas.microsoft.com/office/powerpoint/2010/main" xmlns:p15="http://schemas.microsoft.com/office/powerpoint/2012/main" xmlns:ahyp="http://schemas.microsoft.com/office/drawing/2018/hyperlinkcolor" matchingName="Section title and description">
+<p:sldLayout xmlns:a="http://schemas.openxmlformats.org/drawingml/2006/main" xmlns:r="http://schemas.openxmlformats.org/officeDocument/2006/relationships" xmlns:p="http://schemas.openxmlformats.org/presentationml/2006/main" matchingName="Section title and description">
   <p:cSld name="SECTION_TITLE_AND_DESCRIPTION">
     <p:spTree>
       <p:nvGrpSpPr>
@@ -4623,12 +4607,12 @@
           </a:ln>
         </p:spPr>
         <p:txBody>
-          <a:bodyPr anchorCtr="0" anchor="ctr" bIns="91425" lIns="91425" spcFirstLastPara="1" rIns="91425" wrap="square" tIns="91425">
+          <a:bodyPr spcFirstLastPara="1" wrap="square" lIns="91425" tIns="91425" rIns="91425" bIns="91425" anchor="ctr" anchorCtr="0">
             <a:noAutofit/>
           </a:bodyPr>
           <a:lstStyle/>
           <a:p>
-            <a:pPr indent="0" lvl="0" marL="0" rtl="0" algn="l">
+            <a:pPr marL="0" lvl="0" indent="0" algn="l" rtl="0">
               <a:spcBef>
                 <a:spcPts val="0"/>
               </a:spcBef>
@@ -4637,10 +4621,6 @@
               </a:spcAft>
               <a:buNone/>
             </a:pPr>
-            <a:r>
-              <a:t/>
-            </a:r>
-            <a:endParaRPr/>
           </a:p>
         </p:txBody>
       </p:sp>
@@ -4662,7 +4642,7 @@
           </a:prstGeom>
         </p:spPr>
         <p:txBody>
-          <a:bodyPr anchorCtr="0" anchor="b" bIns="91425" lIns="91425" spcFirstLastPara="1" rIns="91425" wrap="square" tIns="91425">
+          <a:bodyPr spcFirstLastPara="1" wrap="square" lIns="91425" tIns="91425" rIns="91425" bIns="91425" anchor="b" anchorCtr="0">
             <a:normAutofit/>
           </a:bodyPr>
           <a:lstStyle>
@@ -4774,7 +4754,7 @@
           <p:cNvPr id="38" name="Google Shape;38;p9"/>
           <p:cNvSpPr txBox="1"/>
           <p:nvPr>
-            <p:ph idx="1" type="subTitle"/>
+            <p:ph type="subTitle" idx="1"/>
           </p:nvPr>
         </p:nvSpPr>
         <p:spPr>
@@ -4787,7 +4767,7 @@
           </a:prstGeom>
         </p:spPr>
         <p:txBody>
-          <a:bodyPr anchorCtr="0" anchor="t" bIns="91425" lIns="91425" spcFirstLastPara="1" rIns="91425" wrap="square" tIns="91425">
+          <a:bodyPr spcFirstLastPara="1" wrap="square" lIns="91425" tIns="91425" rIns="91425" bIns="91425" anchor="t" anchorCtr="0">
             <a:normAutofit/>
           </a:bodyPr>
           <a:lstStyle>
@@ -4926,7 +4906,7 @@
           <p:cNvPr id="39" name="Google Shape;39;p9"/>
           <p:cNvSpPr txBox="1"/>
           <p:nvPr>
-            <p:ph idx="2" type="body"/>
+            <p:ph type="body" idx="2"/>
           </p:nvPr>
         </p:nvSpPr>
         <p:spPr>
@@ -4939,11 +4919,11 @@
           </a:prstGeom>
         </p:spPr>
         <p:txBody>
-          <a:bodyPr anchorCtr="0" anchor="ctr" bIns="91425" lIns="91425" spcFirstLastPara="1" rIns="91425" wrap="square" tIns="91425">
+          <a:bodyPr spcFirstLastPara="1" wrap="square" lIns="91425" tIns="91425" rIns="91425" bIns="91425" anchor="ctr" anchorCtr="0">
             <a:normAutofit/>
           </a:bodyPr>
           <a:lstStyle>
-            <a:lvl1pPr indent="-342900" lvl="0" marL="457200">
+            <a:lvl1pPr marL="457200" lvl="0" indent="-342900">
               <a:spcBef>
                 <a:spcPts val="0"/>
               </a:spcBef>
@@ -4961,7 +4941,7 @@
                 </a:solidFill>
               </a:defRPr>
             </a:lvl1pPr>
-            <a:lvl2pPr indent="-317500" lvl="1" marL="914400">
+            <a:lvl2pPr marL="914400" lvl="1" indent="-317500">
               <a:spcBef>
                 <a:spcPts val="0"/>
               </a:spcBef>
@@ -4979,7 +4959,7 @@
                 </a:solidFill>
               </a:defRPr>
             </a:lvl2pPr>
-            <a:lvl3pPr indent="-317500" lvl="2" marL="1371600">
+            <a:lvl3pPr marL="1371600" lvl="2" indent="-317500">
               <a:spcBef>
                 <a:spcPts val="0"/>
               </a:spcBef>
@@ -4997,7 +4977,7 @@
                 </a:solidFill>
               </a:defRPr>
             </a:lvl3pPr>
-            <a:lvl4pPr indent="-317500" lvl="3" marL="1828800">
+            <a:lvl4pPr marL="1828800" lvl="3" indent="-317500">
               <a:spcBef>
                 <a:spcPts val="0"/>
               </a:spcBef>
@@ -5015,7 +4995,7 @@
                 </a:solidFill>
               </a:defRPr>
             </a:lvl4pPr>
-            <a:lvl5pPr indent="-317500" lvl="4" marL="2286000">
+            <a:lvl5pPr marL="2286000" lvl="4" indent="-317500">
               <a:spcBef>
                 <a:spcPts val="0"/>
               </a:spcBef>
@@ -5033,7 +5013,7 @@
                 </a:solidFill>
               </a:defRPr>
             </a:lvl5pPr>
-            <a:lvl6pPr indent="-317500" lvl="5" marL="2743200">
+            <a:lvl6pPr marL="2743200" lvl="5" indent="-317500">
               <a:spcBef>
                 <a:spcPts val="0"/>
               </a:spcBef>
@@ -5051,7 +5031,7 @@
                 </a:solidFill>
               </a:defRPr>
             </a:lvl6pPr>
-            <a:lvl7pPr indent="-317500" lvl="6" marL="3200400">
+            <a:lvl7pPr marL="3200400" lvl="6" indent="-317500">
               <a:spcBef>
                 <a:spcPts val="0"/>
               </a:spcBef>
@@ -5069,7 +5049,7 @@
                 </a:solidFill>
               </a:defRPr>
             </a:lvl7pPr>
-            <a:lvl8pPr indent="-317500" lvl="7" marL="3657600">
+            <a:lvl8pPr marL="3657600" lvl="7" indent="-317500">
               <a:spcBef>
                 <a:spcPts val="0"/>
               </a:spcBef>
@@ -5087,7 +5067,7 @@
                 </a:solidFill>
               </a:defRPr>
             </a:lvl8pPr>
-            <a:lvl9pPr indent="-317500" lvl="8" marL="4114800">
+            <a:lvl9pPr marL="4114800" lvl="8" indent="-317500">
               <a:spcBef>
                 <a:spcPts val="0"/>
               </a:spcBef>
@@ -5114,7 +5094,7 @@
           <p:cNvPr id="40" name="Google Shape;40;p9"/>
           <p:cNvSpPr txBox="1"/>
           <p:nvPr>
-            <p:ph idx="12" type="sldNum"/>
+            <p:ph type="sldNum" idx="12"/>
           </p:nvPr>
         </p:nvSpPr>
         <p:spPr>
@@ -5127,7 +5107,7 @@
           </a:prstGeom>
         </p:spPr>
         <p:txBody>
-          <a:bodyPr anchorCtr="0" anchor="ctr" bIns="91425" lIns="91425" spcFirstLastPara="1" rIns="91425" wrap="square" tIns="91425">
+          <a:bodyPr spcFirstLastPara="1" wrap="square" lIns="91425" tIns="91425" rIns="91425" bIns="91425" anchor="ctr" anchorCtr="0">
             <a:normAutofit/>
           </a:bodyPr>
           <a:lstStyle>
@@ -5169,7 +5149,7 @@
             </a:lvl9pPr>
           </a:lstStyle>
           <a:p>
-            <a:pPr indent="0" lvl="0" marL="0" rtl="0" algn="r">
+            <a:pPr marL="0" lvl="0" indent="0" algn="r" rtl="0">
               <a:spcBef>
                 <a:spcPts val="0"/>
               </a:spcBef>
@@ -5179,10 +5159,9 @@
               <a:buNone/>
             </a:pPr>
             <a:fld id="{00000000-1234-1234-1234-123412341234}" type="slidenum">
-              <a:rPr lang="en"/>
-              <a:t>‹#›</a:t>
+              <a:rPr lang="en-GB"/>
             </a:fld>
-            <a:endParaRPr/>
+            <a:endParaRPr lang="en-GB"/>
           </a:p>
         </p:txBody>
       </p:sp>
@@ -5195,7 +5174,7 @@
 </file>
 
 <file path=ppt/slideLayouts/slideLayout9.xml><?xml version="1.0" encoding="utf-8"?>
-<p:sldLayout xmlns:a="http://schemas.openxmlformats.org/drawingml/2006/main" xmlns:r="http://schemas.openxmlformats.org/officeDocument/2006/relationships" xmlns:mc="http://schemas.openxmlformats.org/markup-compatibility/2006" xmlns:mv="urn:schemas-microsoft-com:mac:vml" xmlns:p="http://schemas.openxmlformats.org/presentationml/2006/main" xmlns:c="http://schemas.openxmlformats.org/drawingml/2006/chart" xmlns:dgm="http://schemas.openxmlformats.org/drawingml/2006/diagram" xmlns:o="urn:schemas-microsoft-com:office:office" xmlns:v="urn:schemas-microsoft-com:vml" xmlns:pvml="urn:schemas-microsoft-com:office:powerpoint" xmlns:com="http://schemas.openxmlformats.org/drawingml/2006/compatibility" xmlns:p14="http://schemas.microsoft.com/office/powerpoint/2010/main" xmlns:p15="http://schemas.microsoft.com/office/powerpoint/2012/main" xmlns:ahyp="http://schemas.microsoft.com/office/drawing/2018/hyperlinkcolor" matchingName="Caption">
+<p:sldLayout xmlns:a="http://schemas.openxmlformats.org/drawingml/2006/main" xmlns:r="http://schemas.openxmlformats.org/officeDocument/2006/relationships" xmlns:p="http://schemas.openxmlformats.org/presentationml/2006/main" matchingName="Caption">
   <p:cSld name="CAPTION_ONLY">
     <p:spTree>
       <p:nvGrpSpPr>
@@ -5216,7 +5195,7 @@
           <p:cNvPr id="42" name="Google Shape;42;p10"/>
           <p:cNvSpPr txBox="1"/>
           <p:nvPr>
-            <p:ph idx="1" type="body"/>
+            <p:ph type="body" idx="1"/>
           </p:nvPr>
         </p:nvSpPr>
         <p:spPr>
@@ -5229,11 +5208,11 @@
           </a:prstGeom>
         </p:spPr>
         <p:txBody>
-          <a:bodyPr anchorCtr="0" anchor="ctr" bIns="91425" lIns="91425" spcFirstLastPara="1" rIns="91425" wrap="square" tIns="91425">
+          <a:bodyPr spcFirstLastPara="1" wrap="square" lIns="91425" tIns="91425" rIns="91425" bIns="91425" anchor="ctr" anchorCtr="0">
             <a:normAutofit/>
           </a:bodyPr>
           <a:lstStyle>
-            <a:lvl1pPr indent="-228600" lvl="0" marL="457200">
+            <a:lvl1pPr marL="457200" lvl="0" indent="-228600">
               <a:lnSpc>
                 <a:spcPct val="100000"/>
               </a:lnSpc>
@@ -5256,7 +5235,7 @@
           <p:cNvPr id="43" name="Google Shape;43;p10"/>
           <p:cNvSpPr txBox="1"/>
           <p:nvPr>
-            <p:ph idx="12" type="sldNum"/>
+            <p:ph type="sldNum" idx="12"/>
           </p:nvPr>
         </p:nvSpPr>
         <p:spPr>
@@ -5269,7 +5248,7 @@
           </a:prstGeom>
         </p:spPr>
         <p:txBody>
-          <a:bodyPr anchorCtr="0" anchor="ctr" bIns="91425" lIns="91425" spcFirstLastPara="1" rIns="91425" wrap="square" tIns="91425">
+          <a:bodyPr spcFirstLastPara="1" wrap="square" lIns="91425" tIns="91425" rIns="91425" bIns="91425" anchor="ctr" anchorCtr="0">
             <a:normAutofit/>
           </a:bodyPr>
           <a:lstStyle>
@@ -5311,7 +5290,7 @@
             </a:lvl9pPr>
           </a:lstStyle>
           <a:p>
-            <a:pPr indent="0" lvl="0" marL="0" rtl="0" algn="r">
+            <a:pPr marL="0" lvl="0" indent="0" algn="r" rtl="0">
               <a:spcBef>
                 <a:spcPts val="0"/>
               </a:spcBef>
@@ -5321,10 +5300,9 @@
               <a:buNone/>
             </a:pPr>
             <a:fld id="{00000000-1234-1234-1234-123412341234}" type="slidenum">
-              <a:rPr lang="en"/>
-              <a:t>‹#›</a:t>
+              <a:rPr lang="en-GB"/>
             </a:fld>
-            <a:endParaRPr/>
+            <a:endParaRPr lang="en-GB"/>
           </a:p>
         </p:txBody>
       </p:sp>
@@ -5337,13 +5315,14 @@
 </file>
 
 <file path=ppt/slideMasters/slideMaster1.xml><?xml version="1.0" encoding="utf-8"?>
-<p:sldMaster xmlns:a="http://schemas.openxmlformats.org/drawingml/2006/main" xmlns:r="http://schemas.openxmlformats.org/officeDocument/2006/relationships" xmlns:mc="http://schemas.openxmlformats.org/markup-compatibility/2006" xmlns:mv="urn:schemas-microsoft-com:mac:vml" xmlns:p="http://schemas.openxmlformats.org/presentationml/2006/main" xmlns:c="http://schemas.openxmlformats.org/drawingml/2006/chart" xmlns:dgm="http://schemas.openxmlformats.org/drawingml/2006/diagram" xmlns:o="urn:schemas-microsoft-com:office:office" xmlns:v="urn:schemas-microsoft-com:vml" xmlns:pvml="urn:schemas-microsoft-com:office:powerpoint" xmlns:com="http://schemas.openxmlformats.org/drawingml/2006/compatibility" xmlns:p14="http://schemas.microsoft.com/office/powerpoint/2010/main" xmlns:p15="http://schemas.microsoft.com/office/powerpoint/2012/main" xmlns:ahyp="http://schemas.microsoft.com/office/drawing/2018/hyperlinkcolor">
-  <p:cSld name="simple-dark-2">
+<p:sldMaster xmlns:a="http://schemas.openxmlformats.org/drawingml/2006/main" xmlns:r="http://schemas.openxmlformats.org/officeDocument/2006/relationships" xmlns:p="http://schemas.openxmlformats.org/presentationml/2006/main">
+  <p:cSld>
     <p:bg>
       <p:bgPr>
         <a:solidFill>
           <a:schemeClr val="lt1"/>
         </a:solidFill>
+        <a:effectLst/>
       </p:bgPr>
     </p:bg>
     <p:spTree>
@@ -5382,7 +5361,7 @@
           </a:ln>
         </p:spPr>
         <p:txBody>
-          <a:bodyPr anchorCtr="0" anchor="t" bIns="91425" lIns="91425" spcFirstLastPara="1" rIns="91425" wrap="square" tIns="91425">
+          <a:bodyPr spcFirstLastPara="1" wrap="square" lIns="91425" tIns="91425" rIns="91425" bIns="91425" anchor="t" anchorCtr="0">
             <a:normAutofit/>
           </a:bodyPr>
           <a:lstStyle>
@@ -5557,7 +5536,7 @@
           <p:cNvPr id="7" name="Google Shape;7;p1"/>
           <p:cNvSpPr txBox="1"/>
           <p:nvPr>
-            <p:ph idx="1" type="body"/>
+            <p:ph type="body" idx="1"/>
           </p:nvPr>
         </p:nvSpPr>
         <p:spPr>
@@ -5574,11 +5553,11 @@
           </a:ln>
         </p:spPr>
         <p:txBody>
-          <a:bodyPr anchorCtr="0" anchor="t" bIns="91425" lIns="91425" spcFirstLastPara="1" rIns="91425" wrap="square" tIns="91425">
+          <a:bodyPr spcFirstLastPara="1" wrap="square" lIns="91425" tIns="91425" rIns="91425" bIns="91425" anchor="t" anchorCtr="0">
             <a:normAutofit/>
           </a:bodyPr>
           <a:lstStyle>
-            <a:lvl1pPr indent="-342900" lvl="0" marL="457200">
+            <a:lvl1pPr marL="457200" lvl="0" indent="-342900">
               <a:lnSpc>
                 <a:spcPct val="115000"/>
               </a:lnSpc>
@@ -5599,7 +5578,7 @@
                 </a:solidFill>
               </a:defRPr>
             </a:lvl1pPr>
-            <a:lvl2pPr indent="-317500" lvl="1" marL="914400">
+            <a:lvl2pPr marL="914400" lvl="1" indent="-317500">
               <a:lnSpc>
                 <a:spcPct val="115000"/>
               </a:lnSpc>
@@ -5620,7 +5599,7 @@
                 </a:solidFill>
               </a:defRPr>
             </a:lvl2pPr>
-            <a:lvl3pPr indent="-317500" lvl="2" marL="1371600">
+            <a:lvl3pPr marL="1371600" lvl="2" indent="-317500">
               <a:lnSpc>
                 <a:spcPct val="115000"/>
               </a:lnSpc>
@@ -5641,7 +5620,7 @@
                 </a:solidFill>
               </a:defRPr>
             </a:lvl3pPr>
-            <a:lvl4pPr indent="-317500" lvl="3" marL="1828800">
+            <a:lvl4pPr marL="1828800" lvl="3" indent="-317500">
               <a:lnSpc>
                 <a:spcPct val="115000"/>
               </a:lnSpc>
@@ -5662,7 +5641,7 @@
                 </a:solidFill>
               </a:defRPr>
             </a:lvl4pPr>
-            <a:lvl5pPr indent="-317500" lvl="4" marL="2286000">
+            <a:lvl5pPr marL="2286000" lvl="4" indent="-317500">
               <a:lnSpc>
                 <a:spcPct val="115000"/>
               </a:lnSpc>
@@ -5683,7 +5662,7 @@
                 </a:solidFill>
               </a:defRPr>
             </a:lvl5pPr>
-            <a:lvl6pPr indent="-317500" lvl="5" marL="2743200">
+            <a:lvl6pPr marL="2743200" lvl="5" indent="-317500">
               <a:lnSpc>
                 <a:spcPct val="115000"/>
               </a:lnSpc>
@@ -5704,7 +5683,7 @@
                 </a:solidFill>
               </a:defRPr>
             </a:lvl6pPr>
-            <a:lvl7pPr indent="-317500" lvl="6" marL="3200400">
+            <a:lvl7pPr marL="3200400" lvl="6" indent="-317500">
               <a:lnSpc>
                 <a:spcPct val="115000"/>
               </a:lnSpc>
@@ -5725,7 +5704,7 @@
                 </a:solidFill>
               </a:defRPr>
             </a:lvl7pPr>
-            <a:lvl8pPr indent="-317500" lvl="7" marL="3657600">
+            <a:lvl8pPr marL="3657600" lvl="7" indent="-317500">
               <a:lnSpc>
                 <a:spcPct val="115000"/>
               </a:lnSpc>
@@ -5746,7 +5725,7 @@
                 </a:solidFill>
               </a:defRPr>
             </a:lvl8pPr>
-            <a:lvl9pPr indent="-317500" lvl="8" marL="4114800">
+            <a:lvl9pPr marL="4114800" lvl="8" indent="-317500">
               <a:lnSpc>
                 <a:spcPct val="115000"/>
               </a:lnSpc>
@@ -5776,7 +5755,7 @@
           <p:cNvPr id="8" name="Google Shape;8;p1"/>
           <p:cNvSpPr txBox="1"/>
           <p:nvPr>
-            <p:ph idx="12" type="sldNum"/>
+            <p:ph type="sldNum" idx="12"/>
           </p:nvPr>
         </p:nvSpPr>
         <p:spPr>
@@ -5793,7 +5772,7 @@
           </a:ln>
         </p:spPr>
         <p:txBody>
-          <a:bodyPr anchorCtr="0" anchor="ctr" bIns="91425" lIns="91425" spcFirstLastPara="1" rIns="91425" wrap="square" tIns="91425">
+          <a:bodyPr spcFirstLastPara="1" wrap="square" lIns="91425" tIns="91425" rIns="91425" bIns="91425" anchor="ctr" anchorCtr="0">
             <a:normAutofit/>
           </a:bodyPr>
           <a:lstStyle>
@@ -5871,7 +5850,7 @@
             </a:lvl9pPr>
           </a:lstStyle>
           <a:p>
-            <a:pPr indent="0" lvl="0" marL="0" rtl="0" algn="r">
+            <a:pPr marL="0" lvl="0" indent="0" algn="r" rtl="0">
               <a:spcBef>
                 <a:spcPts val="0"/>
               </a:spcBef>
@@ -5881,33 +5860,32 @@
               <a:buNone/>
             </a:pPr>
             <a:fld id="{00000000-1234-1234-1234-123412341234}" type="slidenum">
-              <a:rPr lang="en"/>
-              <a:t>‹#›</a:t>
+              <a:rPr lang="en-GB"/>
             </a:fld>
-            <a:endParaRPr/>
+            <a:endParaRPr lang="en-GB"/>
           </a:p>
         </p:txBody>
       </p:sp>
     </p:spTree>
   </p:cSld>
-  <p:clrMap accent1="accent1" accent2="accent2" accent3="accent3" accent4="accent4" accent5="accent5" accent6="accent6" bg1="lt1" bg2="dk2" tx1="dk1" tx2="lt2" folHlink="folHlink" hlink="hlink"/>
+  <p:clrMap bg1="lt1" tx1="dk1" bg2="dk2" tx2="lt2" accent1="accent1" accent2="accent2" accent3="accent3" accent4="accent4" accent5="accent5" accent6="accent6" hlink="hlink" folHlink="folHlink"/>
   <p:sldLayoutIdLst>
-    <p:sldLayoutId id="2147483648" r:id="rId1"/>
-    <p:sldLayoutId id="2147483649" r:id="rId2"/>
-    <p:sldLayoutId id="2147483650" r:id="rId3"/>
-    <p:sldLayoutId id="2147483651" r:id="rId4"/>
-    <p:sldLayoutId id="2147483652" r:id="rId5"/>
-    <p:sldLayoutId id="2147483653" r:id="rId6"/>
-    <p:sldLayoutId id="2147483654" r:id="rId7"/>
-    <p:sldLayoutId id="2147483655" r:id="rId8"/>
-    <p:sldLayoutId id="2147483656" r:id="rId9"/>
-    <p:sldLayoutId id="2147483657" r:id="rId10"/>
-    <p:sldLayoutId id="2147483658" r:id="rId11"/>
+    <p:sldLayoutId id="2147483649" r:id="rId1"/>
+    <p:sldLayoutId id="2147483650" r:id="rId2"/>
+    <p:sldLayoutId id="2147483651" r:id="rId3"/>
+    <p:sldLayoutId id="2147483652" r:id="rId4"/>
+    <p:sldLayoutId id="2147483653" r:id="rId5"/>
+    <p:sldLayoutId id="2147483654" r:id="rId6"/>
+    <p:sldLayoutId id="2147483655" r:id="rId7"/>
+    <p:sldLayoutId id="2147483656" r:id="rId8"/>
+    <p:sldLayoutId id="2147483657" r:id="rId9"/>
+    <p:sldLayoutId id="2147483658" r:id="rId10"/>
+    <p:sldLayoutId id="2147483659" r:id="rId11"/>
   </p:sldLayoutIdLst>
-  <p:hf dt="0" ftr="0" hdr="0" sldNum="0"/>
+  <p:hf sldNum="0" hdr="0" ftr="0" dt="0"/>
   <p:txStyles>
     <p:titleStyle>
-      <a:defPPr lvl="0" marR="0" rtl="0" algn="l">
+      <a:defPPr marR="0" lvl="0" algn="l" rtl="0">
         <a:lnSpc>
           <a:spcPct val="100000"/>
         </a:lnSpc>
@@ -5918,7 +5896,7 @@
           <a:spcPts val="0"/>
         </a:spcAft>
       </a:defPPr>
-      <a:lvl1pPr lvl="0" marR="0" rtl="0" algn="l">
+      <a:lvl1pPr marR="0" lvl="0" algn="l" rtl="0">
         <a:lnSpc>
           <a:spcPct val="100000"/>
         </a:lnSpc>
@@ -5931,18 +5909,18 @@
         <a:buClr>
           <a:srgbClr val="000000"/>
         </a:buClr>
-        <a:buFont typeface="Arial"/>
-        <a:defRPr b="0" i="0" sz="1400" u="none" cap="none" strike="noStrike">
+        <a:buFont typeface="Arial" panose="020B0604020202020204"/>
+        <a:defRPr sz="1400" b="0" i="0" u="none" strike="noStrike" cap="none">
           <a:solidFill>
             <a:srgbClr val="000000"/>
           </a:solidFill>
-          <a:latin typeface="Arial"/>
-          <a:ea typeface="Arial"/>
-          <a:cs typeface="Arial"/>
-          <a:sym typeface="Arial"/>
+          <a:latin typeface="Arial" panose="020B0604020202020204"/>
+          <a:ea typeface="Arial" panose="020B0604020202020204"/>
+          <a:cs typeface="Arial" panose="020B0604020202020204"/>
+          <a:sym typeface="Arial" panose="020B0604020202020204"/>
         </a:defRPr>
       </a:lvl1pPr>
-      <a:lvl2pPr lvl="1" marR="0" rtl="0" algn="l">
+      <a:lvl2pPr marR="0" lvl="1" algn="l" rtl="0">
         <a:lnSpc>
           <a:spcPct val="100000"/>
         </a:lnSpc>
@@ -5955,18 +5933,18 @@
         <a:buClr>
           <a:srgbClr val="000000"/>
         </a:buClr>
-        <a:buFont typeface="Arial"/>
-        <a:defRPr b="0" i="0" sz="1400" u="none" cap="none" strike="noStrike">
+        <a:buFont typeface="Arial" panose="020B0604020202020204"/>
+        <a:defRPr sz="1400" b="0" i="0" u="none" strike="noStrike" cap="none">
           <a:solidFill>
             <a:srgbClr val="000000"/>
           </a:solidFill>
-          <a:latin typeface="Arial"/>
-          <a:ea typeface="Arial"/>
-          <a:cs typeface="Arial"/>
-          <a:sym typeface="Arial"/>
+          <a:latin typeface="Arial" panose="020B0604020202020204"/>
+          <a:ea typeface="Arial" panose="020B0604020202020204"/>
+          <a:cs typeface="Arial" panose="020B0604020202020204"/>
+          <a:sym typeface="Arial" panose="020B0604020202020204"/>
         </a:defRPr>
       </a:lvl2pPr>
-      <a:lvl3pPr lvl="2" marR="0" rtl="0" algn="l">
+      <a:lvl3pPr marR="0" lvl="2" algn="l" rtl="0">
         <a:lnSpc>
           <a:spcPct val="100000"/>
         </a:lnSpc>
@@ -5979,18 +5957,18 @@
         <a:buClr>
           <a:srgbClr val="000000"/>
         </a:buClr>
-        <a:buFont typeface="Arial"/>
-        <a:defRPr b="0" i="0" sz="1400" u="none" cap="none" strike="noStrike">
+        <a:buFont typeface="Arial" panose="020B0604020202020204"/>
+        <a:defRPr sz="1400" b="0" i="0" u="none" strike="noStrike" cap="none">
           <a:solidFill>
             <a:srgbClr val="000000"/>
           </a:solidFill>
-          <a:latin typeface="Arial"/>
-          <a:ea typeface="Arial"/>
-          <a:cs typeface="Arial"/>
-          <a:sym typeface="Arial"/>
+          <a:latin typeface="Arial" panose="020B0604020202020204"/>
+          <a:ea typeface="Arial" panose="020B0604020202020204"/>
+          <a:cs typeface="Arial" panose="020B0604020202020204"/>
+          <a:sym typeface="Arial" panose="020B0604020202020204"/>
         </a:defRPr>
       </a:lvl3pPr>
-      <a:lvl4pPr lvl="3" marR="0" rtl="0" algn="l">
+      <a:lvl4pPr marR="0" lvl="3" algn="l" rtl="0">
         <a:lnSpc>
           <a:spcPct val="100000"/>
         </a:lnSpc>
@@ -6003,18 +5981,18 @@
         <a:buClr>
           <a:srgbClr val="000000"/>
         </a:buClr>
-        <a:buFont typeface="Arial"/>
-        <a:defRPr b="0" i="0" sz="1400" u="none" cap="none" strike="noStrike">
+        <a:buFont typeface="Arial" panose="020B0604020202020204"/>
+        <a:defRPr sz="1400" b="0" i="0" u="none" strike="noStrike" cap="none">
           <a:solidFill>
             <a:srgbClr val="000000"/>
           </a:solidFill>
-          <a:latin typeface="Arial"/>
-          <a:ea typeface="Arial"/>
-          <a:cs typeface="Arial"/>
-          <a:sym typeface="Arial"/>
+          <a:latin typeface="Arial" panose="020B0604020202020204"/>
+          <a:ea typeface="Arial" panose="020B0604020202020204"/>
+          <a:cs typeface="Arial" panose="020B0604020202020204"/>
+          <a:sym typeface="Arial" panose="020B0604020202020204"/>
         </a:defRPr>
       </a:lvl4pPr>
-      <a:lvl5pPr lvl="4" marR="0" rtl="0" algn="l">
+      <a:lvl5pPr marR="0" lvl="4" algn="l" rtl="0">
         <a:lnSpc>
           <a:spcPct val="100000"/>
         </a:lnSpc>
@@ -6027,18 +6005,18 @@
         <a:buClr>
           <a:srgbClr val="000000"/>
         </a:buClr>
-        <a:buFont typeface="Arial"/>
-        <a:defRPr b="0" i="0" sz="1400" u="none" cap="none" strike="noStrike">
+        <a:buFont typeface="Arial" panose="020B0604020202020204"/>
+        <a:defRPr sz="1400" b="0" i="0" u="none" strike="noStrike" cap="none">
           <a:solidFill>
             <a:srgbClr val="000000"/>
           </a:solidFill>
-          <a:latin typeface="Arial"/>
-          <a:ea typeface="Arial"/>
-          <a:cs typeface="Arial"/>
-          <a:sym typeface="Arial"/>
+          <a:latin typeface="Arial" panose="020B0604020202020204"/>
+          <a:ea typeface="Arial" panose="020B0604020202020204"/>
+          <a:cs typeface="Arial" panose="020B0604020202020204"/>
+          <a:sym typeface="Arial" panose="020B0604020202020204"/>
         </a:defRPr>
       </a:lvl5pPr>
-      <a:lvl6pPr lvl="5" marR="0" rtl="0" algn="l">
+      <a:lvl6pPr marR="0" lvl="5" algn="l" rtl="0">
         <a:lnSpc>
           <a:spcPct val="100000"/>
         </a:lnSpc>
@@ -6051,18 +6029,18 @@
         <a:buClr>
           <a:srgbClr val="000000"/>
         </a:buClr>
-        <a:buFont typeface="Arial"/>
-        <a:defRPr b="0" i="0" sz="1400" u="none" cap="none" strike="noStrike">
+        <a:buFont typeface="Arial" panose="020B0604020202020204"/>
+        <a:defRPr sz="1400" b="0" i="0" u="none" strike="noStrike" cap="none">
           <a:solidFill>
             <a:srgbClr val="000000"/>
           </a:solidFill>
-          <a:latin typeface="Arial"/>
-          <a:ea typeface="Arial"/>
-          <a:cs typeface="Arial"/>
-          <a:sym typeface="Arial"/>
+          <a:latin typeface="Arial" panose="020B0604020202020204"/>
+          <a:ea typeface="Arial" panose="020B0604020202020204"/>
+          <a:cs typeface="Arial" panose="020B0604020202020204"/>
+          <a:sym typeface="Arial" panose="020B0604020202020204"/>
         </a:defRPr>
       </a:lvl6pPr>
-      <a:lvl7pPr lvl="6" marR="0" rtl="0" algn="l">
+      <a:lvl7pPr marR="0" lvl="6" algn="l" rtl="0">
         <a:lnSpc>
           <a:spcPct val="100000"/>
         </a:lnSpc>
@@ -6075,18 +6053,18 @@
         <a:buClr>
           <a:srgbClr val="000000"/>
         </a:buClr>
-        <a:buFont typeface="Arial"/>
-        <a:defRPr b="0" i="0" sz="1400" u="none" cap="none" strike="noStrike">
+        <a:buFont typeface="Arial" panose="020B0604020202020204"/>
+        <a:defRPr sz="1400" b="0" i="0" u="none" strike="noStrike" cap="none">
           <a:solidFill>
             <a:srgbClr val="000000"/>
           </a:solidFill>
-          <a:latin typeface="Arial"/>
-          <a:ea typeface="Arial"/>
-          <a:cs typeface="Arial"/>
-          <a:sym typeface="Arial"/>
+          <a:latin typeface="Arial" panose="020B0604020202020204"/>
+          <a:ea typeface="Arial" panose="020B0604020202020204"/>
+          <a:cs typeface="Arial" panose="020B0604020202020204"/>
+          <a:sym typeface="Arial" panose="020B0604020202020204"/>
         </a:defRPr>
       </a:lvl7pPr>
-      <a:lvl8pPr lvl="7" marR="0" rtl="0" algn="l">
+      <a:lvl8pPr marR="0" lvl="7" algn="l" rtl="0">
         <a:lnSpc>
           <a:spcPct val="100000"/>
         </a:lnSpc>
@@ -6099,18 +6077,18 @@
         <a:buClr>
           <a:srgbClr val="000000"/>
         </a:buClr>
-        <a:buFont typeface="Arial"/>
-        <a:defRPr b="0" i="0" sz="1400" u="none" cap="none" strike="noStrike">
+        <a:buFont typeface="Arial" panose="020B0604020202020204"/>
+        <a:defRPr sz="1400" b="0" i="0" u="none" strike="noStrike" cap="none">
           <a:solidFill>
             <a:srgbClr val="000000"/>
           </a:solidFill>
-          <a:latin typeface="Arial"/>
-          <a:ea typeface="Arial"/>
-          <a:cs typeface="Arial"/>
-          <a:sym typeface="Arial"/>
+          <a:latin typeface="Arial" panose="020B0604020202020204"/>
+          <a:ea typeface="Arial" panose="020B0604020202020204"/>
+          <a:cs typeface="Arial" panose="020B0604020202020204"/>
+          <a:sym typeface="Arial" panose="020B0604020202020204"/>
         </a:defRPr>
       </a:lvl8pPr>
-      <a:lvl9pPr lvl="8" marR="0" rtl="0" algn="l">
+      <a:lvl9pPr marR="0" lvl="8" algn="l" rtl="0">
         <a:lnSpc>
           <a:spcPct val="100000"/>
         </a:lnSpc>
@@ -6123,20 +6101,20 @@
         <a:buClr>
           <a:srgbClr val="000000"/>
         </a:buClr>
-        <a:buFont typeface="Arial"/>
-        <a:defRPr b="0" i="0" sz="1400" u="none" cap="none" strike="noStrike">
+        <a:buFont typeface="Arial" panose="020B0604020202020204"/>
+        <a:defRPr sz="1400" b="0" i="0" u="none" strike="noStrike" cap="none">
           <a:solidFill>
             <a:srgbClr val="000000"/>
           </a:solidFill>
-          <a:latin typeface="Arial"/>
-          <a:ea typeface="Arial"/>
-          <a:cs typeface="Arial"/>
-          <a:sym typeface="Arial"/>
+          <a:latin typeface="Arial" panose="020B0604020202020204"/>
+          <a:ea typeface="Arial" panose="020B0604020202020204"/>
+          <a:cs typeface="Arial" panose="020B0604020202020204"/>
+          <a:sym typeface="Arial" panose="020B0604020202020204"/>
         </a:defRPr>
       </a:lvl9pPr>
     </p:titleStyle>
     <p:bodyStyle>
-      <a:defPPr lvl="0" marR="0" rtl="0" algn="l">
+      <a:defPPr marR="0" lvl="0" algn="l" rtl="0">
         <a:lnSpc>
           <a:spcPct val="100000"/>
         </a:lnSpc>
@@ -6147,7 +6125,7 @@
           <a:spcPts val="0"/>
         </a:spcAft>
       </a:defPPr>
-      <a:lvl1pPr lvl="0" marR="0" rtl="0" algn="l">
+      <a:lvl1pPr marR="0" lvl="0" algn="l" rtl="0">
         <a:lnSpc>
           <a:spcPct val="100000"/>
         </a:lnSpc>
@@ -6160,18 +6138,18 @@
         <a:buClr>
           <a:srgbClr val="000000"/>
         </a:buClr>
-        <a:buFont typeface="Arial"/>
-        <a:defRPr b="0" i="0" sz="1400" u="none" cap="none" strike="noStrike">
+        <a:buFont typeface="Arial" panose="020B0604020202020204"/>
+        <a:defRPr sz="1400" b="0" i="0" u="none" strike="noStrike" cap="none">
           <a:solidFill>
             <a:srgbClr val="000000"/>
           </a:solidFill>
-          <a:latin typeface="Arial"/>
-          <a:ea typeface="Arial"/>
-          <a:cs typeface="Arial"/>
-          <a:sym typeface="Arial"/>
+          <a:latin typeface="Arial" panose="020B0604020202020204"/>
+          <a:ea typeface="Arial" panose="020B0604020202020204"/>
+          <a:cs typeface="Arial" panose="020B0604020202020204"/>
+          <a:sym typeface="Arial" panose="020B0604020202020204"/>
         </a:defRPr>
       </a:lvl1pPr>
-      <a:lvl2pPr lvl="1" marR="0" rtl="0" algn="l">
+      <a:lvl2pPr marR="0" lvl="1" algn="l" rtl="0">
         <a:lnSpc>
           <a:spcPct val="100000"/>
         </a:lnSpc>
@@ -6184,18 +6162,18 @@
         <a:buClr>
           <a:srgbClr val="000000"/>
         </a:buClr>
-        <a:buFont typeface="Arial"/>
-        <a:defRPr b="0" i="0" sz="1400" u="none" cap="none" strike="noStrike">
+        <a:buFont typeface="Arial" panose="020B0604020202020204"/>
+        <a:defRPr sz="1400" b="0" i="0" u="none" strike="noStrike" cap="none">
           <a:solidFill>
             <a:srgbClr val="000000"/>
           </a:solidFill>
-          <a:latin typeface="Arial"/>
-          <a:ea typeface="Arial"/>
-          <a:cs typeface="Arial"/>
-          <a:sym typeface="Arial"/>
+          <a:latin typeface="Arial" panose="020B0604020202020204"/>
+          <a:ea typeface="Arial" panose="020B0604020202020204"/>
+          <a:cs typeface="Arial" panose="020B0604020202020204"/>
+          <a:sym typeface="Arial" panose="020B0604020202020204"/>
         </a:defRPr>
       </a:lvl2pPr>
-      <a:lvl3pPr lvl="2" marR="0" rtl="0" algn="l">
+      <a:lvl3pPr marR="0" lvl="2" algn="l" rtl="0">
         <a:lnSpc>
           <a:spcPct val="100000"/>
         </a:lnSpc>
@@ -6208,18 +6186,18 @@
         <a:buClr>
           <a:srgbClr val="000000"/>
         </a:buClr>
-        <a:buFont typeface="Arial"/>
-        <a:defRPr b="0" i="0" sz="1400" u="none" cap="none" strike="noStrike">
+        <a:buFont typeface="Arial" panose="020B0604020202020204"/>
+        <a:defRPr sz="1400" b="0" i="0" u="none" strike="noStrike" cap="none">
           <a:solidFill>
             <a:srgbClr val="000000"/>
           </a:solidFill>
-          <a:latin typeface="Arial"/>
-          <a:ea typeface="Arial"/>
-          <a:cs typeface="Arial"/>
-          <a:sym typeface="Arial"/>
+          <a:latin typeface="Arial" panose="020B0604020202020204"/>
+          <a:ea typeface="Arial" panose="020B0604020202020204"/>
+          <a:cs typeface="Arial" panose="020B0604020202020204"/>
+          <a:sym typeface="Arial" panose="020B0604020202020204"/>
         </a:defRPr>
       </a:lvl3pPr>
-      <a:lvl4pPr lvl="3" marR="0" rtl="0" algn="l">
+      <a:lvl4pPr marR="0" lvl="3" algn="l" rtl="0">
         <a:lnSpc>
           <a:spcPct val="100000"/>
         </a:lnSpc>
@@ -6232,18 +6210,18 @@
         <a:buClr>
           <a:srgbClr val="000000"/>
         </a:buClr>
-        <a:buFont typeface="Arial"/>
-        <a:defRPr b="0" i="0" sz="1400" u="none" cap="none" strike="noStrike">
+        <a:buFont typeface="Arial" panose="020B0604020202020204"/>
+        <a:defRPr sz="1400" b="0" i="0" u="none" strike="noStrike" cap="none">
           <a:solidFill>
             <a:srgbClr val="000000"/>
           </a:solidFill>
-          <a:latin typeface="Arial"/>
-          <a:ea typeface="Arial"/>
-          <a:cs typeface="Arial"/>
-          <a:sym typeface="Arial"/>
+          <a:latin typeface="Arial" panose="020B0604020202020204"/>
+          <a:ea typeface="Arial" panose="020B0604020202020204"/>
+          <a:cs typeface="Arial" panose="020B0604020202020204"/>
+          <a:sym typeface="Arial" panose="020B0604020202020204"/>
         </a:defRPr>
       </a:lvl4pPr>
-      <a:lvl5pPr lvl="4" marR="0" rtl="0" algn="l">
+      <a:lvl5pPr marR="0" lvl="4" algn="l" rtl="0">
         <a:lnSpc>
           <a:spcPct val="100000"/>
         </a:lnSpc>
@@ -6256,18 +6234,18 @@
         <a:buClr>
           <a:srgbClr val="000000"/>
         </a:buClr>
-        <a:buFont typeface="Arial"/>
-        <a:defRPr b="0" i="0" sz="1400" u="none" cap="none" strike="noStrike">
+        <a:buFont typeface="Arial" panose="020B0604020202020204"/>
+        <a:defRPr sz="1400" b="0" i="0" u="none" strike="noStrike" cap="none">
           <a:solidFill>
             <a:srgbClr val="000000"/>
           </a:solidFill>
-          <a:latin typeface="Arial"/>
-          <a:ea typeface="Arial"/>
-          <a:cs typeface="Arial"/>
-          <a:sym typeface="Arial"/>
+          <a:latin typeface="Arial" panose="020B0604020202020204"/>
+          <a:ea typeface="Arial" panose="020B0604020202020204"/>
+          <a:cs typeface="Arial" panose="020B0604020202020204"/>
+          <a:sym typeface="Arial" panose="020B0604020202020204"/>
         </a:defRPr>
       </a:lvl5pPr>
-      <a:lvl6pPr lvl="5" marR="0" rtl="0" algn="l">
+      <a:lvl6pPr marR="0" lvl="5" algn="l" rtl="0">
         <a:lnSpc>
           <a:spcPct val="100000"/>
         </a:lnSpc>
@@ -6280,18 +6258,18 @@
         <a:buClr>
           <a:srgbClr val="000000"/>
         </a:buClr>
-        <a:buFont typeface="Arial"/>
-        <a:defRPr b="0" i="0" sz="1400" u="none" cap="none" strike="noStrike">
+        <a:buFont typeface="Arial" panose="020B0604020202020204"/>
+        <a:defRPr sz="1400" b="0" i="0" u="none" strike="noStrike" cap="none">
           <a:solidFill>
             <a:srgbClr val="000000"/>
           </a:solidFill>
-          <a:latin typeface="Arial"/>
-          <a:ea typeface="Arial"/>
-          <a:cs typeface="Arial"/>
-          <a:sym typeface="Arial"/>
+          <a:latin typeface="Arial" panose="020B0604020202020204"/>
+          <a:ea typeface="Arial" panose="020B0604020202020204"/>
+          <a:cs typeface="Arial" panose="020B0604020202020204"/>
+          <a:sym typeface="Arial" panose="020B0604020202020204"/>
         </a:defRPr>
       </a:lvl6pPr>
-      <a:lvl7pPr lvl="6" marR="0" rtl="0" algn="l">
+      <a:lvl7pPr marR="0" lvl="6" algn="l" rtl="0">
         <a:lnSpc>
           <a:spcPct val="100000"/>
         </a:lnSpc>
@@ -6304,18 +6282,18 @@
         <a:buClr>
           <a:srgbClr val="000000"/>
         </a:buClr>
-        <a:buFont typeface="Arial"/>
-        <a:defRPr b="0" i="0" sz="1400" u="none" cap="none" strike="noStrike">
+        <a:buFont typeface="Arial" panose="020B0604020202020204"/>
+        <a:defRPr sz="1400" b="0" i="0" u="none" strike="noStrike" cap="none">
           <a:solidFill>
             <a:srgbClr val="000000"/>
           </a:solidFill>
-          <a:latin typeface="Arial"/>
-          <a:ea typeface="Arial"/>
-          <a:cs typeface="Arial"/>
-          <a:sym typeface="Arial"/>
+          <a:latin typeface="Arial" panose="020B0604020202020204"/>
+          <a:ea typeface="Arial" panose="020B0604020202020204"/>
+          <a:cs typeface="Arial" panose="020B0604020202020204"/>
+          <a:sym typeface="Arial" panose="020B0604020202020204"/>
         </a:defRPr>
       </a:lvl7pPr>
-      <a:lvl8pPr lvl="7" marR="0" rtl="0" algn="l">
+      <a:lvl8pPr marR="0" lvl="7" algn="l" rtl="0">
         <a:lnSpc>
           <a:spcPct val="100000"/>
         </a:lnSpc>
@@ -6328,18 +6306,18 @@
         <a:buClr>
           <a:srgbClr val="000000"/>
         </a:buClr>
-        <a:buFont typeface="Arial"/>
-        <a:defRPr b="0" i="0" sz="1400" u="none" cap="none" strike="noStrike">
+        <a:buFont typeface="Arial" panose="020B0604020202020204"/>
+        <a:defRPr sz="1400" b="0" i="0" u="none" strike="noStrike" cap="none">
           <a:solidFill>
             <a:srgbClr val="000000"/>
           </a:solidFill>
-          <a:latin typeface="Arial"/>
-          <a:ea typeface="Arial"/>
-          <a:cs typeface="Arial"/>
-          <a:sym typeface="Arial"/>
+          <a:latin typeface="Arial" panose="020B0604020202020204"/>
+          <a:ea typeface="Arial" panose="020B0604020202020204"/>
+          <a:cs typeface="Arial" panose="020B0604020202020204"/>
+          <a:sym typeface="Arial" panose="020B0604020202020204"/>
         </a:defRPr>
       </a:lvl8pPr>
-      <a:lvl9pPr lvl="8" marR="0" rtl="0" algn="l">
+      <a:lvl9pPr marR="0" lvl="8" algn="l" rtl="0">
         <a:lnSpc>
           <a:spcPct val="100000"/>
         </a:lnSpc>
@@ -6352,20 +6330,20 @@
         <a:buClr>
           <a:srgbClr val="000000"/>
         </a:buClr>
-        <a:buFont typeface="Arial"/>
-        <a:defRPr b="0" i="0" sz="1400" u="none" cap="none" strike="noStrike">
+        <a:buFont typeface="Arial" panose="020B0604020202020204"/>
+        <a:defRPr sz="1400" b="0" i="0" u="none" strike="noStrike" cap="none">
           <a:solidFill>
             <a:srgbClr val="000000"/>
           </a:solidFill>
-          <a:latin typeface="Arial"/>
-          <a:ea typeface="Arial"/>
-          <a:cs typeface="Arial"/>
-          <a:sym typeface="Arial"/>
+          <a:latin typeface="Arial" panose="020B0604020202020204"/>
+          <a:ea typeface="Arial" panose="020B0604020202020204"/>
+          <a:cs typeface="Arial" panose="020B0604020202020204"/>
+          <a:sym typeface="Arial" panose="020B0604020202020204"/>
         </a:defRPr>
       </a:lvl9pPr>
     </p:bodyStyle>
     <p:otherStyle>
-      <a:defPPr lvl="0" marR="0" rtl="0" algn="l">
+      <a:defPPr marR="0" lvl="0" algn="l" rtl="0">
         <a:lnSpc>
           <a:spcPct val="100000"/>
         </a:lnSpc>
@@ -6376,7 +6354,7 @@
           <a:spcPts val="0"/>
         </a:spcAft>
       </a:defPPr>
-      <a:lvl1pPr lvl="0" marR="0" rtl="0" algn="l">
+      <a:lvl1pPr marR="0" lvl="0" algn="l" rtl="0">
         <a:lnSpc>
           <a:spcPct val="100000"/>
         </a:lnSpc>
@@ -6389,18 +6367,18 @@
         <a:buClr>
           <a:srgbClr val="000000"/>
         </a:buClr>
-        <a:buFont typeface="Arial"/>
-        <a:defRPr b="0" i="0" sz="1400" u="none" cap="none" strike="noStrike">
+        <a:buFont typeface="Arial" panose="020B0604020202020204"/>
+        <a:defRPr sz="1400" b="0" i="0" u="none" strike="noStrike" cap="none">
           <a:solidFill>
             <a:srgbClr val="000000"/>
           </a:solidFill>
-          <a:latin typeface="Arial"/>
-          <a:ea typeface="Arial"/>
-          <a:cs typeface="Arial"/>
-          <a:sym typeface="Arial"/>
+          <a:latin typeface="Arial" panose="020B0604020202020204"/>
+          <a:ea typeface="Arial" panose="020B0604020202020204"/>
+          <a:cs typeface="Arial" panose="020B0604020202020204"/>
+          <a:sym typeface="Arial" panose="020B0604020202020204"/>
         </a:defRPr>
       </a:lvl1pPr>
-      <a:lvl2pPr lvl="1" marR="0" rtl="0" algn="l">
+      <a:lvl2pPr marR="0" lvl="1" algn="l" rtl="0">
         <a:lnSpc>
           <a:spcPct val="100000"/>
         </a:lnSpc>
@@ -6413,18 +6391,18 @@
         <a:buClr>
           <a:srgbClr val="000000"/>
         </a:buClr>
-        <a:buFont typeface="Arial"/>
-        <a:defRPr b="0" i="0" sz="1400" u="none" cap="none" strike="noStrike">
+        <a:buFont typeface="Arial" panose="020B0604020202020204"/>
+        <a:defRPr sz="1400" b="0" i="0" u="none" strike="noStrike" cap="none">
           <a:solidFill>
             <a:srgbClr val="000000"/>
           </a:solidFill>
-          <a:latin typeface="Arial"/>
-          <a:ea typeface="Arial"/>
-          <a:cs typeface="Arial"/>
-          <a:sym typeface="Arial"/>
+          <a:latin typeface="Arial" panose="020B0604020202020204"/>
+          <a:ea typeface="Arial" panose="020B0604020202020204"/>
+          <a:cs typeface="Arial" panose="020B0604020202020204"/>
+          <a:sym typeface="Arial" panose="020B0604020202020204"/>
         </a:defRPr>
       </a:lvl2pPr>
-      <a:lvl3pPr lvl="2" marR="0" rtl="0" algn="l">
+      <a:lvl3pPr marR="0" lvl="2" algn="l" rtl="0">
         <a:lnSpc>
           <a:spcPct val="100000"/>
         </a:lnSpc>
@@ -6437,18 +6415,18 @@
         <a:buClr>
           <a:srgbClr val="000000"/>
         </a:buClr>
-        <a:buFont typeface="Arial"/>
-        <a:defRPr b="0" i="0" sz="1400" u="none" cap="none" strike="noStrike">
+        <a:buFont typeface="Arial" panose="020B0604020202020204"/>
+        <a:defRPr sz="1400" b="0" i="0" u="none" strike="noStrike" cap="none">
           <a:solidFill>
             <a:srgbClr val="000000"/>
           </a:solidFill>
-          <a:latin typeface="Arial"/>
-          <a:ea typeface="Arial"/>
-          <a:cs typeface="Arial"/>
-          <a:sym typeface="Arial"/>
+          <a:latin typeface="Arial" panose="020B0604020202020204"/>
+          <a:ea typeface="Arial" panose="020B0604020202020204"/>
+          <a:cs typeface="Arial" panose="020B0604020202020204"/>
+          <a:sym typeface="Arial" panose="020B0604020202020204"/>
         </a:defRPr>
       </a:lvl3pPr>
-      <a:lvl4pPr lvl="3" marR="0" rtl="0" algn="l">
+      <a:lvl4pPr marR="0" lvl="3" algn="l" rtl="0">
         <a:lnSpc>
           <a:spcPct val="100000"/>
         </a:lnSpc>
@@ -6461,18 +6439,18 @@
         <a:buClr>
           <a:srgbClr val="000000"/>
         </a:buClr>
-        <a:buFont typeface="Arial"/>
-        <a:defRPr b="0" i="0" sz="1400" u="none" cap="none" strike="noStrike">
+        <a:buFont typeface="Arial" panose="020B0604020202020204"/>
+        <a:defRPr sz="1400" b="0" i="0" u="none" strike="noStrike" cap="none">
           <a:solidFill>
             <a:srgbClr val="000000"/>
           </a:solidFill>
-          <a:latin typeface="Arial"/>
-          <a:ea typeface="Arial"/>
-          <a:cs typeface="Arial"/>
-          <a:sym typeface="Arial"/>
+          <a:latin typeface="Arial" panose="020B0604020202020204"/>
+          <a:ea typeface="Arial" panose="020B0604020202020204"/>
+          <a:cs typeface="Arial" panose="020B0604020202020204"/>
+          <a:sym typeface="Arial" panose="020B0604020202020204"/>
         </a:defRPr>
       </a:lvl4pPr>
-      <a:lvl5pPr lvl="4" marR="0" rtl="0" algn="l">
+      <a:lvl5pPr marR="0" lvl="4" algn="l" rtl="0">
         <a:lnSpc>
           <a:spcPct val="100000"/>
         </a:lnSpc>
@@ -6485,18 +6463,18 @@
         <a:buClr>
           <a:srgbClr val="000000"/>
         </a:buClr>
-        <a:buFont typeface="Arial"/>
-        <a:defRPr b="0" i="0" sz="1400" u="none" cap="none" strike="noStrike">
+        <a:buFont typeface="Arial" panose="020B0604020202020204"/>
+        <a:defRPr sz="1400" b="0" i="0" u="none" strike="noStrike" cap="none">
           <a:solidFill>
             <a:srgbClr val="000000"/>
           </a:solidFill>
-          <a:latin typeface="Arial"/>
-          <a:ea typeface="Arial"/>
-          <a:cs typeface="Arial"/>
-          <a:sym typeface="Arial"/>
+          <a:latin typeface="Arial" panose="020B0604020202020204"/>
+          <a:ea typeface="Arial" panose="020B0604020202020204"/>
+          <a:cs typeface="Arial" panose="020B0604020202020204"/>
+          <a:sym typeface="Arial" panose="020B0604020202020204"/>
         </a:defRPr>
       </a:lvl5pPr>
-      <a:lvl6pPr lvl="5" marR="0" rtl="0" algn="l">
+      <a:lvl6pPr marR="0" lvl="5" algn="l" rtl="0">
         <a:lnSpc>
           <a:spcPct val="100000"/>
         </a:lnSpc>
@@ -6509,18 +6487,18 @@
         <a:buClr>
           <a:srgbClr val="000000"/>
         </a:buClr>
-        <a:buFont typeface="Arial"/>
-        <a:defRPr b="0" i="0" sz="1400" u="none" cap="none" strike="noStrike">
+        <a:buFont typeface="Arial" panose="020B0604020202020204"/>
+        <a:defRPr sz="1400" b="0" i="0" u="none" strike="noStrike" cap="none">
           <a:solidFill>
             <a:srgbClr val="000000"/>
           </a:solidFill>
-          <a:latin typeface="Arial"/>
-          <a:ea typeface="Arial"/>
-          <a:cs typeface="Arial"/>
-          <a:sym typeface="Arial"/>
+          <a:latin typeface="Arial" panose="020B0604020202020204"/>
+          <a:ea typeface="Arial" panose="020B0604020202020204"/>
+          <a:cs typeface="Arial" panose="020B0604020202020204"/>
+          <a:sym typeface="Arial" panose="020B0604020202020204"/>
         </a:defRPr>
       </a:lvl6pPr>
-      <a:lvl7pPr lvl="6" marR="0" rtl="0" algn="l">
+      <a:lvl7pPr marR="0" lvl="6" algn="l" rtl="0">
         <a:lnSpc>
           <a:spcPct val="100000"/>
         </a:lnSpc>
@@ -6533,18 +6511,18 @@
         <a:buClr>
           <a:srgbClr val="000000"/>
         </a:buClr>
-        <a:buFont typeface="Arial"/>
-        <a:defRPr b="0" i="0" sz="1400" u="none" cap="none" strike="noStrike">
+        <a:buFont typeface="Arial" panose="020B0604020202020204"/>
+        <a:defRPr sz="1400" b="0" i="0" u="none" strike="noStrike" cap="none">
           <a:solidFill>
             <a:srgbClr val="000000"/>
           </a:solidFill>
-          <a:latin typeface="Arial"/>
-          <a:ea typeface="Arial"/>
-          <a:cs typeface="Arial"/>
-          <a:sym typeface="Arial"/>
+          <a:latin typeface="Arial" panose="020B0604020202020204"/>
+          <a:ea typeface="Arial" panose="020B0604020202020204"/>
+          <a:cs typeface="Arial" panose="020B0604020202020204"/>
+          <a:sym typeface="Arial" panose="020B0604020202020204"/>
         </a:defRPr>
       </a:lvl7pPr>
-      <a:lvl8pPr lvl="7" marR="0" rtl="0" algn="l">
+      <a:lvl8pPr marR="0" lvl="7" algn="l" rtl="0">
         <a:lnSpc>
           <a:spcPct val="100000"/>
         </a:lnSpc>
@@ -6557,18 +6535,18 @@
         <a:buClr>
           <a:srgbClr val="000000"/>
         </a:buClr>
-        <a:buFont typeface="Arial"/>
-        <a:defRPr b="0" i="0" sz="1400" u="none" cap="none" strike="noStrike">
+        <a:buFont typeface="Arial" panose="020B0604020202020204"/>
+        <a:defRPr sz="1400" b="0" i="0" u="none" strike="noStrike" cap="none">
           <a:solidFill>
             <a:srgbClr val="000000"/>
           </a:solidFill>
-          <a:latin typeface="Arial"/>
-          <a:ea typeface="Arial"/>
-          <a:cs typeface="Arial"/>
-          <a:sym typeface="Arial"/>
+          <a:latin typeface="Arial" panose="020B0604020202020204"/>
+          <a:ea typeface="Arial" panose="020B0604020202020204"/>
+          <a:cs typeface="Arial" panose="020B0604020202020204"/>
+          <a:sym typeface="Arial" panose="020B0604020202020204"/>
         </a:defRPr>
       </a:lvl8pPr>
-      <a:lvl9pPr lvl="8" marR="0" rtl="0" algn="l">
+      <a:lvl9pPr marR="0" lvl="8" algn="l" rtl="0">
         <a:lnSpc>
           <a:spcPct val="100000"/>
         </a:lnSpc>
@@ -6581,15 +6559,15 @@
         <a:buClr>
           <a:srgbClr val="000000"/>
         </a:buClr>
-        <a:buFont typeface="Arial"/>
-        <a:defRPr b="0" i="0" sz="1400" u="none" cap="none" strike="noStrike">
+        <a:buFont typeface="Arial" panose="020B0604020202020204"/>
+        <a:defRPr sz="1400" b="0" i="0" u="none" strike="noStrike" cap="none">
           <a:solidFill>
             <a:srgbClr val="000000"/>
           </a:solidFill>
-          <a:latin typeface="Arial"/>
-          <a:ea typeface="Arial"/>
-          <a:cs typeface="Arial"/>
-          <a:sym typeface="Arial"/>
+          <a:latin typeface="Arial" panose="020B0604020202020204"/>
+          <a:ea typeface="Arial" panose="020B0604020202020204"/>
+          <a:cs typeface="Arial" panose="020B0604020202020204"/>
+          <a:sym typeface="Arial" panose="020B0604020202020204"/>
         </a:defRPr>
       </a:lvl9pPr>
     </p:otherStyle>
@@ -6598,18 +6576,17 @@
 </file>
 
 <file path=ppt/slides/slide1.xml><?xml version="1.0" encoding="utf-8"?>
-<p:sld xmlns:a="http://schemas.openxmlformats.org/drawingml/2006/main" xmlns:r="http://schemas.openxmlformats.org/officeDocument/2006/relationships" xmlns:mc="http://schemas.openxmlformats.org/markup-compatibility/2006" xmlns:mv="urn:schemas-microsoft-com:mac:vml" xmlns:p="http://schemas.openxmlformats.org/presentationml/2006/main" xmlns:c="http://schemas.openxmlformats.org/drawingml/2006/chart" xmlns:dgm="http://schemas.openxmlformats.org/drawingml/2006/diagram" xmlns:o="urn:schemas-microsoft-com:office:office" xmlns:v="urn:schemas-microsoft-com:vml" xmlns:pvml="urn:schemas-microsoft-com:office:powerpoint" xmlns:com="http://schemas.openxmlformats.org/drawingml/2006/compatibility" xmlns:p14="http://schemas.microsoft.com/office/powerpoint/2010/main" xmlns:p15="http://schemas.microsoft.com/office/powerpoint/2012/main" xmlns:ahyp="http://schemas.microsoft.com/office/drawing/2018/hyperlinkcolor">
+<p:sld xmlns:a="http://schemas.openxmlformats.org/drawingml/2006/main" xmlns:r="http://schemas.openxmlformats.org/officeDocument/2006/relationships" xmlns:p="http://schemas.openxmlformats.org/presentationml/2006/main">
   <p:cSld>
     <p:bg>
       <p:bgPr>
         <a:blipFill>
-          <a:blip r:embed="rId3">
-            <a:alphaModFix/>
-          </a:blip>
+          <a:blip r:embed="rId1"/>
           <a:stretch>
             <a:fillRect/>
           </a:stretch>
         </a:blipFill>
+        <a:effectLst/>
       </p:bgPr>
     </p:bg>
     <p:spTree>
@@ -6635,7 +6612,7 @@
         <p:spPr>
           <a:xfrm>
             <a:off x="945775" y="1866750"/>
-            <a:ext cx="6755100" cy="1108200"/>
+            <a:ext cx="6755100" cy="1104900"/>
           </a:xfrm>
           <a:prstGeom prst="rect">
             <a:avLst/>
@@ -6646,12 +6623,12 @@
           </a:ln>
         </p:spPr>
         <p:txBody>
-          <a:bodyPr anchorCtr="0" anchor="t" bIns="91425" lIns="91425" spcFirstLastPara="1" rIns="91425" wrap="square" tIns="91425">
+          <a:bodyPr spcFirstLastPara="1" wrap="square" lIns="91425" tIns="91425" rIns="91425" bIns="91425" anchor="t" anchorCtr="0">
             <a:spAutoFit/>
           </a:bodyPr>
           <a:lstStyle/>
           <a:p>
-            <a:pPr indent="0" lvl="0" marL="0" rtl="0" algn="ctr">
+            <a:pPr marL="0" lvl="0" indent="0" algn="ctr" rtl="0">
               <a:spcBef>
                 <a:spcPts val="0"/>
               </a:spcBef>
@@ -6662,26 +6639,179 @@
                 <a:srgbClr val="000000"/>
               </a:buClr>
               <a:buSzPts val="990"/>
-              <a:buFont typeface="Arial"/>
+              <a:buFont typeface="Arial" panose="020B0604020202020204"/>
               <a:buNone/>
             </a:pPr>
             <a:r>
-              <a:rPr b="1" lang="en" sz="6000">
+              <a:rPr lang="en-US" sz="6000" b="1">
                 <a:solidFill>
-                  <a:schemeClr val="dk1"/>
+                  <a:schemeClr val="tx1"/>
                 </a:solidFill>
               </a:rPr>
-              <a:t>P</a:t>
+              <a:t>RedPill</a:t>
             </a:r>
-            <a:r>
-              <a:rPr b="1" lang="en" sz="6000">
-                <a:solidFill>
-                  <a:schemeClr val="dk1"/>
-                </a:solidFill>
-              </a:rPr>
-              <a:t>roject Name</a:t>
-            </a:r>
-            <a:endParaRPr b="1" sz="6000"/>
+            <a:endParaRPr lang="en-US" sz="6000" b="1">
+              <a:solidFill>
+                <a:schemeClr val="tx1"/>
+              </a:solidFill>
+            </a:endParaRPr>
+          </a:p>
+        </p:txBody>
+      </p:sp>
+      <p:sp>
+        <p:nvSpPr>
+          <p:cNvPr id="2" name="椭圆 1"/>
+          <p:cNvSpPr/>
+          <p:nvPr/>
+        </p:nvSpPr>
+        <p:spPr>
+          <a:xfrm>
+            <a:off x="2211070" y="3079750"/>
+            <a:ext cx="4066540" cy="951865"/>
+          </a:xfrm>
+          <a:prstGeom prst="ellipse">
+            <a:avLst/>
+          </a:prstGeom>
+          <a:solidFill>
+            <a:schemeClr val="bg1"/>
+          </a:solidFill>
+          <a:ln>
+            <a:solidFill>
+              <a:srgbClr val="FF0000"/>
+            </a:solidFill>
+            <a:prstDash val="sysDot"/>
+          </a:ln>
+          <a:effectLst>
+            <a:glow rad="228600">
+              <a:schemeClr val="accent4">
+                <a:satMod val="175000"/>
+                <a:alpha val="40000"/>
+              </a:schemeClr>
+            </a:glow>
+            <a:softEdge rad="31750"/>
+          </a:effectLst>
+        </p:spPr>
+        <p:style>
+          <a:lnRef idx="2">
+            <a:schemeClr val="accent1">
+              <a:shade val="50000"/>
+            </a:schemeClr>
+          </a:lnRef>
+          <a:fillRef idx="1">
+            <a:schemeClr val="accent1"/>
+          </a:fillRef>
+          <a:effectRef idx="0">
+            <a:schemeClr val="accent1"/>
+          </a:effectRef>
+          <a:fontRef idx="minor">
+            <a:schemeClr val="lt1"/>
+          </a:fontRef>
+        </p:style>
+        <p:txBody>
+          <a:bodyPr rtlCol="0" anchor="ctr"/>
+          <a:p>
+            <a:pPr algn="ctr"/>
+            <a:endParaRPr lang="zh-CN" altLang="en-US"/>
+          </a:p>
+        </p:txBody>
+      </p:sp>
+      <p:sp>
+        <p:nvSpPr>
+          <p:cNvPr id="3" name="椭圆 2"/>
+          <p:cNvSpPr/>
+          <p:nvPr/>
+        </p:nvSpPr>
+        <p:spPr>
+          <a:xfrm>
+            <a:off x="3784600" y="3096260"/>
+            <a:ext cx="919480" cy="919480"/>
+          </a:xfrm>
+          <a:prstGeom prst="ellipse">
+            <a:avLst/>
+          </a:prstGeom>
+          <a:solidFill>
+            <a:schemeClr val="tx1"/>
+          </a:solidFill>
+          <a:ln>
+            <a:solidFill>
+              <a:srgbClr val="FF0000"/>
+            </a:solidFill>
+          </a:ln>
+          <a:effectLst>
+            <a:softEdge rad="127000"/>
+          </a:effectLst>
+        </p:spPr>
+        <p:style>
+          <a:lnRef idx="2">
+            <a:schemeClr val="accent1">
+              <a:shade val="50000"/>
+            </a:schemeClr>
+          </a:lnRef>
+          <a:fillRef idx="1">
+            <a:schemeClr val="accent1"/>
+          </a:fillRef>
+          <a:effectRef idx="0">
+            <a:schemeClr val="accent1"/>
+          </a:effectRef>
+          <a:fontRef idx="minor">
+            <a:schemeClr val="lt1"/>
+          </a:fontRef>
+        </p:style>
+        <p:txBody>
+          <a:bodyPr rtlCol="0" anchor="ctr"/>
+          <a:p>
+            <a:pPr algn="ctr"/>
+            <a:endParaRPr lang="zh-CN" altLang="en-US"/>
+          </a:p>
+        </p:txBody>
+      </p:sp>
+      <p:sp>
+        <p:nvSpPr>
+          <p:cNvPr id="4" name="椭圆 3"/>
+          <p:cNvSpPr/>
+          <p:nvPr/>
+        </p:nvSpPr>
+        <p:spPr>
+          <a:xfrm>
+            <a:off x="4030345" y="3173095"/>
+            <a:ext cx="427990" cy="764540"/>
+          </a:xfrm>
+          <a:prstGeom prst="ellipse">
+            <a:avLst/>
+          </a:prstGeom>
+          <a:solidFill>
+            <a:srgbClr val="FF0000"/>
+          </a:solidFill>
+          <a:ln>
+            <a:solidFill>
+              <a:srgbClr val="FF0000"/>
+            </a:solidFill>
+          </a:ln>
+          <a:effectLst>
+            <a:softEdge rad="127000"/>
+          </a:effectLst>
+        </p:spPr>
+        <p:style>
+          <a:lnRef idx="2">
+            <a:schemeClr val="accent1">
+              <a:shade val="50000"/>
+            </a:schemeClr>
+          </a:lnRef>
+          <a:fillRef idx="1">
+            <a:schemeClr val="accent1"/>
+          </a:fillRef>
+          <a:effectRef idx="0">
+            <a:schemeClr val="accent1"/>
+          </a:effectRef>
+          <a:fontRef idx="minor">
+            <a:schemeClr val="lt1"/>
+          </a:fontRef>
+        </p:style>
+        <p:txBody>
+          <a:bodyPr rtlCol="0" anchor="ctr"/>
+          <a:p>
+            <a:pPr algn="ctr"/>
+            <a:endParaRPr lang="zh-CN" altLang="en-US"/>
           </a:p>
         </p:txBody>
       </p:sp>
@@ -6694,18 +6824,17 @@
 </file>
 
 <file path=ppt/slides/slide10.xml><?xml version="1.0" encoding="utf-8"?>
-<p:sld xmlns:a="http://schemas.openxmlformats.org/drawingml/2006/main" xmlns:r="http://schemas.openxmlformats.org/officeDocument/2006/relationships" xmlns:mc="http://schemas.openxmlformats.org/markup-compatibility/2006" xmlns:mv="urn:schemas-microsoft-com:mac:vml" xmlns:p="http://schemas.openxmlformats.org/presentationml/2006/main" xmlns:c="http://schemas.openxmlformats.org/drawingml/2006/chart" xmlns:dgm="http://schemas.openxmlformats.org/drawingml/2006/diagram" xmlns:o="urn:schemas-microsoft-com:office:office" xmlns:v="urn:schemas-microsoft-com:vml" xmlns:pvml="urn:schemas-microsoft-com:office:powerpoint" xmlns:com="http://schemas.openxmlformats.org/drawingml/2006/compatibility" xmlns:p14="http://schemas.microsoft.com/office/powerpoint/2010/main" xmlns:p15="http://schemas.microsoft.com/office/powerpoint/2012/main" xmlns:ahyp="http://schemas.microsoft.com/office/drawing/2018/hyperlinkcolor">
+<p:sld xmlns:a="http://schemas.openxmlformats.org/drawingml/2006/main" xmlns:r="http://schemas.openxmlformats.org/officeDocument/2006/relationships" xmlns:p="http://schemas.openxmlformats.org/presentationml/2006/main">
   <p:cSld>
     <p:bg>
       <p:bgPr>
         <a:blipFill>
-          <a:blip r:embed="rId3">
-            <a:alphaModFix/>
-          </a:blip>
+          <a:blip r:embed="rId1"/>
           <a:stretch>
             <a:fillRect/>
           </a:stretch>
         </a:blipFill>
+        <a:effectLst/>
       </p:bgPr>
     </p:bg>
     <p:spTree>
@@ -6727,7 +6856,7 @@
           <p:cNvPr id="99" name="Google Shape;99;p22"/>
           <p:cNvSpPr txBox="1"/>
           <p:nvPr>
-            <p:ph idx="1" type="body"/>
+            <p:ph type="body" idx="1"/>
           </p:nvPr>
         </p:nvSpPr>
         <p:spPr>
@@ -6740,12 +6869,12 @@
           </a:prstGeom>
         </p:spPr>
         <p:txBody>
-          <a:bodyPr anchorCtr="0" anchor="t" bIns="91425" lIns="91425" spcFirstLastPara="1" rIns="91425" wrap="square" tIns="91425">
+          <a:bodyPr spcFirstLastPara="1" wrap="square" lIns="91425" tIns="91425" rIns="91425" bIns="91425" anchor="t" anchorCtr="0">
             <a:normAutofit/>
           </a:bodyPr>
           <a:lstStyle/>
           <a:p>
-            <a:pPr indent="0" lvl="0" marL="0" rtl="0" algn="l">
+            <a:pPr marL="0" lvl="0" indent="0" algn="l" rtl="0">
               <a:spcBef>
                 <a:spcPts val="1200"/>
               </a:spcBef>
@@ -6755,17 +6884,13 @@
               <a:buNone/>
             </a:pPr>
             <a:r>
-              <a:rPr lang="en"/>
-              <a:t>Click to add your d</a:t>
+              <a:rPr lang="en-GB"/>
+              <a:t>Click to add your development progress of the project</a:t>
             </a:r>
-            <a:r>
-              <a:rPr lang="en"/>
-              <a:t>evelopment progress of the project</a:t>
-            </a:r>
-            <a:endParaRPr/>
+            <a:endParaRPr lang="en-GB"/>
           </a:p>
           <a:p>
-            <a:pPr indent="0" lvl="0" marL="0" rtl="0" algn="l">
+            <a:pPr marL="0" lvl="0" indent="0" algn="l" rtl="0">
               <a:spcBef>
                 <a:spcPts val="1200"/>
               </a:spcBef>
@@ -6774,10 +6899,6 @@
               </a:spcAft>
               <a:buNone/>
             </a:pPr>
-            <a:r>
-              <a:t/>
-            </a:r>
-            <a:endParaRPr/>
           </a:p>
         </p:txBody>
       </p:sp>
@@ -6790,18 +6911,17 @@
 </file>
 
 <file path=ppt/slides/slide11.xml><?xml version="1.0" encoding="utf-8"?>
-<p:sld xmlns:a="http://schemas.openxmlformats.org/drawingml/2006/main" xmlns:r="http://schemas.openxmlformats.org/officeDocument/2006/relationships" xmlns:mc="http://schemas.openxmlformats.org/markup-compatibility/2006" xmlns:mv="urn:schemas-microsoft-com:mac:vml" xmlns:p="http://schemas.openxmlformats.org/presentationml/2006/main" xmlns:c="http://schemas.openxmlformats.org/drawingml/2006/chart" xmlns:dgm="http://schemas.openxmlformats.org/drawingml/2006/diagram" xmlns:o="urn:schemas-microsoft-com:office:office" xmlns:v="urn:schemas-microsoft-com:vml" xmlns:pvml="urn:schemas-microsoft-com:office:powerpoint" xmlns:com="http://schemas.openxmlformats.org/drawingml/2006/compatibility" xmlns:p14="http://schemas.microsoft.com/office/powerpoint/2010/main" xmlns:p15="http://schemas.microsoft.com/office/powerpoint/2012/main" xmlns:ahyp="http://schemas.microsoft.com/office/drawing/2018/hyperlinkcolor">
+<p:sld xmlns:a="http://schemas.openxmlformats.org/drawingml/2006/main" xmlns:r="http://schemas.openxmlformats.org/officeDocument/2006/relationships" xmlns:p="http://schemas.openxmlformats.org/presentationml/2006/main">
   <p:cSld>
     <p:bg>
       <p:bgPr>
         <a:blipFill>
-          <a:blip r:embed="rId3">
-            <a:alphaModFix/>
-          </a:blip>
+          <a:blip r:embed="rId1"/>
           <a:stretch>
             <a:fillRect/>
           </a:stretch>
         </a:blipFill>
+        <a:effectLst/>
       </p:bgPr>
     </p:bg>
     <p:spTree>
@@ -6823,7 +6943,7 @@
           <p:cNvPr id="104" name="Google Shape;104;p23"/>
           <p:cNvSpPr txBox="1"/>
           <p:nvPr>
-            <p:ph idx="1" type="body"/>
+            <p:ph type="body" idx="1"/>
           </p:nvPr>
         </p:nvSpPr>
         <p:spPr>
@@ -6836,12 +6956,12 @@
           </a:prstGeom>
         </p:spPr>
         <p:txBody>
-          <a:bodyPr anchorCtr="0" anchor="t" bIns="91425" lIns="91425" spcFirstLastPara="1" rIns="91425" wrap="square" tIns="91425">
+          <a:bodyPr spcFirstLastPara="1" wrap="square" lIns="91425" tIns="91425" rIns="91425" bIns="91425" anchor="t" anchorCtr="0">
             <a:normAutofit/>
           </a:bodyPr>
           <a:lstStyle/>
           <a:p>
-            <a:pPr indent="0" lvl="0" marL="0" rtl="0" algn="l">
+            <a:pPr marL="0" lvl="0" indent="0" algn="l" rtl="0">
               <a:spcBef>
                 <a:spcPts val="1200"/>
               </a:spcBef>
@@ -6851,17 +6971,13 @@
               <a:buNone/>
             </a:pPr>
             <a:r>
-              <a:rPr lang="en"/>
-              <a:t>Click to add the d</a:t>
+              <a:rPr lang="en-GB"/>
+              <a:t>Click to add the development plan for the remaining part of the hackathon</a:t>
             </a:r>
-            <a:r>
-              <a:rPr lang="en"/>
-              <a:t>evelopment plan for the remaining part of the hackathon</a:t>
-            </a:r>
-            <a:endParaRPr/>
+            <a:endParaRPr lang="en-GB"/>
           </a:p>
           <a:p>
-            <a:pPr indent="0" lvl="0" marL="0" rtl="0" algn="l">
+            <a:pPr marL="0" lvl="0" indent="0" algn="l" rtl="0">
               <a:spcBef>
                 <a:spcPts val="1200"/>
               </a:spcBef>
@@ -6870,10 +6986,6 @@
               </a:spcAft>
               <a:buNone/>
             </a:pPr>
-            <a:r>
-              <a:t/>
-            </a:r>
-            <a:endParaRPr/>
           </a:p>
         </p:txBody>
       </p:sp>
@@ -6886,18 +6998,17 @@
 </file>
 
 <file path=ppt/slides/slide12.xml><?xml version="1.0" encoding="utf-8"?>
-<p:sld xmlns:a="http://schemas.openxmlformats.org/drawingml/2006/main" xmlns:r="http://schemas.openxmlformats.org/officeDocument/2006/relationships" xmlns:mc="http://schemas.openxmlformats.org/markup-compatibility/2006" xmlns:mv="urn:schemas-microsoft-com:mac:vml" xmlns:p="http://schemas.openxmlformats.org/presentationml/2006/main" xmlns:c="http://schemas.openxmlformats.org/drawingml/2006/chart" xmlns:dgm="http://schemas.openxmlformats.org/drawingml/2006/diagram" xmlns:o="urn:schemas-microsoft-com:office:office" xmlns:v="urn:schemas-microsoft-com:vml" xmlns:pvml="urn:schemas-microsoft-com:office:powerpoint" xmlns:com="http://schemas.openxmlformats.org/drawingml/2006/compatibility" xmlns:p14="http://schemas.microsoft.com/office/powerpoint/2010/main" xmlns:p15="http://schemas.microsoft.com/office/powerpoint/2012/main" xmlns:ahyp="http://schemas.microsoft.com/office/drawing/2018/hyperlinkcolor">
+<p:sld xmlns:a="http://schemas.openxmlformats.org/drawingml/2006/main" xmlns:r="http://schemas.openxmlformats.org/officeDocument/2006/relationships" xmlns:p="http://schemas.openxmlformats.org/presentationml/2006/main">
   <p:cSld>
     <p:bg>
       <p:bgPr>
         <a:blipFill>
-          <a:blip r:embed="rId3">
-            <a:alphaModFix/>
-          </a:blip>
+          <a:blip r:embed="rId1"/>
           <a:stretch>
             <a:fillRect/>
           </a:stretch>
         </a:blipFill>
+        <a:effectLst/>
       </p:bgPr>
     </p:bg>
     <p:spTree>
@@ -6934,12 +7045,12 @@
           </a:ln>
         </p:spPr>
         <p:txBody>
-          <a:bodyPr anchorCtr="0" anchor="t" bIns="91425" lIns="91425" spcFirstLastPara="1" rIns="91425" wrap="square" tIns="91425">
+          <a:bodyPr spcFirstLastPara="1" wrap="square" lIns="91425" tIns="91425" rIns="91425" bIns="91425" anchor="t" anchorCtr="0">
             <a:spAutoFit/>
           </a:bodyPr>
           <a:lstStyle/>
           <a:p>
-            <a:pPr indent="0" lvl="0" marL="0" rtl="0" algn="ctr">
+            <a:pPr marL="0" lvl="0" indent="0" algn="ctr" rtl="0">
               <a:spcBef>
                 <a:spcPts val="0"/>
               </a:spcBef>
@@ -6949,7 +7060,7 @@
               <a:buNone/>
             </a:pPr>
             <a:r>
-              <a:rPr b="1" lang="en" sz="4300">
+              <a:rPr lang="en-GB" sz="4300" b="1">
                 <a:solidFill>
                   <a:schemeClr val="dk1"/>
                 </a:solidFill>
@@ -6959,7 +7070,7 @@
               </a:rPr>
               <a:t>Thank you</a:t>
             </a:r>
-            <a:endParaRPr b="1" sz="2200">
+            <a:endParaRPr sz="2200" b="1">
               <a:highlight>
                 <a:srgbClr val="D1B4DA"/>
               </a:highlight>
@@ -6976,18 +7087,17 @@
 </file>
 
 <file path=ppt/slides/slide2.xml><?xml version="1.0" encoding="utf-8"?>
-<p:sld xmlns:a="http://schemas.openxmlformats.org/drawingml/2006/main" xmlns:r="http://schemas.openxmlformats.org/officeDocument/2006/relationships" xmlns:mc="http://schemas.openxmlformats.org/markup-compatibility/2006" xmlns:mv="urn:schemas-microsoft-com:mac:vml" xmlns:p="http://schemas.openxmlformats.org/presentationml/2006/main" xmlns:c="http://schemas.openxmlformats.org/drawingml/2006/chart" xmlns:dgm="http://schemas.openxmlformats.org/drawingml/2006/diagram" xmlns:o="urn:schemas-microsoft-com:office:office" xmlns:v="urn:schemas-microsoft-com:vml" xmlns:pvml="urn:schemas-microsoft-com:office:powerpoint" xmlns:com="http://schemas.openxmlformats.org/drawingml/2006/compatibility" xmlns:p14="http://schemas.microsoft.com/office/powerpoint/2010/main" xmlns:p15="http://schemas.microsoft.com/office/powerpoint/2012/main" xmlns:ahyp="http://schemas.microsoft.com/office/drawing/2018/hyperlinkcolor">
+<p:sld xmlns:a="http://schemas.openxmlformats.org/drawingml/2006/main" xmlns:r="http://schemas.openxmlformats.org/officeDocument/2006/relationships" xmlns:p="http://schemas.openxmlformats.org/presentationml/2006/main">
   <p:cSld>
     <p:bg>
       <p:bgPr>
         <a:blipFill>
-          <a:blip r:embed="rId3">
-            <a:alphaModFix/>
-          </a:blip>
+          <a:blip r:embed="rId1"/>
           <a:stretch>
             <a:fillRect/>
           </a:stretch>
         </a:blipFill>
+        <a:effectLst/>
       </p:bgPr>
     </p:bg>
     <p:spTree>
@@ -7009,7 +7119,7 @@
           <p:cNvPr id="59" name="Google Shape;59;p14"/>
           <p:cNvSpPr txBox="1"/>
           <p:nvPr>
-            <p:ph idx="1" type="body"/>
+            <p:ph type="body" idx="1"/>
           </p:nvPr>
         </p:nvSpPr>
         <p:spPr>
@@ -7022,12 +7132,12 @@
           </a:prstGeom>
         </p:spPr>
         <p:txBody>
-          <a:bodyPr anchorCtr="0" anchor="t" bIns="91425" lIns="91425" spcFirstLastPara="1" rIns="91425" wrap="square" tIns="91425">
+          <a:bodyPr spcFirstLastPara="1" wrap="square" lIns="91425" tIns="91425" rIns="91425" bIns="91425" anchor="t" anchorCtr="0">
             <a:normAutofit fontScale="25000" lnSpcReduction="20000"/>
           </a:bodyPr>
           <a:lstStyle/>
           <a:p>
-            <a:pPr indent="0" lvl="0" marL="0" rtl="0" algn="l">
+            <a:pPr marL="0" lvl="0" indent="0" algn="l" rtl="0">
               <a:spcBef>
                 <a:spcPts val="1200"/>
               </a:spcBef>
@@ -7037,28 +7147,12 @@
               <a:buNone/>
             </a:pPr>
             <a:r>
-              <a:rPr lang="en" sz="4800">
+              <a:rPr lang="en-GB" sz="4800">
                 <a:solidFill>
                   <a:schemeClr val="dk1"/>
                 </a:solidFill>
               </a:rPr>
-              <a:t>Description : *Note: This is just a description page about the </a:t>
-            </a:r>
-            <a:r>
-              <a:rPr lang="en" sz="4800">
-                <a:solidFill>
-                  <a:schemeClr val="dk1"/>
-                </a:solidFill>
-              </a:rPr>
-              <a:t>requirement</a:t>
-            </a:r>
-            <a:r>
-              <a:rPr lang="en" sz="4800">
-                <a:solidFill>
-                  <a:schemeClr val="dk1"/>
-                </a:solidFill>
-              </a:rPr>
-              <a:t> of demo video, it does not need to be included in the final PPT page, you can delete this page at any time. </a:t>
+              <a:t>Description : *Note: This is just a description page about the requirement of demo video, it does not need to be included in the final PPT page, you can delete this page at any time. </a:t>
             </a:r>
             <a:endParaRPr sz="4800">
               <a:solidFill>
@@ -7067,7 +7161,7 @@
             </a:endParaRPr>
           </a:p>
           <a:p>
-            <a:pPr indent="-304800" lvl="0" marL="457200" rtl="0" algn="l">
+            <a:pPr marL="457200" lvl="0" indent="-304800" algn="l" rtl="0">
               <a:spcBef>
                 <a:spcPts val="1200"/>
               </a:spcBef>
@@ -7081,7 +7175,7 @@
               <a:buChar char="●"/>
             </a:pPr>
             <a:r>
-              <a:rPr lang="en" sz="4800">
+              <a:rPr lang="en-GB" sz="4800">
                 <a:solidFill>
                   <a:schemeClr val="dk1"/>
                 </a:solidFill>
@@ -7095,7 +7189,7 @@
             </a:endParaRPr>
           </a:p>
           <a:p>
-            <a:pPr indent="-304800" lvl="1" marL="914400" rtl="0" algn="l">
+            <a:pPr marL="914400" lvl="1" indent="-304800" algn="l" rtl="0">
               <a:spcBef>
                 <a:spcPts val="0"/>
               </a:spcBef>
@@ -7109,7 +7203,7 @@
               <a:buChar char="○"/>
             </a:pPr>
             <a:r>
-              <a:rPr lang="en" sz="4800">
+              <a:rPr lang="en-GB" sz="4800">
                 <a:solidFill>
                   <a:schemeClr val="dk1"/>
                 </a:solidFill>
@@ -7123,7 +7217,7 @@
             </a:endParaRPr>
           </a:p>
           <a:p>
-            <a:pPr indent="-304800" lvl="2" marL="1371600" rtl="0" algn="l">
+            <a:pPr marL="1371600" lvl="2" indent="-304800" algn="l" rtl="0">
               <a:spcBef>
                 <a:spcPts val="0"/>
               </a:spcBef>
@@ -7137,7 +7231,7 @@
               <a:buChar char="■"/>
             </a:pPr>
             <a:r>
-              <a:rPr lang="en" sz="4800">
+              <a:rPr lang="en-GB" sz="4800">
                 <a:solidFill>
                   <a:schemeClr val="dk1"/>
                 </a:solidFill>
@@ -7151,7 +7245,7 @@
             </a:endParaRPr>
           </a:p>
           <a:p>
-            <a:pPr indent="-304800" lvl="2" marL="1371600" rtl="0" algn="l">
+            <a:pPr marL="1371600" lvl="2" indent="-304800" algn="l" rtl="0">
               <a:spcBef>
                 <a:spcPts val="0"/>
               </a:spcBef>
@@ -7165,7 +7259,7 @@
               <a:buChar char="■"/>
             </a:pPr>
             <a:r>
-              <a:rPr lang="en" sz="4800">
+              <a:rPr lang="en-GB" sz="4800">
                 <a:solidFill>
                   <a:schemeClr val="dk1"/>
                 </a:solidFill>
@@ -7179,7 +7273,7 @@
             </a:endParaRPr>
           </a:p>
           <a:p>
-            <a:pPr indent="-304800" lvl="1" marL="914400" rtl="0" algn="l">
+            <a:pPr marL="914400" lvl="1" indent="-304800" algn="l" rtl="0">
               <a:spcBef>
                 <a:spcPts val="0"/>
               </a:spcBef>
@@ -7193,7 +7287,7 @@
               <a:buChar char="○"/>
             </a:pPr>
             <a:r>
-              <a:rPr lang="en" sz="4800">
+              <a:rPr lang="en-GB" sz="4800">
                 <a:solidFill>
                   <a:schemeClr val="dk1"/>
                 </a:solidFill>
@@ -7207,7 +7301,7 @@
             </a:endParaRPr>
           </a:p>
           <a:p>
-            <a:pPr indent="-304800" lvl="1" marL="914400" rtl="0" algn="l">
+            <a:pPr marL="914400" lvl="1" indent="-304800" algn="l" rtl="0">
               <a:spcBef>
                 <a:spcPts val="0"/>
               </a:spcBef>
@@ -7221,7 +7315,7 @@
               <a:buChar char="○"/>
             </a:pPr>
             <a:r>
-              <a:rPr lang="en" sz="4800">
+              <a:rPr lang="en-GB" sz="4800">
                 <a:solidFill>
                   <a:schemeClr val="dk1"/>
                 </a:solidFill>
@@ -7235,7 +7329,7 @@
             </a:endParaRPr>
           </a:p>
           <a:p>
-            <a:pPr indent="-304800" lvl="2" marL="1371600" rtl="0" algn="l">
+            <a:pPr marL="1371600" lvl="2" indent="-304800" algn="l" rtl="0">
               <a:spcBef>
                 <a:spcPts val="0"/>
               </a:spcBef>
@@ -7249,7 +7343,7 @@
               <a:buChar char="■"/>
             </a:pPr>
             <a:r>
-              <a:rPr lang="en" sz="4800">
+              <a:rPr lang="en-GB" sz="4800">
                 <a:solidFill>
                   <a:schemeClr val="dk1"/>
                 </a:solidFill>
@@ -7263,7 +7357,7 @@
             </a:endParaRPr>
           </a:p>
           <a:p>
-            <a:pPr indent="-304800" lvl="2" marL="1371600" rtl="0" algn="l">
+            <a:pPr marL="1371600" lvl="2" indent="-304800" algn="l" rtl="0">
               <a:spcBef>
                 <a:spcPts val="0"/>
               </a:spcBef>
@@ -7277,7 +7371,7 @@
               <a:buChar char="■"/>
             </a:pPr>
             <a:r>
-              <a:rPr lang="en" sz="4800">
+              <a:rPr lang="en-GB" sz="4800">
                 <a:solidFill>
                   <a:schemeClr val="dk1"/>
                 </a:solidFill>
@@ -7291,7 +7385,7 @@
             </a:endParaRPr>
           </a:p>
           <a:p>
-            <a:pPr indent="-304800" lvl="2" marL="1371600" rtl="0" algn="l">
+            <a:pPr marL="1371600" lvl="2" indent="-304800" algn="l" rtl="0">
               <a:spcBef>
                 <a:spcPts val="0"/>
               </a:spcBef>
@@ -7305,7 +7399,7 @@
               <a:buChar char="■"/>
             </a:pPr>
             <a:r>
-              <a:rPr lang="en" sz="4800">
+              <a:rPr lang="en-GB" sz="4800">
                 <a:solidFill>
                   <a:schemeClr val="dk1"/>
                 </a:solidFill>
@@ -7319,7 +7413,7 @@
             </a:endParaRPr>
           </a:p>
           <a:p>
-            <a:pPr indent="-304800" lvl="2" marL="1371600" rtl="0" algn="l">
+            <a:pPr marL="1371600" lvl="2" indent="-304800" algn="l" rtl="0">
               <a:spcBef>
                 <a:spcPts val="0"/>
               </a:spcBef>
@@ -7333,7 +7427,7 @@
               <a:buChar char="■"/>
             </a:pPr>
             <a:r>
-              <a:rPr lang="en" sz="4800">
+              <a:rPr lang="en-GB" sz="4800">
                 <a:solidFill>
                   <a:schemeClr val="dk1"/>
                 </a:solidFill>
@@ -7347,7 +7441,7 @@
             </a:endParaRPr>
           </a:p>
           <a:p>
-            <a:pPr indent="-304800" lvl="2" marL="1371600" rtl="0" algn="l">
+            <a:pPr marL="1371600" lvl="2" indent="-304800" algn="l" rtl="0">
               <a:spcBef>
                 <a:spcPts val="0"/>
               </a:spcBef>
@@ -7361,7 +7455,7 @@
               <a:buChar char="■"/>
             </a:pPr>
             <a:r>
-              <a:rPr lang="en" sz="4800">
+              <a:rPr lang="en-GB" sz="4800">
                 <a:solidFill>
                   <a:schemeClr val="dk1"/>
                 </a:solidFill>
@@ -7375,7 +7469,7 @@
             </a:endParaRPr>
           </a:p>
           <a:p>
-            <a:pPr indent="0" lvl="0" marL="0" rtl="0" algn="l">
+            <a:pPr marL="0" lvl="0" indent="0" algn="l" rtl="0">
               <a:spcBef>
                 <a:spcPts val="1200"/>
               </a:spcBef>
@@ -7384,13 +7478,10 @@
               </a:spcAft>
               <a:buNone/>
             </a:pPr>
-            <a:r>
-              <a:t/>
-            </a:r>
             <a:endParaRPr sz="3500"/>
           </a:p>
           <a:p>
-            <a:pPr indent="0" lvl="0" marL="0" rtl="0" algn="l">
+            <a:pPr marL="0" lvl="0" indent="0" algn="l" rtl="0">
               <a:spcBef>
                 <a:spcPts val="1200"/>
               </a:spcBef>
@@ -7399,10 +7490,6 @@
               </a:spcAft>
               <a:buNone/>
             </a:pPr>
-            <a:r>
-              <a:t/>
-            </a:r>
-            <a:endParaRPr/>
           </a:p>
         </p:txBody>
       </p:sp>
@@ -7415,18 +7502,17 @@
 </file>
 
 <file path=ppt/slides/slide3.xml><?xml version="1.0" encoding="utf-8"?>
-<p:sld xmlns:a="http://schemas.openxmlformats.org/drawingml/2006/main" xmlns:r="http://schemas.openxmlformats.org/officeDocument/2006/relationships" xmlns:mc="http://schemas.openxmlformats.org/markup-compatibility/2006" xmlns:mv="urn:schemas-microsoft-com:mac:vml" xmlns:p="http://schemas.openxmlformats.org/presentationml/2006/main" xmlns:c="http://schemas.openxmlformats.org/drawingml/2006/chart" xmlns:dgm="http://schemas.openxmlformats.org/drawingml/2006/diagram" xmlns:o="urn:schemas-microsoft-com:office:office" xmlns:v="urn:schemas-microsoft-com:vml" xmlns:pvml="urn:schemas-microsoft-com:office:powerpoint" xmlns:com="http://schemas.openxmlformats.org/drawingml/2006/compatibility" xmlns:p14="http://schemas.microsoft.com/office/powerpoint/2010/main" xmlns:p15="http://schemas.microsoft.com/office/powerpoint/2012/main" xmlns:ahyp="http://schemas.microsoft.com/office/drawing/2018/hyperlinkcolor">
+<p:sld xmlns:a="http://schemas.openxmlformats.org/drawingml/2006/main" xmlns:r="http://schemas.openxmlformats.org/officeDocument/2006/relationships" xmlns:p="http://schemas.openxmlformats.org/presentationml/2006/main">
   <p:cSld>
     <p:bg>
       <p:bgPr>
         <a:blipFill>
-          <a:blip r:embed="rId3">
-            <a:alphaModFix/>
-          </a:blip>
+          <a:blip r:embed="rId1"/>
           <a:stretch>
             <a:fillRect/>
           </a:stretch>
         </a:blipFill>
+        <a:effectLst/>
       </p:bgPr>
     </p:bg>
     <p:spTree>
@@ -7448,7 +7534,7 @@
           <p:cNvPr id="64" name="Google Shape;64;p15"/>
           <p:cNvSpPr txBox="1"/>
           <p:nvPr>
-            <p:ph idx="1" type="body"/>
+            <p:ph type="body" idx="1"/>
           </p:nvPr>
         </p:nvSpPr>
         <p:spPr>
@@ -7460,7 +7546,7 @@
             <a:avLst/>
           </a:prstGeom>
           <a:effectLst>
-            <a:outerShdw blurRad="157163" rotWithShape="0" algn="bl" dir="5400000" dist="314325">
+            <a:outerShdw blurRad="157163" dist="314325" dir="5400000" algn="bl" rotWithShape="0">
               <a:srgbClr val="04D6F9">
                 <a:alpha val="50000"/>
               </a:srgbClr>
@@ -7468,12 +7554,12 @@
           </a:effectLst>
         </p:spPr>
         <p:txBody>
-          <a:bodyPr anchorCtr="0" anchor="t" bIns="91425" lIns="91425" spcFirstLastPara="1" rIns="91425" wrap="square" tIns="91425">
+          <a:bodyPr spcFirstLastPara="1" wrap="square" lIns="91425" tIns="91425" rIns="91425" bIns="91425" anchor="t" anchorCtr="0">
             <a:noAutofit/>
           </a:bodyPr>
           <a:lstStyle/>
           <a:p>
-            <a:pPr indent="0" lvl="0" marL="457200" rtl="0" algn="ctr">
+            <a:pPr marL="457200" lvl="0" indent="0" algn="ctr" rtl="0">
               <a:spcBef>
                 <a:spcPts val="1200"/>
               </a:spcBef>
@@ -7483,7 +7569,7 @@
               <a:buNone/>
             </a:pPr>
             <a:r>
-              <a:rPr lang="en" sz="4800">
+              <a:rPr lang="en-GB" sz="4800">
                 <a:solidFill>
                   <a:srgbClr val="FFFFFF"/>
                 </a:solidFill>
@@ -7497,7 +7583,7 @@
             </a:endParaRPr>
           </a:p>
           <a:p>
-            <a:pPr indent="0" lvl="0" marL="0" rtl="0" algn="ctr">
+            <a:pPr marL="0" lvl="0" indent="0" algn="ctr" rtl="0">
               <a:spcBef>
                 <a:spcPts val="1200"/>
               </a:spcBef>
@@ -7506,9 +7592,6 @@
               </a:spcAft>
               <a:buNone/>
             </a:pPr>
-            <a:r>
-              <a:t/>
-            </a:r>
             <a:endParaRPr sz="4800">
               <a:solidFill>
                 <a:srgbClr val="FFFFFF"/>
@@ -7526,18 +7609,17 @@
 </file>
 
 <file path=ppt/slides/slide4.xml><?xml version="1.0" encoding="utf-8"?>
-<p:sld xmlns:a="http://schemas.openxmlformats.org/drawingml/2006/main" xmlns:r="http://schemas.openxmlformats.org/officeDocument/2006/relationships" xmlns:mc="http://schemas.openxmlformats.org/markup-compatibility/2006" xmlns:mv="urn:schemas-microsoft-com:mac:vml" xmlns:p="http://schemas.openxmlformats.org/presentationml/2006/main" xmlns:c="http://schemas.openxmlformats.org/drawingml/2006/chart" xmlns:dgm="http://schemas.openxmlformats.org/drawingml/2006/diagram" xmlns:o="urn:schemas-microsoft-com:office:office" xmlns:v="urn:schemas-microsoft-com:vml" xmlns:pvml="urn:schemas-microsoft-com:office:powerpoint" xmlns:com="http://schemas.openxmlformats.org/drawingml/2006/compatibility" xmlns:p14="http://schemas.microsoft.com/office/powerpoint/2010/main" xmlns:p15="http://schemas.microsoft.com/office/powerpoint/2012/main" xmlns:ahyp="http://schemas.microsoft.com/office/drawing/2018/hyperlinkcolor">
+<p:sld xmlns:a="http://schemas.openxmlformats.org/drawingml/2006/main" xmlns:r="http://schemas.openxmlformats.org/officeDocument/2006/relationships" xmlns:p="http://schemas.openxmlformats.org/presentationml/2006/main">
   <p:cSld>
     <p:bg>
       <p:bgPr>
         <a:blipFill>
-          <a:blip r:embed="rId3">
-            <a:alphaModFix/>
-          </a:blip>
+          <a:blip r:embed="rId1"/>
           <a:stretch>
             <a:fillRect/>
           </a:stretch>
         </a:blipFill>
+        <a:effectLst/>
       </p:bgPr>
     </p:bg>
     <p:spTree>
@@ -7559,7 +7641,7 @@
           <p:cNvPr id="69" name="Google Shape;69;p16"/>
           <p:cNvSpPr txBox="1"/>
           <p:nvPr>
-            <p:ph idx="1" type="body"/>
+            <p:ph type="body" idx="1"/>
           </p:nvPr>
         </p:nvSpPr>
         <p:spPr>
@@ -7572,12 +7654,12 @@
           </a:prstGeom>
         </p:spPr>
         <p:txBody>
-          <a:bodyPr anchorCtr="0" anchor="t" bIns="91425" lIns="91425" spcFirstLastPara="1" rIns="91425" wrap="square" tIns="91425">
+          <a:bodyPr spcFirstLastPara="1" wrap="square" lIns="91425" tIns="91425" rIns="91425" bIns="91425" anchor="t" anchorCtr="0">
             <a:normAutofit/>
           </a:bodyPr>
           <a:lstStyle/>
           <a:p>
-            <a:pPr indent="0" lvl="0" marL="0" rtl="0" algn="l">
+            <a:pPr marL="0" lvl="0" indent="0" algn="l" rtl="0">
               <a:spcBef>
                 <a:spcPts val="1200"/>
               </a:spcBef>
@@ -7587,13 +7669,13 @@
               <a:buNone/>
             </a:pPr>
             <a:r>
-              <a:rPr lang="en"/>
+              <a:rPr lang="en-GB"/>
               <a:t>Click to add your team name &amp; team introduction</a:t>
             </a:r>
-            <a:endParaRPr/>
+            <a:endParaRPr lang="en-GB"/>
           </a:p>
           <a:p>
-            <a:pPr indent="0" lvl="0" marL="0" rtl="0" algn="l">
+            <a:pPr marL="0" lvl="0" indent="0" algn="l" rtl="0">
               <a:spcBef>
                 <a:spcPts val="1200"/>
               </a:spcBef>
@@ -7602,10 +7684,6 @@
               </a:spcAft>
               <a:buNone/>
             </a:pPr>
-            <a:r>
-              <a:t/>
-            </a:r>
-            <a:endParaRPr/>
           </a:p>
         </p:txBody>
       </p:sp>
@@ -7618,18 +7696,17 @@
 </file>
 
 <file path=ppt/slides/slide5.xml><?xml version="1.0" encoding="utf-8"?>
-<p:sld xmlns:a="http://schemas.openxmlformats.org/drawingml/2006/main" xmlns:r="http://schemas.openxmlformats.org/officeDocument/2006/relationships" xmlns:mc="http://schemas.openxmlformats.org/markup-compatibility/2006" xmlns:mv="urn:schemas-microsoft-com:mac:vml" xmlns:p="http://schemas.openxmlformats.org/presentationml/2006/main" xmlns:c="http://schemas.openxmlformats.org/drawingml/2006/chart" xmlns:dgm="http://schemas.openxmlformats.org/drawingml/2006/diagram" xmlns:o="urn:schemas-microsoft-com:office:office" xmlns:v="urn:schemas-microsoft-com:vml" xmlns:pvml="urn:schemas-microsoft-com:office:powerpoint" xmlns:com="http://schemas.openxmlformats.org/drawingml/2006/compatibility" xmlns:p14="http://schemas.microsoft.com/office/powerpoint/2010/main" xmlns:p15="http://schemas.microsoft.com/office/powerpoint/2012/main" xmlns:ahyp="http://schemas.microsoft.com/office/drawing/2018/hyperlinkcolor">
+<p:sld xmlns:a="http://schemas.openxmlformats.org/drawingml/2006/main" xmlns:r="http://schemas.openxmlformats.org/officeDocument/2006/relationships" xmlns:p="http://schemas.openxmlformats.org/presentationml/2006/main">
   <p:cSld>
     <p:bg>
       <p:bgPr>
         <a:blipFill>
-          <a:blip r:embed="rId3">
-            <a:alphaModFix/>
-          </a:blip>
+          <a:blip r:embed="rId1"/>
           <a:stretch>
             <a:fillRect/>
           </a:stretch>
         </a:blipFill>
+        <a:effectLst/>
       </p:bgPr>
     </p:bg>
     <p:spTree>
@@ -7651,7 +7728,7 @@
           <p:cNvPr id="74" name="Google Shape;74;p17"/>
           <p:cNvSpPr txBox="1"/>
           <p:nvPr>
-            <p:ph idx="1" type="body"/>
+            <p:ph type="body" idx="1"/>
           </p:nvPr>
         </p:nvSpPr>
         <p:spPr>
@@ -7663,7 +7740,7 @@
             <a:avLst/>
           </a:prstGeom>
           <a:effectLst>
-            <a:outerShdw blurRad="142875" rotWithShape="0" algn="bl" dir="5400000" dist="304800">
+            <a:outerShdw blurRad="142875" dist="304800" dir="5400000" algn="bl" rotWithShape="0">
               <a:srgbClr val="04D6F9">
                 <a:alpha val="50000"/>
               </a:srgbClr>
@@ -7671,12 +7748,12 @@
           </a:effectLst>
         </p:spPr>
         <p:txBody>
-          <a:bodyPr anchorCtr="0" anchor="t" bIns="91425" lIns="91425" spcFirstLastPara="1" rIns="91425" wrap="square" tIns="91425">
+          <a:bodyPr spcFirstLastPara="1" wrap="square" lIns="91425" tIns="91425" rIns="91425" bIns="91425" anchor="t" anchorCtr="0">
             <a:noAutofit/>
           </a:bodyPr>
           <a:lstStyle/>
           <a:p>
-            <a:pPr indent="-298450" lvl="0" marL="457200" rtl="0" algn="ctr">
+            <a:pPr marL="457200" lvl="0" indent="-298450" algn="ctr" rtl="0">
               <a:spcBef>
                 <a:spcPts val="1200"/>
               </a:spcBef>
@@ -7690,7 +7767,7 @@
               <a:buChar char="●"/>
             </a:pPr>
             <a:r>
-              <a:rPr lang="en" sz="4800">
+              <a:rPr lang="en-GB" sz="4800">
                 <a:solidFill>
                   <a:srgbClr val="FFFFFF"/>
                 </a:solidFill>
@@ -7704,7 +7781,7 @@
             </a:endParaRPr>
           </a:p>
           <a:p>
-            <a:pPr indent="0" lvl="0" marL="0" rtl="0" algn="ctr">
+            <a:pPr marL="0" lvl="0" indent="0" algn="ctr" rtl="0">
               <a:spcBef>
                 <a:spcPts val="1200"/>
               </a:spcBef>
@@ -7713,9 +7790,6 @@
               </a:spcAft>
               <a:buNone/>
             </a:pPr>
-            <a:r>
-              <a:t/>
-            </a:r>
             <a:endParaRPr sz="4800">
               <a:solidFill>
                 <a:srgbClr val="FFFFFF"/>
@@ -7723,7 +7797,7 @@
             </a:endParaRPr>
           </a:p>
           <a:p>
-            <a:pPr indent="0" lvl="0" marL="0" rtl="0" algn="ctr">
+            <a:pPr marL="0" lvl="0" indent="0" algn="ctr" rtl="0">
               <a:spcBef>
                 <a:spcPts val="1200"/>
               </a:spcBef>
@@ -7732,9 +7806,6 @@
               </a:spcAft>
               <a:buNone/>
             </a:pPr>
-            <a:r>
-              <a:t/>
-            </a:r>
             <a:endParaRPr sz="4800">
               <a:solidFill>
                 <a:srgbClr val="FFFFFF"/>
@@ -7752,18 +7823,17 @@
 </file>
 
 <file path=ppt/slides/slide6.xml><?xml version="1.0" encoding="utf-8"?>
-<p:sld xmlns:a="http://schemas.openxmlformats.org/drawingml/2006/main" xmlns:r="http://schemas.openxmlformats.org/officeDocument/2006/relationships" xmlns:mc="http://schemas.openxmlformats.org/markup-compatibility/2006" xmlns:mv="urn:schemas-microsoft-com:mac:vml" xmlns:p="http://schemas.openxmlformats.org/presentationml/2006/main" xmlns:c="http://schemas.openxmlformats.org/drawingml/2006/chart" xmlns:dgm="http://schemas.openxmlformats.org/drawingml/2006/diagram" xmlns:o="urn:schemas-microsoft-com:office:office" xmlns:v="urn:schemas-microsoft-com:vml" xmlns:pvml="urn:schemas-microsoft-com:office:powerpoint" xmlns:com="http://schemas.openxmlformats.org/drawingml/2006/compatibility" xmlns:p14="http://schemas.microsoft.com/office/powerpoint/2010/main" xmlns:p15="http://schemas.microsoft.com/office/powerpoint/2012/main" xmlns:ahyp="http://schemas.microsoft.com/office/drawing/2018/hyperlinkcolor">
+<p:sld xmlns:a="http://schemas.openxmlformats.org/drawingml/2006/main" xmlns:r="http://schemas.openxmlformats.org/officeDocument/2006/relationships" xmlns:p="http://schemas.openxmlformats.org/presentationml/2006/main">
   <p:cSld>
     <p:bg>
       <p:bgPr>
         <a:blipFill>
-          <a:blip r:embed="rId3">
-            <a:alphaModFix/>
-          </a:blip>
+          <a:blip r:embed="rId1"/>
           <a:stretch>
             <a:fillRect/>
           </a:stretch>
         </a:blipFill>
+        <a:effectLst/>
       </p:bgPr>
     </p:bg>
     <p:spTree>
@@ -7785,7 +7855,7 @@
           <p:cNvPr id="79" name="Google Shape;79;p18"/>
           <p:cNvSpPr txBox="1"/>
           <p:nvPr>
-            <p:ph idx="1" type="body"/>
+            <p:ph type="body" idx="1"/>
           </p:nvPr>
         </p:nvSpPr>
         <p:spPr>
@@ -7798,12 +7868,12 @@
           </a:prstGeom>
         </p:spPr>
         <p:txBody>
-          <a:bodyPr anchorCtr="0" anchor="t" bIns="91425" lIns="91425" spcFirstLastPara="1" rIns="91425" wrap="square" tIns="91425">
+          <a:bodyPr spcFirstLastPara="1" wrap="square" lIns="91425" tIns="91425" rIns="91425" bIns="91425" anchor="t" anchorCtr="0">
             <a:normAutofit/>
           </a:bodyPr>
           <a:lstStyle/>
           <a:p>
-            <a:pPr indent="0" lvl="0" marL="0" rtl="0" algn="l">
+            <a:pPr marL="0" lvl="0" indent="0" algn="l" rtl="0">
               <a:spcBef>
                 <a:spcPts val="1200"/>
               </a:spcBef>
@@ -7813,13 +7883,13 @@
               <a:buNone/>
             </a:pPr>
             <a:r>
-              <a:rPr lang="en"/>
+              <a:rPr lang="en-GB"/>
               <a:t>Click to add your project introduction</a:t>
             </a:r>
-            <a:endParaRPr/>
+            <a:endParaRPr lang="en-GB"/>
           </a:p>
           <a:p>
-            <a:pPr indent="-342900" lvl="0" marL="457200" rtl="0" algn="l">
+            <a:pPr marL="457200" lvl="0" indent="-342900" algn="l" rtl="0">
               <a:spcBef>
                 <a:spcPts val="1200"/>
               </a:spcBef>
@@ -7830,13 +7900,13 @@
               <a:buChar char="-"/>
             </a:pPr>
             <a:r>
-              <a:rPr lang="en"/>
+              <a:rPr lang="en-GB"/>
               <a:t>Target audience</a:t>
             </a:r>
-            <a:endParaRPr/>
+            <a:endParaRPr lang="en-GB"/>
           </a:p>
           <a:p>
-            <a:pPr indent="-342900" lvl="0" marL="457200" rtl="0" algn="l">
+            <a:pPr marL="457200" lvl="0" indent="-342900" algn="l" rtl="0">
               <a:spcBef>
                 <a:spcPts val="0"/>
               </a:spcBef>
@@ -7847,13 +7917,13 @@
               <a:buChar char="-"/>
             </a:pPr>
             <a:r>
-              <a:rPr lang="en"/>
+              <a:rPr lang="en-GB"/>
               <a:t>What problem are you solving or what user needs are you addressing?</a:t>
             </a:r>
-            <a:endParaRPr/>
+            <a:endParaRPr lang="en-GB"/>
           </a:p>
           <a:p>
-            <a:pPr indent="-342900" lvl="0" marL="457200" rtl="0" algn="l">
+            <a:pPr marL="457200" lvl="0" indent="-342900" algn="l" rtl="0">
               <a:spcBef>
                 <a:spcPts val="0"/>
               </a:spcBef>
@@ -7864,13 +7934,13 @@
               <a:buChar char="-"/>
             </a:pPr>
             <a:r>
-              <a:rPr lang="en"/>
+              <a:rPr lang="en-GB"/>
               <a:t>How are you addressing the problem/need from the user's perspective?</a:t>
             </a:r>
-            <a:endParaRPr/>
+            <a:endParaRPr lang="en-GB"/>
           </a:p>
           <a:p>
-            <a:pPr indent="0" lvl="0" marL="0" rtl="0" algn="l">
+            <a:pPr marL="0" lvl="0" indent="0" algn="l" rtl="0">
               <a:spcBef>
                 <a:spcPts val="1200"/>
               </a:spcBef>
@@ -7879,10 +7949,6 @@
               </a:spcAft>
               <a:buNone/>
             </a:pPr>
-            <a:r>
-              <a:t/>
-            </a:r>
-            <a:endParaRPr/>
           </a:p>
         </p:txBody>
       </p:sp>
@@ -7895,18 +7961,17 @@
 </file>
 
 <file path=ppt/slides/slide7.xml><?xml version="1.0" encoding="utf-8"?>
-<p:sld xmlns:a="http://schemas.openxmlformats.org/drawingml/2006/main" xmlns:r="http://schemas.openxmlformats.org/officeDocument/2006/relationships" xmlns:mc="http://schemas.openxmlformats.org/markup-compatibility/2006" xmlns:mv="urn:schemas-microsoft-com:mac:vml" xmlns:p="http://schemas.openxmlformats.org/presentationml/2006/main" xmlns:c="http://schemas.openxmlformats.org/drawingml/2006/chart" xmlns:dgm="http://schemas.openxmlformats.org/drawingml/2006/diagram" xmlns:o="urn:schemas-microsoft-com:office:office" xmlns:v="urn:schemas-microsoft-com:vml" xmlns:pvml="urn:schemas-microsoft-com:office:powerpoint" xmlns:com="http://schemas.openxmlformats.org/drawingml/2006/compatibility" xmlns:p14="http://schemas.microsoft.com/office/powerpoint/2010/main" xmlns:p15="http://schemas.microsoft.com/office/powerpoint/2012/main" xmlns:ahyp="http://schemas.microsoft.com/office/drawing/2018/hyperlinkcolor">
+<p:sld xmlns:a="http://schemas.openxmlformats.org/drawingml/2006/main" xmlns:r="http://schemas.openxmlformats.org/officeDocument/2006/relationships" xmlns:p="http://schemas.openxmlformats.org/presentationml/2006/main">
   <p:cSld>
     <p:bg>
       <p:bgPr>
         <a:blipFill>
-          <a:blip r:embed="rId3">
-            <a:alphaModFix/>
-          </a:blip>
+          <a:blip r:embed="rId1"/>
           <a:stretch>
             <a:fillRect/>
           </a:stretch>
         </a:blipFill>
+        <a:effectLst/>
       </p:bgPr>
     </p:bg>
     <p:spTree>
@@ -7928,7 +7993,7 @@
           <p:cNvPr id="84" name="Google Shape;84;p19"/>
           <p:cNvSpPr txBox="1"/>
           <p:nvPr>
-            <p:ph idx="1" type="body"/>
+            <p:ph type="body" idx="1"/>
           </p:nvPr>
         </p:nvSpPr>
         <p:spPr>
@@ -7940,7 +8005,7 @@
             <a:avLst/>
           </a:prstGeom>
           <a:effectLst>
-            <a:outerShdw blurRad="200025" rotWithShape="0" algn="bl" dir="5400000" dist="390525">
+            <a:outerShdw blurRad="200025" dist="390525" dir="5400000" algn="bl" rotWithShape="0">
               <a:srgbClr val="04D6F9">
                 <a:alpha val="50000"/>
               </a:srgbClr>
@@ -7948,12 +8013,12 @@
           </a:effectLst>
         </p:spPr>
         <p:txBody>
-          <a:bodyPr anchorCtr="0" anchor="t" bIns="91425" lIns="91425" spcFirstLastPara="1" rIns="91425" wrap="square" tIns="91425">
+          <a:bodyPr spcFirstLastPara="1" wrap="square" lIns="91425" tIns="91425" rIns="91425" bIns="91425" anchor="t" anchorCtr="0">
             <a:noAutofit/>
           </a:bodyPr>
           <a:lstStyle/>
           <a:p>
-            <a:pPr indent="-298450" lvl="0" marL="457200" rtl="0" algn="ctr">
+            <a:pPr marL="457200" lvl="0" indent="-298450" algn="ctr" rtl="0">
               <a:spcBef>
                 <a:spcPts val="1200"/>
               </a:spcBef>
@@ -7967,7 +8032,7 @@
               <a:buChar char="●"/>
             </a:pPr>
             <a:r>
-              <a:rPr lang="en" sz="4800">
+              <a:rPr lang="en-GB" sz="4800">
                 <a:solidFill>
                   <a:srgbClr val="FFFFFF"/>
                 </a:solidFill>
@@ -7981,7 +8046,7 @@
             </a:endParaRPr>
           </a:p>
           <a:p>
-            <a:pPr indent="0" lvl="0" marL="0" rtl="0" algn="ctr">
+            <a:pPr marL="0" lvl="0" indent="0" algn="ctr" rtl="0">
               <a:spcBef>
                 <a:spcPts val="1200"/>
               </a:spcBef>
@@ -7990,9 +8055,6 @@
               </a:spcAft>
               <a:buNone/>
             </a:pPr>
-            <a:r>
-              <a:t/>
-            </a:r>
             <a:endParaRPr sz="4800">
               <a:solidFill>
                 <a:srgbClr val="FFFFFF"/>
@@ -8000,7 +8062,7 @@
             </a:endParaRPr>
           </a:p>
           <a:p>
-            <a:pPr indent="0" lvl="0" marL="0" rtl="0" algn="ctr">
+            <a:pPr marL="0" lvl="0" indent="0" algn="ctr" rtl="0">
               <a:spcBef>
                 <a:spcPts val="1200"/>
               </a:spcBef>
@@ -8009,9 +8071,6 @@
               </a:spcAft>
               <a:buNone/>
             </a:pPr>
-            <a:r>
-              <a:t/>
-            </a:r>
             <a:endParaRPr sz="4800">
               <a:solidFill>
                 <a:srgbClr val="FFFFFF"/>
@@ -8029,18 +8088,17 @@
 </file>
 
 <file path=ppt/slides/slide8.xml><?xml version="1.0" encoding="utf-8"?>
-<p:sld xmlns:a="http://schemas.openxmlformats.org/drawingml/2006/main" xmlns:r="http://schemas.openxmlformats.org/officeDocument/2006/relationships" xmlns:mc="http://schemas.openxmlformats.org/markup-compatibility/2006" xmlns:mv="urn:schemas-microsoft-com:mac:vml" xmlns:p="http://schemas.openxmlformats.org/presentationml/2006/main" xmlns:c="http://schemas.openxmlformats.org/drawingml/2006/chart" xmlns:dgm="http://schemas.openxmlformats.org/drawingml/2006/diagram" xmlns:o="urn:schemas-microsoft-com:office:office" xmlns:v="urn:schemas-microsoft-com:vml" xmlns:pvml="urn:schemas-microsoft-com:office:powerpoint" xmlns:com="http://schemas.openxmlformats.org/drawingml/2006/compatibility" xmlns:p14="http://schemas.microsoft.com/office/powerpoint/2010/main" xmlns:p15="http://schemas.microsoft.com/office/powerpoint/2012/main" xmlns:ahyp="http://schemas.microsoft.com/office/drawing/2018/hyperlinkcolor">
+<p:sld xmlns:a="http://schemas.openxmlformats.org/drawingml/2006/main" xmlns:r="http://schemas.openxmlformats.org/officeDocument/2006/relationships" xmlns:p="http://schemas.openxmlformats.org/presentationml/2006/main">
   <p:cSld>
     <p:bg>
       <p:bgPr>
         <a:blipFill>
-          <a:blip r:embed="rId3">
-            <a:alphaModFix/>
-          </a:blip>
+          <a:blip r:embed="rId1"/>
           <a:stretch>
             <a:fillRect/>
           </a:stretch>
         </a:blipFill>
+        <a:effectLst/>
       </p:bgPr>
     </p:bg>
     <p:spTree>
@@ -8062,7 +8120,7 @@
           <p:cNvPr id="89" name="Google Shape;89;p20"/>
           <p:cNvSpPr txBox="1"/>
           <p:nvPr>
-            <p:ph idx="1" type="body"/>
+            <p:ph type="body" idx="1"/>
           </p:nvPr>
         </p:nvSpPr>
         <p:spPr>
@@ -8075,12 +8133,12 @@
           </a:prstGeom>
         </p:spPr>
         <p:txBody>
-          <a:bodyPr anchorCtr="0" anchor="t" bIns="91425" lIns="91425" spcFirstLastPara="1" rIns="91425" wrap="square" tIns="91425">
+          <a:bodyPr spcFirstLastPara="1" wrap="square" lIns="91425" tIns="91425" rIns="91425" bIns="91425" anchor="t" anchorCtr="0">
             <a:normAutofit/>
           </a:bodyPr>
           <a:lstStyle/>
           <a:p>
-            <a:pPr indent="0" lvl="0" marL="0" rtl="0" algn="l">
+            <a:pPr marL="0" lvl="0" indent="0" algn="l" rtl="0">
               <a:spcBef>
                 <a:spcPts val="1200"/>
               </a:spcBef>
@@ -8090,17 +8148,13 @@
               <a:buNone/>
             </a:pPr>
             <a:r>
-              <a:rPr lang="en"/>
-              <a:t>Click to add your a</a:t>
+              <a:rPr lang="en-GB"/>
+              <a:t>Click to add your application demo: </a:t>
             </a:r>
-            <a:r>
-              <a:rPr lang="en"/>
-              <a:t>pplication demo: </a:t>
-            </a:r>
-            <a:endParaRPr/>
+            <a:endParaRPr lang="en-GB"/>
           </a:p>
           <a:p>
-            <a:pPr indent="-342900" lvl="0" marL="457200" rtl="0" algn="l">
+            <a:pPr marL="457200" lvl="0" indent="-342900" algn="l" rtl="0">
               <a:spcBef>
                 <a:spcPts val="1200"/>
               </a:spcBef>
@@ -8111,13 +8165,13 @@
               <a:buChar char="-"/>
             </a:pPr>
             <a:r>
-              <a:rPr lang="en"/>
+              <a:rPr lang="en-GB"/>
               <a:t>How did you integrate TiDB Cloud serverless into your project?</a:t>
             </a:r>
-            <a:endParaRPr/>
+            <a:endParaRPr lang="en-GB"/>
           </a:p>
           <a:p>
-            <a:pPr indent="-342900" lvl="0" marL="457200" rtl="0" algn="l">
+            <a:pPr marL="457200" lvl="0" indent="-342900" algn="l" rtl="0">
               <a:spcBef>
                 <a:spcPts val="0"/>
               </a:spcBef>
@@ -8128,13 +8182,13 @@
               <a:buChar char="-"/>
             </a:pPr>
             <a:r>
-              <a:rPr lang="en"/>
+              <a:rPr lang="en-GB"/>
               <a:t>Demonstration of application features and user flows</a:t>
             </a:r>
-            <a:endParaRPr/>
+            <a:endParaRPr lang="en-GB"/>
           </a:p>
           <a:p>
-            <a:pPr indent="-342900" lvl="0" marL="457200" rtl="0" algn="l">
+            <a:pPr marL="457200" lvl="0" indent="-342900" algn="l" rtl="0">
               <a:spcBef>
                 <a:spcPts val="0"/>
               </a:spcBef>
@@ -8145,13 +8199,13 @@
               <a:buChar char="-"/>
             </a:pPr>
             <a:r>
-              <a:rPr lang="en"/>
+              <a:rPr lang="en-GB"/>
               <a:t>Brief overview of your technology</a:t>
             </a:r>
-            <a:endParaRPr/>
+            <a:endParaRPr lang="en-GB"/>
           </a:p>
           <a:p>
-            <a:pPr indent="-342900" lvl="0" marL="457200" rtl="0" algn="l">
+            <a:pPr marL="457200" lvl="0" indent="-342900" algn="l" rtl="0">
               <a:spcBef>
                 <a:spcPts val="0"/>
               </a:spcBef>
@@ -8162,13 +8216,13 @@
               <a:buChar char="-"/>
             </a:pPr>
             <a:r>
-              <a:rPr lang="en"/>
+              <a:rPr lang="en-GB"/>
               <a:t>From a technical standpoint, how did you solve key problems?</a:t>
             </a:r>
-            <a:endParaRPr/>
+            <a:endParaRPr lang="en-GB"/>
           </a:p>
           <a:p>
-            <a:pPr indent="-342900" lvl="0" marL="457200" rtl="0" algn="l">
+            <a:pPr marL="457200" lvl="0" indent="-342900" algn="l" rtl="0">
               <a:spcBef>
                 <a:spcPts val="0"/>
               </a:spcBef>
@@ -8179,13 +8233,13 @@
               <a:buChar char="-"/>
             </a:pPr>
             <a:r>
-              <a:rPr lang="en"/>
+              <a:rPr lang="en-GB"/>
               <a:t>What unique features have you built into the application?</a:t>
             </a:r>
-            <a:endParaRPr/>
+            <a:endParaRPr lang="en-GB"/>
           </a:p>
           <a:p>
-            <a:pPr indent="-342900" lvl="0" marL="457200" rtl="0" algn="l">
+            <a:pPr marL="457200" lvl="0" indent="-342900" algn="l" rtl="0">
               <a:spcBef>
                 <a:spcPts val="0"/>
               </a:spcBef>
@@ -8196,13 +8250,13 @@
               <a:buChar char="-"/>
             </a:pPr>
             <a:r>
-              <a:rPr lang="en"/>
+              <a:rPr lang="en-GB"/>
               <a:t>What are the main product qualities or achievements you want to highlight?</a:t>
             </a:r>
-            <a:endParaRPr/>
+            <a:endParaRPr lang="en-GB"/>
           </a:p>
           <a:p>
-            <a:pPr indent="0" lvl="0" marL="0" rtl="0" algn="l">
+            <a:pPr marL="0" lvl="0" indent="0" algn="l" rtl="0">
               <a:spcBef>
                 <a:spcPts val="1200"/>
               </a:spcBef>
@@ -8211,10 +8265,6 @@
               </a:spcAft>
               <a:buNone/>
             </a:pPr>
-            <a:r>
-              <a:t/>
-            </a:r>
-            <a:endParaRPr/>
           </a:p>
         </p:txBody>
       </p:sp>
@@ -8227,18 +8277,17 @@
 </file>
 
 <file path=ppt/slides/slide9.xml><?xml version="1.0" encoding="utf-8"?>
-<p:sld xmlns:a="http://schemas.openxmlformats.org/drawingml/2006/main" xmlns:r="http://schemas.openxmlformats.org/officeDocument/2006/relationships" xmlns:mc="http://schemas.openxmlformats.org/markup-compatibility/2006" xmlns:mv="urn:schemas-microsoft-com:mac:vml" xmlns:p="http://schemas.openxmlformats.org/presentationml/2006/main" xmlns:c="http://schemas.openxmlformats.org/drawingml/2006/chart" xmlns:dgm="http://schemas.openxmlformats.org/drawingml/2006/diagram" xmlns:o="urn:schemas-microsoft-com:office:office" xmlns:v="urn:schemas-microsoft-com:vml" xmlns:pvml="urn:schemas-microsoft-com:office:powerpoint" xmlns:com="http://schemas.openxmlformats.org/drawingml/2006/compatibility" xmlns:p14="http://schemas.microsoft.com/office/powerpoint/2010/main" xmlns:p15="http://schemas.microsoft.com/office/powerpoint/2012/main" xmlns:ahyp="http://schemas.microsoft.com/office/drawing/2018/hyperlinkcolor">
+<p:sld xmlns:a="http://schemas.openxmlformats.org/drawingml/2006/main" xmlns:r="http://schemas.openxmlformats.org/officeDocument/2006/relationships" xmlns:p="http://schemas.openxmlformats.org/presentationml/2006/main">
   <p:cSld>
     <p:bg>
       <p:bgPr>
         <a:blipFill>
-          <a:blip r:embed="rId3">
-            <a:alphaModFix/>
-          </a:blip>
+          <a:blip r:embed="rId1"/>
           <a:stretch>
             <a:fillRect/>
           </a:stretch>
         </a:blipFill>
+        <a:effectLst/>
       </p:bgPr>
     </p:bg>
     <p:spTree>
@@ -8260,7 +8309,7 @@
           <p:cNvPr id="94" name="Google Shape;94;p21"/>
           <p:cNvSpPr txBox="1"/>
           <p:nvPr>
-            <p:ph idx="1" type="body"/>
+            <p:ph type="body" idx="1"/>
           </p:nvPr>
         </p:nvSpPr>
         <p:spPr>
@@ -8272,7 +8321,7 @@
             <a:avLst/>
           </a:prstGeom>
           <a:effectLst>
-            <a:outerShdw blurRad="185738" rotWithShape="0" algn="bl" dir="5400000" dist="371475">
+            <a:outerShdw blurRad="185738" dist="371475" dir="5400000" algn="bl" rotWithShape="0">
               <a:srgbClr val="04D6F9">
                 <a:alpha val="50000"/>
               </a:srgbClr>
@@ -8280,12 +8329,12 @@
           </a:effectLst>
         </p:spPr>
         <p:txBody>
-          <a:bodyPr anchorCtr="0" anchor="t" bIns="91425" lIns="91425" spcFirstLastPara="1" rIns="91425" wrap="square" tIns="91425">
+          <a:bodyPr spcFirstLastPara="1" wrap="square" lIns="91425" tIns="91425" rIns="91425" bIns="91425" anchor="t" anchorCtr="0">
             <a:noAutofit/>
           </a:bodyPr>
           <a:lstStyle/>
           <a:p>
-            <a:pPr indent="-298450" lvl="0" marL="457200" rtl="0" algn="ctr">
+            <a:pPr marL="457200" lvl="0" indent="-298450" algn="ctr" rtl="0">
               <a:spcBef>
                 <a:spcPts val="1200"/>
               </a:spcBef>
@@ -8299,7 +8348,7 @@
               <a:buChar char="●"/>
             </a:pPr>
             <a:r>
-              <a:rPr lang="en" sz="4800">
+              <a:rPr lang="en-GB" sz="4800">
                 <a:solidFill>
                   <a:srgbClr val="FFFFFF"/>
                 </a:solidFill>
@@ -8313,7 +8362,7 @@
             </a:endParaRPr>
           </a:p>
           <a:p>
-            <a:pPr indent="0" lvl="0" marL="0" rtl="0" algn="ctr">
+            <a:pPr marL="0" lvl="0" indent="0" algn="ctr" rtl="0">
               <a:spcBef>
                 <a:spcPts val="1200"/>
               </a:spcBef>
@@ -8322,9 +8371,6 @@
               </a:spcAft>
               <a:buNone/>
             </a:pPr>
-            <a:r>
-              <a:t/>
-            </a:r>
             <a:endParaRPr sz="4800">
               <a:solidFill>
                 <a:srgbClr val="FFFFFF"/>
@@ -8332,7 +8378,7 @@
             </a:endParaRPr>
           </a:p>
           <a:p>
-            <a:pPr indent="0" lvl="0" marL="0" rtl="0" algn="ctr">
+            <a:pPr marL="0" lvl="0" indent="0" algn="ctr" rtl="0">
               <a:spcBef>
                 <a:spcPts val="1200"/>
               </a:spcBef>
@@ -8341,9 +8387,6 @@
               </a:spcAft>
               <a:buNone/>
             </a:pPr>
-            <a:r>
-              <a:t/>
-            </a:r>
             <a:endParaRPr sz="4800">
               <a:solidFill>
                 <a:srgbClr val="FFFFFF"/>
@@ -8361,7 +8404,291 @@
 </file>
 
 <file path=ppt/theme/theme1.xml><?xml version="1.0" encoding="utf-8"?>
-<a:theme xmlns:a="http://schemas.openxmlformats.org/drawingml/2006/main" xmlns:r="http://schemas.openxmlformats.org/officeDocument/2006/relationships">
+<a:theme xmlns:a="http://schemas.openxmlformats.org/drawingml/2006/main" name="Simple Dark">
+  <a:themeElements>
+    <a:clrScheme name="Simple Dark">
+      <a:dk1>
+        <a:srgbClr val="FFFFFF"/>
+      </a:dk1>
+      <a:lt1>
+        <a:srgbClr val="212121"/>
+      </a:lt1>
+      <a:dk2>
+        <a:srgbClr val="303030"/>
+      </a:dk2>
+      <a:lt2>
+        <a:srgbClr val="ADADAD"/>
+      </a:lt2>
+      <a:accent1>
+        <a:srgbClr val="009688"/>
+      </a:accent1>
+      <a:accent2>
+        <a:srgbClr val="EEEEEE"/>
+      </a:accent2>
+      <a:accent3>
+        <a:srgbClr val="78909C"/>
+      </a:accent3>
+      <a:accent4>
+        <a:srgbClr val="FFAB40"/>
+      </a:accent4>
+      <a:accent5>
+        <a:srgbClr val="4DD0E1"/>
+      </a:accent5>
+      <a:accent6>
+        <a:srgbClr val="EEFF41"/>
+      </a:accent6>
+      <a:hlink>
+        <a:srgbClr val="4DD0E1"/>
+      </a:hlink>
+      <a:folHlink>
+        <a:srgbClr val="4DD0E1"/>
+      </a:folHlink>
+    </a:clrScheme>
+    <a:fontScheme name="Office">
+      <a:majorFont>
+        <a:latin typeface="Arial"/>
+        <a:ea typeface=""/>
+        <a:cs typeface=""/>
+        <a:font script="Jpan" typeface="ＭＳ Ｐゴシック"/>
+        <a:font script="Hang" typeface="맑은 고딕"/>
+        <a:font script="Hans" typeface="宋体"/>
+        <a:font script="Hant" typeface="新細明體"/>
+        <a:font script="Arab" typeface="Times New Roman"/>
+        <a:font script="Hebr" typeface="Times New Roman"/>
+        <a:font script="Thai" typeface="Angsana New"/>
+        <a:font script="Ethi" typeface="Nyala"/>
+        <a:font script="Beng" typeface="Vrinda"/>
+        <a:font script="Gujr" typeface="Shruti"/>
+        <a:font script="Khmr" typeface="MoolBoran"/>
+        <a:font script="Knda" typeface="Tunga"/>
+        <a:font script="Guru" typeface="Raavi"/>
+        <a:font script="Cans" typeface="Euphemia"/>
+        <a:font script="Cher" typeface="Plantagenet Cherokee"/>
+        <a:font script="Yiii" typeface="Microsoft Yi Baiti"/>
+        <a:font script="Tibt" typeface="Microsoft Himalaya"/>
+        <a:font script="Thaa" typeface="MV Boli"/>
+        <a:font script="Deva" typeface="Mangal"/>
+        <a:font script="Telu" typeface="Gautami"/>
+        <a:font script="Taml" typeface="Latha"/>
+        <a:font script="Syrc" typeface="Estrangelo Edessa"/>
+        <a:font script="Orya" typeface="Kalinga"/>
+        <a:font script="Mlym" typeface="Kartika"/>
+        <a:font script="Laoo" typeface="DokChampa"/>
+        <a:font script="Sinh" typeface="Iskoola Pota"/>
+        <a:font script="Mong" typeface="Mongolian Baiti"/>
+        <a:font script="Viet" typeface="Times New Roman"/>
+        <a:font script="Uigh" typeface="Microsoft Uighur"/>
+        <a:font script="Geor" typeface="Sylfaen"/>
+      </a:majorFont>
+      <a:minorFont>
+        <a:latin typeface="Arial"/>
+        <a:ea typeface=""/>
+        <a:cs typeface=""/>
+        <a:font script="Jpan" typeface="ＭＳ Ｐゴシック"/>
+        <a:font script="Hang" typeface="맑은 고딕"/>
+        <a:font script="Hans" typeface="宋体"/>
+        <a:font script="Hant" typeface="新細明體"/>
+        <a:font script="Arab" typeface="Arial"/>
+        <a:font script="Hebr" typeface="Arial"/>
+        <a:font script="Thai" typeface="Cordia New"/>
+        <a:font script="Ethi" typeface="Nyala"/>
+        <a:font script="Beng" typeface="Vrinda"/>
+        <a:font script="Gujr" typeface="Shruti"/>
+        <a:font script="Khmr" typeface="DaunPenh"/>
+        <a:font script="Knda" typeface="Tunga"/>
+        <a:font script="Guru" typeface="Raavi"/>
+        <a:font script="Cans" typeface="Euphemia"/>
+        <a:font script="Cher" typeface="Plantagenet Cherokee"/>
+        <a:font script="Yiii" typeface="Microsoft Yi Baiti"/>
+        <a:font script="Tibt" typeface="Microsoft Himalaya"/>
+        <a:font script="Thaa" typeface="MV Boli"/>
+        <a:font script="Deva" typeface="Mangal"/>
+        <a:font script="Telu" typeface="Gautami"/>
+        <a:font script="Taml" typeface="Latha"/>
+        <a:font script="Syrc" typeface="Estrangelo Edessa"/>
+        <a:font script="Orya" typeface="Kalinga"/>
+        <a:font script="Mlym" typeface="Kartika"/>
+        <a:font script="Laoo" typeface="DokChampa"/>
+        <a:font script="Sinh" typeface="Iskoola Pota"/>
+        <a:font script="Mong" typeface="Mongolian Baiti"/>
+        <a:font script="Viet" typeface="Arial"/>
+        <a:font script="Uigh" typeface="Microsoft Uighur"/>
+        <a:font script="Geor" typeface="Sylfaen"/>
+      </a:minorFont>
+    </a:fontScheme>
+    <a:fmtScheme name="Office">
+      <a:fillStyleLst>
+        <a:solidFill>
+          <a:schemeClr val="phClr"/>
+        </a:solidFill>
+        <a:gradFill rotWithShape="1">
+          <a:gsLst>
+            <a:gs pos="0">
+              <a:schemeClr val="phClr">
+                <a:tint val="50000"/>
+                <a:satMod val="300000"/>
+              </a:schemeClr>
+            </a:gs>
+            <a:gs pos="35000">
+              <a:schemeClr val="phClr">
+                <a:tint val="37000"/>
+                <a:satMod val="300000"/>
+              </a:schemeClr>
+            </a:gs>
+            <a:gs pos="100000">
+              <a:schemeClr val="phClr">
+                <a:tint val="15000"/>
+                <a:satMod val="350000"/>
+              </a:schemeClr>
+            </a:gs>
+          </a:gsLst>
+          <a:lin ang="16200000" scaled="1"/>
+        </a:gradFill>
+        <a:gradFill rotWithShape="1">
+          <a:gsLst>
+            <a:gs pos="0">
+              <a:schemeClr val="phClr">
+                <a:tint val="100000"/>
+                <a:shade val="100000"/>
+                <a:satMod val="130000"/>
+              </a:schemeClr>
+            </a:gs>
+            <a:gs pos="100000">
+              <a:schemeClr val="phClr">
+                <a:tint val="50000"/>
+                <a:shade val="100000"/>
+                <a:satMod val="350000"/>
+              </a:schemeClr>
+            </a:gs>
+          </a:gsLst>
+          <a:lin ang="16200000" scaled="0"/>
+        </a:gradFill>
+      </a:fillStyleLst>
+      <a:lnStyleLst>
+        <a:ln w="9525" cap="flat" cmpd="sng" algn="ctr">
+          <a:solidFill>
+            <a:schemeClr val="phClr">
+              <a:shade val="95000"/>
+              <a:satMod val="105000"/>
+            </a:schemeClr>
+          </a:solidFill>
+          <a:prstDash val="solid"/>
+        </a:ln>
+        <a:ln w="25400" cap="flat" cmpd="sng" algn="ctr">
+          <a:solidFill>
+            <a:schemeClr val="phClr"/>
+          </a:solidFill>
+          <a:prstDash val="solid"/>
+        </a:ln>
+        <a:ln w="38100" cap="flat" cmpd="sng" algn="ctr">
+          <a:solidFill>
+            <a:schemeClr val="phClr"/>
+          </a:solidFill>
+          <a:prstDash val="solid"/>
+        </a:ln>
+      </a:lnStyleLst>
+      <a:effectStyleLst>
+        <a:effectStyle>
+          <a:effectLst>
+            <a:outerShdw blurRad="40000" dist="20000" dir="5400000" rotWithShape="0">
+              <a:srgbClr val="000000">
+                <a:alpha val="38000"/>
+              </a:srgbClr>
+            </a:outerShdw>
+          </a:effectLst>
+        </a:effectStyle>
+        <a:effectStyle>
+          <a:effectLst>
+            <a:outerShdw blurRad="40000" dist="23000" dir="5400000" rotWithShape="0">
+              <a:srgbClr val="000000">
+                <a:alpha val="35000"/>
+              </a:srgbClr>
+            </a:outerShdw>
+          </a:effectLst>
+        </a:effectStyle>
+        <a:effectStyle>
+          <a:effectLst>
+            <a:outerShdw blurRad="40000" dist="23000" dir="5400000" rotWithShape="0">
+              <a:srgbClr val="000000">
+                <a:alpha val="35000"/>
+              </a:srgbClr>
+            </a:outerShdw>
+          </a:effectLst>
+          <a:scene3d>
+            <a:camera prst="orthographicFront">
+              <a:rot lat="0" lon="0" rev="0"/>
+            </a:camera>
+            <a:lightRig rig="threePt" dir="t">
+              <a:rot lat="0" lon="0" rev="1200000"/>
+            </a:lightRig>
+          </a:scene3d>
+          <a:sp3d>
+            <a:bevelT w="63500" h="25400"/>
+          </a:sp3d>
+        </a:effectStyle>
+      </a:effectStyleLst>
+      <a:bgFillStyleLst>
+        <a:solidFill>
+          <a:schemeClr val="phClr"/>
+        </a:solidFill>
+        <a:gradFill rotWithShape="1">
+          <a:gsLst>
+            <a:gs pos="0">
+              <a:schemeClr val="phClr">
+                <a:tint val="40000"/>
+                <a:satMod val="350000"/>
+              </a:schemeClr>
+            </a:gs>
+            <a:gs pos="40000">
+              <a:schemeClr val="phClr">
+                <a:tint val="45000"/>
+                <a:shade val="99000"/>
+                <a:satMod val="350000"/>
+              </a:schemeClr>
+            </a:gs>
+            <a:gs pos="100000">
+              <a:schemeClr val="phClr">
+                <a:shade val="20000"/>
+                <a:satMod val="255000"/>
+              </a:schemeClr>
+            </a:gs>
+          </a:gsLst>
+          <a:path path="circle">
+            <a:fillToRect l="50000" t="-80000" r="50000" b="180000"/>
+          </a:path>
+        </a:gradFill>
+        <a:gradFill rotWithShape="1">
+          <a:gsLst>
+            <a:gs pos="0">
+              <a:schemeClr val="phClr">
+                <a:tint val="80000"/>
+                <a:satMod val="300000"/>
+              </a:schemeClr>
+            </a:gs>
+            <a:gs pos="100000">
+              <a:schemeClr val="phClr">
+                <a:shade val="30000"/>
+                <a:satMod val="200000"/>
+              </a:schemeClr>
+            </a:gs>
+          </a:gsLst>
+          <a:path path="circle">
+            <a:fillToRect l="50000" t="50000" r="50000" b="50000"/>
+          </a:path>
+        </a:gradFill>
+      </a:bgFillStyleLst>
+    </a:fmtScheme>
+  </a:themeElements>
+  <a:extLst>
+    <a:ext uri="{05A4C25C-085E-4340-85A3-A5531E510DB2}">
+      <thm15:themeFamily xmlns:thm15="http://schemas.microsoft.com/office/thememl/2012/main" name="Office Theme" id="{62F939B6-93AF-4DB8-9C6B-D6C7DFDC589F}" vid="{4A3C46E8-61CC-4603-A589-7422A47A8E4A}"/>
+    </a:ext>
+  </a:extLst>
+</a:theme>
+</file>
+
+<file path=ppt/theme/theme2.xml><?xml version="1.0" encoding="utf-8"?>
+<a:theme xmlns:a="http://schemas.openxmlformats.org/drawingml/2006/main">
   <a:themeElements>
     <a:clrScheme name="Default">
       <a:dk1>
@@ -8636,284 +8963,10 @@
       </a:bgFillStyleLst>
     </a:fmtScheme>
   </a:themeElements>
-</a:theme>
-</file>
-
-<file path=ppt/theme/theme2.xml><?xml version="1.0" encoding="utf-8"?>
-<a:theme xmlns:a="http://schemas.openxmlformats.org/drawingml/2006/main" xmlns:r="http://schemas.openxmlformats.org/officeDocument/2006/relationships" name="Simple Dark">
-  <a:themeElements>
-    <a:clrScheme name="Simple Dark">
-      <a:dk1>
-        <a:srgbClr val="FFFFFF"/>
-      </a:dk1>
-      <a:lt1>
-        <a:srgbClr val="212121"/>
-      </a:lt1>
-      <a:dk2>
-        <a:srgbClr val="303030"/>
-      </a:dk2>
-      <a:lt2>
-        <a:srgbClr val="ADADAD"/>
-      </a:lt2>
-      <a:accent1>
-        <a:srgbClr val="009688"/>
-      </a:accent1>
-      <a:accent2>
-        <a:srgbClr val="EEEEEE"/>
-      </a:accent2>
-      <a:accent3>
-        <a:srgbClr val="78909C"/>
-      </a:accent3>
-      <a:accent4>
-        <a:srgbClr val="FFAB40"/>
-      </a:accent4>
-      <a:accent5>
-        <a:srgbClr val="4DD0E1"/>
-      </a:accent5>
-      <a:accent6>
-        <a:srgbClr val="EEFF41"/>
-      </a:accent6>
-      <a:hlink>
-        <a:srgbClr val="4DD0E1"/>
-      </a:hlink>
-      <a:folHlink>
-        <a:srgbClr val="4DD0E1"/>
-      </a:folHlink>
-    </a:clrScheme>
-    <a:fontScheme name="Office">
-      <a:majorFont>
-        <a:latin typeface="Arial"/>
-        <a:ea typeface=""/>
-        <a:cs typeface=""/>
-        <a:font script="Jpan" typeface="ＭＳ Ｐゴシック"/>
-        <a:font script="Hang" typeface="맑은 고딕"/>
-        <a:font script="Hans" typeface="宋体"/>
-        <a:font script="Hant" typeface="新細明體"/>
-        <a:font script="Arab" typeface="Times New Roman"/>
-        <a:font script="Hebr" typeface="Times New Roman"/>
-        <a:font script="Thai" typeface="Angsana New"/>
-        <a:font script="Ethi" typeface="Nyala"/>
-        <a:font script="Beng" typeface="Vrinda"/>
-        <a:font script="Gujr" typeface="Shruti"/>
-        <a:font script="Khmr" typeface="MoolBoran"/>
-        <a:font script="Knda" typeface="Tunga"/>
-        <a:font script="Guru" typeface="Raavi"/>
-        <a:font script="Cans" typeface="Euphemia"/>
-        <a:font script="Cher" typeface="Plantagenet Cherokee"/>
-        <a:font script="Yiii" typeface="Microsoft Yi Baiti"/>
-        <a:font script="Tibt" typeface="Microsoft Himalaya"/>
-        <a:font script="Thaa" typeface="MV Boli"/>
-        <a:font script="Deva" typeface="Mangal"/>
-        <a:font script="Telu" typeface="Gautami"/>
-        <a:font script="Taml" typeface="Latha"/>
-        <a:font script="Syrc" typeface="Estrangelo Edessa"/>
-        <a:font script="Orya" typeface="Kalinga"/>
-        <a:font script="Mlym" typeface="Kartika"/>
-        <a:font script="Laoo" typeface="DokChampa"/>
-        <a:font script="Sinh" typeface="Iskoola Pota"/>
-        <a:font script="Mong" typeface="Mongolian Baiti"/>
-        <a:font script="Viet" typeface="Times New Roman"/>
-        <a:font script="Uigh" typeface="Microsoft Uighur"/>
-        <a:font script="Geor" typeface="Sylfaen"/>
-      </a:majorFont>
-      <a:minorFont>
-        <a:latin typeface="Arial"/>
-        <a:ea typeface=""/>
-        <a:cs typeface=""/>
-        <a:font script="Jpan" typeface="ＭＳ Ｐゴシック"/>
-        <a:font script="Hang" typeface="맑은 고딕"/>
-        <a:font script="Hans" typeface="宋体"/>
-        <a:font script="Hant" typeface="新細明體"/>
-        <a:font script="Arab" typeface="Arial"/>
-        <a:font script="Hebr" typeface="Arial"/>
-        <a:font script="Thai" typeface="Cordia New"/>
-        <a:font script="Ethi" typeface="Nyala"/>
-        <a:font script="Beng" typeface="Vrinda"/>
-        <a:font script="Gujr" typeface="Shruti"/>
-        <a:font script="Khmr" typeface="DaunPenh"/>
-        <a:font script="Knda" typeface="Tunga"/>
-        <a:font script="Guru" typeface="Raavi"/>
-        <a:font script="Cans" typeface="Euphemia"/>
-        <a:font script="Cher" typeface="Plantagenet Cherokee"/>
-        <a:font script="Yiii" typeface="Microsoft Yi Baiti"/>
-        <a:font script="Tibt" typeface="Microsoft Himalaya"/>
-        <a:font script="Thaa" typeface="MV Boli"/>
-        <a:font script="Deva" typeface="Mangal"/>
-        <a:font script="Telu" typeface="Gautami"/>
-        <a:font script="Taml" typeface="Latha"/>
-        <a:font script="Syrc" typeface="Estrangelo Edessa"/>
-        <a:font script="Orya" typeface="Kalinga"/>
-        <a:font script="Mlym" typeface="Kartika"/>
-        <a:font script="Laoo" typeface="DokChampa"/>
-        <a:font script="Sinh" typeface="Iskoola Pota"/>
-        <a:font script="Mong" typeface="Mongolian Baiti"/>
-        <a:font script="Viet" typeface="Arial"/>
-        <a:font script="Uigh" typeface="Microsoft Uighur"/>
-        <a:font script="Geor" typeface="Sylfaen"/>
-      </a:minorFont>
-    </a:fontScheme>
-    <a:fmtScheme name="Office">
-      <a:fillStyleLst>
-        <a:solidFill>
-          <a:schemeClr val="phClr"/>
-        </a:solidFill>
-        <a:gradFill rotWithShape="1">
-          <a:gsLst>
-            <a:gs pos="0">
-              <a:schemeClr val="phClr">
-                <a:tint val="50000"/>
-                <a:satMod val="300000"/>
-              </a:schemeClr>
-            </a:gs>
-            <a:gs pos="35000">
-              <a:schemeClr val="phClr">
-                <a:tint val="37000"/>
-                <a:satMod val="300000"/>
-              </a:schemeClr>
-            </a:gs>
-            <a:gs pos="100000">
-              <a:schemeClr val="phClr">
-                <a:tint val="15000"/>
-                <a:satMod val="350000"/>
-              </a:schemeClr>
-            </a:gs>
-          </a:gsLst>
-          <a:lin ang="16200000" scaled="1"/>
-        </a:gradFill>
-        <a:gradFill rotWithShape="1">
-          <a:gsLst>
-            <a:gs pos="0">
-              <a:schemeClr val="phClr">
-                <a:tint val="100000"/>
-                <a:shade val="100000"/>
-                <a:satMod val="130000"/>
-              </a:schemeClr>
-            </a:gs>
-            <a:gs pos="100000">
-              <a:schemeClr val="phClr">
-                <a:tint val="50000"/>
-                <a:shade val="100000"/>
-                <a:satMod val="350000"/>
-              </a:schemeClr>
-            </a:gs>
-          </a:gsLst>
-          <a:lin ang="16200000" scaled="0"/>
-        </a:gradFill>
-      </a:fillStyleLst>
-      <a:lnStyleLst>
-        <a:ln w="9525" cap="flat" cmpd="sng" algn="ctr">
-          <a:solidFill>
-            <a:schemeClr val="phClr">
-              <a:shade val="95000"/>
-              <a:satMod val="105000"/>
-            </a:schemeClr>
-          </a:solidFill>
-          <a:prstDash val="solid"/>
-        </a:ln>
-        <a:ln w="25400" cap="flat" cmpd="sng" algn="ctr">
-          <a:solidFill>
-            <a:schemeClr val="phClr"/>
-          </a:solidFill>
-          <a:prstDash val="solid"/>
-        </a:ln>
-        <a:ln w="38100" cap="flat" cmpd="sng" algn="ctr">
-          <a:solidFill>
-            <a:schemeClr val="phClr"/>
-          </a:solidFill>
-          <a:prstDash val="solid"/>
-        </a:ln>
-      </a:lnStyleLst>
-      <a:effectStyleLst>
-        <a:effectStyle>
-          <a:effectLst>
-            <a:outerShdw blurRad="40000" dist="20000" dir="5400000" rotWithShape="0">
-              <a:srgbClr val="000000">
-                <a:alpha val="38000"/>
-              </a:srgbClr>
-            </a:outerShdw>
-          </a:effectLst>
-        </a:effectStyle>
-        <a:effectStyle>
-          <a:effectLst>
-            <a:outerShdw blurRad="40000" dist="23000" dir="5400000" rotWithShape="0">
-              <a:srgbClr val="000000">
-                <a:alpha val="35000"/>
-              </a:srgbClr>
-            </a:outerShdw>
-          </a:effectLst>
-        </a:effectStyle>
-        <a:effectStyle>
-          <a:effectLst>
-            <a:outerShdw blurRad="40000" dist="23000" dir="5400000" rotWithShape="0">
-              <a:srgbClr val="000000">
-                <a:alpha val="35000"/>
-              </a:srgbClr>
-            </a:outerShdw>
-          </a:effectLst>
-          <a:scene3d>
-            <a:camera prst="orthographicFront">
-              <a:rot lat="0" lon="0" rev="0"/>
-            </a:camera>
-            <a:lightRig rig="threePt" dir="t">
-              <a:rot lat="0" lon="0" rev="1200000"/>
-            </a:lightRig>
-          </a:scene3d>
-          <a:sp3d>
-            <a:bevelT w="63500" h="25400"/>
-          </a:sp3d>
-        </a:effectStyle>
-      </a:effectStyleLst>
-      <a:bgFillStyleLst>
-        <a:solidFill>
-          <a:schemeClr val="phClr"/>
-        </a:solidFill>
-        <a:gradFill rotWithShape="1">
-          <a:gsLst>
-            <a:gs pos="0">
-              <a:schemeClr val="phClr">
-                <a:tint val="40000"/>
-                <a:satMod val="350000"/>
-              </a:schemeClr>
-            </a:gs>
-            <a:gs pos="40000">
-              <a:schemeClr val="phClr">
-                <a:tint val="45000"/>
-                <a:shade val="99000"/>
-                <a:satMod val="350000"/>
-              </a:schemeClr>
-            </a:gs>
-            <a:gs pos="100000">
-              <a:schemeClr val="phClr">
-                <a:shade val="20000"/>
-                <a:satMod val="255000"/>
-              </a:schemeClr>
-            </a:gs>
-          </a:gsLst>
-          <a:path path="circle">
-            <a:fillToRect l="50000" t="-80000" r="50000" b="180000"/>
-          </a:path>
-        </a:gradFill>
-        <a:gradFill rotWithShape="1">
-          <a:gsLst>
-            <a:gs pos="0">
-              <a:schemeClr val="phClr">
-                <a:tint val="80000"/>
-                <a:satMod val="300000"/>
-              </a:schemeClr>
-            </a:gs>
-            <a:gs pos="100000">
-              <a:schemeClr val="phClr">
-                <a:shade val="30000"/>
-                <a:satMod val="200000"/>
-              </a:schemeClr>
-            </a:gs>
-          </a:gsLst>
-          <a:path path="circle">
-            <a:fillToRect l="50000" t="50000" r="50000" b="50000"/>
-          </a:path>
-        </a:gradFill>
-      </a:bgFillStyleLst>
-    </a:fmtScheme>
-  </a:themeElements>
+  <a:extLst>
+    <a:ext uri="{05A4C25C-085E-4340-85A3-A5531E510DB2}">
+      <thm15:themeFamily xmlns:thm15="http://schemas.microsoft.com/office/thememl/2012/main" name="Office Theme" id="{62F939B6-93AF-4DB8-9C6B-D6C7DFDC589F}" vid="{4A3C46E8-61CC-4603-A589-7422A47A8E4A}"/>
+    </a:ext>
+  </a:extLst>
 </a:theme>
 </file>